--- a/paper/presentation.pptx
+++ b/paper/presentation.pptx
@@ -5,10 +5,10 @@
     <p:sldMasterId id="2147483891" r:id="rId5"/>
   </p:sldMasterIdLst>
   <p:notesMasterIdLst>
-    <p:notesMasterId r:id="rId30"/>
+    <p:notesMasterId r:id="rId33"/>
   </p:notesMasterIdLst>
   <p:handoutMasterIdLst>
-    <p:handoutMasterId r:id="rId31"/>
+    <p:handoutMasterId r:id="rId34"/>
   </p:handoutMasterIdLst>
   <p:sldIdLst>
     <p:sldId id="354" r:id="rId6"/>
@@ -20,21 +20,24 @@
     <p:sldId id="359" r:id="rId12"/>
     <p:sldId id="365" r:id="rId13"/>
     <p:sldId id="360" r:id="rId14"/>
-    <p:sldId id="367" r:id="rId15"/>
-    <p:sldId id="368" r:id="rId16"/>
-    <p:sldId id="361" r:id="rId17"/>
-    <p:sldId id="369" r:id="rId18"/>
-    <p:sldId id="370" r:id="rId19"/>
-    <p:sldId id="374" r:id="rId20"/>
-    <p:sldId id="375" r:id="rId21"/>
-    <p:sldId id="376" r:id="rId22"/>
-    <p:sldId id="362" r:id="rId23"/>
-    <p:sldId id="371" r:id="rId24"/>
-    <p:sldId id="377" r:id="rId25"/>
-    <p:sldId id="363" r:id="rId26"/>
-    <p:sldId id="372" r:id="rId27"/>
-    <p:sldId id="366" r:id="rId28"/>
-    <p:sldId id="373" r:id="rId29"/>
+    <p:sldId id="378" r:id="rId15"/>
+    <p:sldId id="367" r:id="rId16"/>
+    <p:sldId id="368" r:id="rId17"/>
+    <p:sldId id="361" r:id="rId18"/>
+    <p:sldId id="369" r:id="rId19"/>
+    <p:sldId id="370" r:id="rId20"/>
+    <p:sldId id="374" r:id="rId21"/>
+    <p:sldId id="375" r:id="rId22"/>
+    <p:sldId id="381" r:id="rId23"/>
+    <p:sldId id="362" r:id="rId24"/>
+    <p:sldId id="371" r:id="rId25"/>
+    <p:sldId id="379" r:id="rId26"/>
+    <p:sldId id="377" r:id="rId27"/>
+    <p:sldId id="376" r:id="rId28"/>
+    <p:sldId id="363" r:id="rId29"/>
+    <p:sldId id="372" r:id="rId30"/>
+    <p:sldId id="366" r:id="rId31"/>
+    <p:sldId id="373" r:id="rId32"/>
   </p:sldIdLst>
   <p:sldSz cx="12192000" cy="6858000"/>
   <p:notesSz cx="6858000" cy="9144000"/>
@@ -163,6 +166,7 @@
         <p14:section name="CMake Analysis" id="{2864DE52-8CEA-48E9-AA4F-471E0B175908}">
           <p14:sldIdLst>
             <p14:sldId id="360"/>
+            <p14:sldId id="378"/>
             <p14:sldId id="367"/>
             <p14:sldId id="368"/>
           </p14:sldIdLst>
@@ -174,14 +178,16 @@
             <p14:sldId id="370"/>
             <p14:sldId id="374"/>
             <p14:sldId id="375"/>
-            <p14:sldId id="376"/>
+            <p14:sldId id="381"/>
           </p14:sldIdLst>
         </p14:section>
         <p14:section name="Performance Analysis" id="{5F7107B9-D005-451C-A192-35FF8CBE1CF7}">
           <p14:sldIdLst>
             <p14:sldId id="362"/>
             <p14:sldId id="371"/>
+            <p14:sldId id="379"/>
             <p14:sldId id="377"/>
+            <p14:sldId id="376"/>
           </p14:sldIdLst>
         </p14:section>
         <p14:section name="Conclusion and Outlook" id="{237A8B4B-0E6C-4816-80EE-9A08A73F4043}">
@@ -200,6 +206,9 @@
     </p:ext>
     <p:ext uri="{EFAFB233-063F-42B5-8137-9DF3F51BA10A}">
       <p15:sldGuideLst xmlns:p15="http://schemas.microsoft.com/office/powerpoint/2012/main"/>
+    </p:ext>
+    <p:ext uri="{2D200454-40CA-4A62-9FC3-DE9A4176ACB9}">
+      <p15:notesGuideLst xmlns:p15="http://schemas.microsoft.com/office/powerpoint/2012/main"/>
     </p:ext>
   </p:extLst>
 </p:presentation>
@@ -1183,7 +1192,6 @@
           </c:extLst>
         </c:ser>
         <c:dLbls>
-          <c:dLblPos val="t"/>
           <c:showLegendKey val="0"/>
           <c:showVal val="0"/>
           <c:showCatName val="0"/>
@@ -1266,7 +1274,7 @@
                   <a:cs typeface="+mn-cs"/>
                 </a:defRPr>
               </a:pPr>
-              <a:endParaRPr lang="en-US"/>
+              <a:endParaRPr lang="de-DE"/>
             </a:p>
           </c:txPr>
         </c:title>
@@ -1304,7 +1312,7 @@
                 <a:cs typeface="+mn-cs"/>
               </a:defRPr>
             </a:pPr>
-            <a:endParaRPr lang="en-US"/>
+            <a:endParaRPr lang="de-DE"/>
           </a:p>
         </c:txPr>
         <c:crossAx val="325240064"/>
@@ -1383,7 +1391,7 @@
                   <a:cs typeface="+mn-cs"/>
                 </a:defRPr>
               </a:pPr>
-              <a:endParaRPr lang="en-US"/>
+              <a:endParaRPr lang="de-DE"/>
             </a:p>
           </c:txPr>
         </c:title>
@@ -1421,7 +1429,7 @@
                 <a:cs typeface="+mn-cs"/>
               </a:defRPr>
             </a:pPr>
-            <a:endParaRPr lang="en-US"/>
+            <a:endParaRPr lang="de-DE"/>
           </a:p>
         </c:txPr>
         <c:crossAx val="325236736"/>
@@ -1463,7 +1471,7 @@
               <a:cs typeface="+mn-cs"/>
             </a:defRPr>
           </a:pPr>
-          <a:endParaRPr lang="en-US"/>
+          <a:endParaRPr lang="de-DE"/>
         </a:p>
       </c:txPr>
     </c:legend>
@@ -1492,7 +1500,7 @@
       <a:pPr>
         <a:defRPr/>
       </a:pPr>
-      <a:endParaRPr lang="en-US"/>
+      <a:endParaRPr lang="de-DE"/>
     </a:p>
   </c:txPr>
   <c:externalData r:id="rId3">
@@ -2139,7 +2147,7 @@
           <a:p>
             <a:fld id="{C6AC6211-610F-44E5-BF19-D3CDF6EDD281}" type="datetimeFigureOut">
               <a:rPr lang="de-DE" smtClean="0"/>
-              <a:t>12.09.2024</a:t>
+              <a:t>24.09.2024</a:t>
             </a:fld>
             <a:endParaRPr lang="de-DE" dirty="0"/>
           </a:p>
@@ -2305,7 +2313,7 @@
           <a:p>
             <a:fld id="{347435D3-23A6-45D3-8DFA-7317DC1E7A64}" type="datetimeFigureOut">
               <a:rPr lang="de-DE" smtClean="0"/>
-              <a:t>12.09.2024</a:t>
+              <a:t>24.09.2024</a:t>
             </a:fld>
             <a:endParaRPr lang="de-DE" dirty="0"/>
           </a:p>
@@ -2657,6 +2665,342 @@
 </p:notes>
 </file>
 
+<file path=ppt/notesSlides/notesSlide10.xml><?xml version="1.0" encoding="utf-8"?>
+<p:notes xmlns:a="http://schemas.openxmlformats.org/drawingml/2006/main" xmlns:r="http://schemas.openxmlformats.org/officeDocument/2006/relationships" xmlns:p="http://schemas.openxmlformats.org/presentationml/2006/main">
+  <p:cSld>
+    <p:spTree>
+      <p:nvGrpSpPr>
+        <p:cNvPr id="1" name=""/>
+        <p:cNvGrpSpPr/>
+        <p:nvPr/>
+      </p:nvGrpSpPr>
+      <p:grpSpPr>
+        <a:xfrm>
+          <a:off x="0" y="0"/>
+          <a:ext cx="0" cy="0"/>
+          <a:chOff x="0" y="0"/>
+          <a:chExt cx="0" cy="0"/>
+        </a:xfrm>
+      </p:grpSpPr>
+      <p:sp>
+        <p:nvSpPr>
+          <p:cNvPr id="2" name="Folienbildplatzhalter 1"/>
+          <p:cNvSpPr>
+            <a:spLocks noGrp="1" noRot="1" noChangeAspect="1"/>
+          </p:cNvSpPr>
+          <p:nvPr>
+            <p:ph type="sldImg"/>
+          </p:nvPr>
+        </p:nvSpPr>
+        <p:spPr/>
+      </p:sp>
+      <p:sp>
+        <p:nvSpPr>
+          <p:cNvPr id="3" name="Notizenplatzhalter 2"/>
+          <p:cNvSpPr>
+            <a:spLocks noGrp="1"/>
+          </p:cNvSpPr>
+          <p:nvPr>
+            <p:ph type="body" idx="1"/>
+          </p:nvPr>
+        </p:nvSpPr>
+        <p:spPr/>
+        <p:txBody>
+          <a:bodyPr/>
+          <a:lstStyle/>
+          <a:p>
+            <a:endParaRPr lang="de-DE" dirty="0"/>
+          </a:p>
+        </p:txBody>
+      </p:sp>
+      <p:sp>
+        <p:nvSpPr>
+          <p:cNvPr id="4" name="Foliennummernplatzhalter 3"/>
+          <p:cNvSpPr>
+            <a:spLocks noGrp="1"/>
+          </p:cNvSpPr>
+          <p:nvPr>
+            <p:ph type="sldNum" sz="quarter" idx="5"/>
+          </p:nvPr>
+        </p:nvSpPr>
+        <p:spPr/>
+        <p:txBody>
+          <a:bodyPr/>
+          <a:lstStyle/>
+          <a:p>
+            <a:fld id="{2969AC09-DF60-43F4-96BF-67D4D9A74094}" type="slidenum">
+              <a:rPr lang="de-DE" smtClean="0"/>
+              <a:t>21</a:t>
+            </a:fld>
+            <a:endParaRPr lang="de-DE" dirty="0"/>
+          </a:p>
+        </p:txBody>
+      </p:sp>
+    </p:spTree>
+    <p:extLst>
+      <p:ext uri="{BB962C8B-B14F-4D97-AF65-F5344CB8AC3E}">
+        <p14:creationId xmlns:p14="http://schemas.microsoft.com/office/powerpoint/2010/main" val="1983847664"/>
+      </p:ext>
+    </p:extLst>
+  </p:cSld>
+  <p:clrMapOvr>
+    <a:masterClrMapping/>
+  </p:clrMapOvr>
+</p:notes>
+</file>
+
+<file path=ppt/notesSlides/notesSlide11.xml><?xml version="1.0" encoding="utf-8"?>
+<p:notes xmlns:a="http://schemas.openxmlformats.org/drawingml/2006/main" xmlns:r="http://schemas.openxmlformats.org/officeDocument/2006/relationships" xmlns:p="http://schemas.openxmlformats.org/presentationml/2006/main">
+  <p:cSld>
+    <p:spTree>
+      <p:nvGrpSpPr>
+        <p:cNvPr id="1" name=""/>
+        <p:cNvGrpSpPr/>
+        <p:nvPr/>
+      </p:nvGrpSpPr>
+      <p:grpSpPr>
+        <a:xfrm>
+          <a:off x="0" y="0"/>
+          <a:ext cx="0" cy="0"/>
+          <a:chOff x="0" y="0"/>
+          <a:chExt cx="0" cy="0"/>
+        </a:xfrm>
+      </p:grpSpPr>
+      <p:sp>
+        <p:nvSpPr>
+          <p:cNvPr id="2" name="Folienbildplatzhalter 1"/>
+          <p:cNvSpPr>
+            <a:spLocks noGrp="1" noRot="1" noChangeAspect="1"/>
+          </p:cNvSpPr>
+          <p:nvPr>
+            <p:ph type="sldImg"/>
+          </p:nvPr>
+        </p:nvSpPr>
+        <p:spPr/>
+      </p:sp>
+      <p:sp>
+        <p:nvSpPr>
+          <p:cNvPr id="3" name="Notizenplatzhalter 2"/>
+          <p:cNvSpPr>
+            <a:spLocks noGrp="1"/>
+          </p:cNvSpPr>
+          <p:nvPr>
+            <p:ph type="body" idx="1"/>
+          </p:nvPr>
+        </p:nvSpPr>
+        <p:spPr/>
+        <p:txBody>
+          <a:bodyPr/>
+          <a:lstStyle/>
+          <a:p>
+            <a:endParaRPr lang="en-US" dirty="0"/>
+          </a:p>
+        </p:txBody>
+      </p:sp>
+      <p:sp>
+        <p:nvSpPr>
+          <p:cNvPr id="4" name="Foliennummernplatzhalter 3"/>
+          <p:cNvSpPr>
+            <a:spLocks noGrp="1"/>
+          </p:cNvSpPr>
+          <p:nvPr>
+            <p:ph type="sldNum" sz="quarter" idx="5"/>
+          </p:nvPr>
+        </p:nvSpPr>
+        <p:spPr/>
+        <p:txBody>
+          <a:bodyPr/>
+          <a:lstStyle/>
+          <a:p>
+            <a:fld id="{2969AC09-DF60-43F4-96BF-67D4D9A74094}" type="slidenum">
+              <a:rPr lang="de-DE" smtClean="0"/>
+              <a:t>22</a:t>
+            </a:fld>
+            <a:endParaRPr lang="de-DE" dirty="0"/>
+          </a:p>
+        </p:txBody>
+      </p:sp>
+    </p:spTree>
+    <p:extLst>
+      <p:ext uri="{BB962C8B-B14F-4D97-AF65-F5344CB8AC3E}">
+        <p14:creationId xmlns:p14="http://schemas.microsoft.com/office/powerpoint/2010/main" val="2900992880"/>
+      </p:ext>
+    </p:extLst>
+  </p:cSld>
+  <p:clrMapOvr>
+    <a:masterClrMapping/>
+  </p:clrMapOvr>
+</p:notes>
+</file>
+
+<file path=ppt/notesSlides/notesSlide12.xml><?xml version="1.0" encoding="utf-8"?>
+<p:notes xmlns:a="http://schemas.openxmlformats.org/drawingml/2006/main" xmlns:r="http://schemas.openxmlformats.org/officeDocument/2006/relationships" xmlns:p="http://schemas.openxmlformats.org/presentationml/2006/main">
+  <p:cSld>
+    <p:spTree>
+      <p:nvGrpSpPr>
+        <p:cNvPr id="1" name=""/>
+        <p:cNvGrpSpPr/>
+        <p:nvPr/>
+      </p:nvGrpSpPr>
+      <p:grpSpPr>
+        <a:xfrm>
+          <a:off x="0" y="0"/>
+          <a:ext cx="0" cy="0"/>
+          <a:chOff x="0" y="0"/>
+          <a:chExt cx="0" cy="0"/>
+        </a:xfrm>
+      </p:grpSpPr>
+      <p:sp>
+        <p:nvSpPr>
+          <p:cNvPr id="2" name="Folienbildplatzhalter 1"/>
+          <p:cNvSpPr>
+            <a:spLocks noGrp="1" noRot="1" noChangeAspect="1"/>
+          </p:cNvSpPr>
+          <p:nvPr>
+            <p:ph type="sldImg"/>
+          </p:nvPr>
+        </p:nvSpPr>
+        <p:spPr/>
+      </p:sp>
+      <p:sp>
+        <p:nvSpPr>
+          <p:cNvPr id="3" name="Notizenplatzhalter 2"/>
+          <p:cNvSpPr>
+            <a:spLocks noGrp="1"/>
+          </p:cNvSpPr>
+          <p:nvPr>
+            <p:ph type="body" idx="1"/>
+          </p:nvPr>
+        </p:nvSpPr>
+        <p:spPr/>
+        <p:txBody>
+          <a:bodyPr/>
+          <a:lstStyle/>
+          <a:p>
+            <a:endParaRPr lang="de-DE" dirty="0"/>
+          </a:p>
+        </p:txBody>
+      </p:sp>
+      <p:sp>
+        <p:nvSpPr>
+          <p:cNvPr id="4" name="Foliennummernplatzhalter 3"/>
+          <p:cNvSpPr>
+            <a:spLocks noGrp="1"/>
+          </p:cNvSpPr>
+          <p:nvPr>
+            <p:ph type="sldNum" sz="quarter" idx="5"/>
+          </p:nvPr>
+        </p:nvSpPr>
+        <p:spPr/>
+        <p:txBody>
+          <a:bodyPr/>
+          <a:lstStyle/>
+          <a:p>
+            <a:fld id="{2969AC09-DF60-43F4-96BF-67D4D9A74094}" type="slidenum">
+              <a:rPr lang="de-DE" smtClean="0"/>
+              <a:t>23</a:t>
+            </a:fld>
+            <a:endParaRPr lang="de-DE" dirty="0"/>
+          </a:p>
+        </p:txBody>
+      </p:sp>
+    </p:spTree>
+    <p:extLst>
+      <p:ext uri="{BB962C8B-B14F-4D97-AF65-F5344CB8AC3E}">
+        <p14:creationId xmlns:p14="http://schemas.microsoft.com/office/powerpoint/2010/main" val="866037881"/>
+      </p:ext>
+    </p:extLst>
+  </p:cSld>
+  <p:clrMapOvr>
+    <a:masterClrMapping/>
+  </p:clrMapOvr>
+</p:notes>
+</file>
+
+<file path=ppt/notesSlides/notesSlide13.xml><?xml version="1.0" encoding="utf-8"?>
+<p:notes xmlns:a="http://schemas.openxmlformats.org/drawingml/2006/main" xmlns:r="http://schemas.openxmlformats.org/officeDocument/2006/relationships" xmlns:p="http://schemas.openxmlformats.org/presentationml/2006/main">
+  <p:cSld>
+    <p:spTree>
+      <p:nvGrpSpPr>
+        <p:cNvPr id="1" name=""/>
+        <p:cNvGrpSpPr/>
+        <p:nvPr/>
+      </p:nvGrpSpPr>
+      <p:grpSpPr>
+        <a:xfrm>
+          <a:off x="0" y="0"/>
+          <a:ext cx="0" cy="0"/>
+          <a:chOff x="0" y="0"/>
+          <a:chExt cx="0" cy="0"/>
+        </a:xfrm>
+      </p:grpSpPr>
+      <p:sp>
+        <p:nvSpPr>
+          <p:cNvPr id="2" name="Folienbildplatzhalter 1"/>
+          <p:cNvSpPr>
+            <a:spLocks noGrp="1" noRot="1" noChangeAspect="1"/>
+          </p:cNvSpPr>
+          <p:nvPr>
+            <p:ph type="sldImg"/>
+          </p:nvPr>
+        </p:nvSpPr>
+        <p:spPr/>
+      </p:sp>
+      <p:sp>
+        <p:nvSpPr>
+          <p:cNvPr id="3" name="Notizenplatzhalter 2"/>
+          <p:cNvSpPr>
+            <a:spLocks noGrp="1"/>
+          </p:cNvSpPr>
+          <p:nvPr>
+            <p:ph type="body" idx="1"/>
+          </p:nvPr>
+        </p:nvSpPr>
+        <p:spPr/>
+        <p:txBody>
+          <a:bodyPr/>
+          <a:lstStyle/>
+          <a:p>
+            <a:endParaRPr lang="en-US" dirty="0"/>
+          </a:p>
+        </p:txBody>
+      </p:sp>
+      <p:sp>
+        <p:nvSpPr>
+          <p:cNvPr id="4" name="Foliennummernplatzhalter 3"/>
+          <p:cNvSpPr>
+            <a:spLocks noGrp="1"/>
+          </p:cNvSpPr>
+          <p:nvPr>
+            <p:ph type="sldNum" sz="quarter" idx="5"/>
+          </p:nvPr>
+        </p:nvSpPr>
+        <p:spPr/>
+        <p:txBody>
+          <a:bodyPr/>
+          <a:lstStyle/>
+          <a:p>
+            <a:fld id="{2969AC09-DF60-43F4-96BF-67D4D9A74094}" type="slidenum">
+              <a:rPr lang="de-DE" smtClean="0"/>
+              <a:t>25</a:t>
+            </a:fld>
+            <a:endParaRPr lang="de-DE" dirty="0"/>
+          </a:p>
+        </p:txBody>
+      </p:sp>
+    </p:spTree>
+    <p:extLst>
+      <p:ext uri="{BB962C8B-B14F-4D97-AF65-F5344CB8AC3E}">
+        <p14:creationId xmlns:p14="http://schemas.microsoft.com/office/powerpoint/2010/main" val="2771994122"/>
+      </p:ext>
+    </p:extLst>
+  </p:cSld>
+  <p:clrMapOvr>
+    <a:masterClrMapping/>
+  </p:clrMapOvr>
+</p:notes>
+</file>
+
 <file path=ppt/notesSlides/notesSlide2.xml><?xml version="1.0" encoding="utf-8"?>
 <p:notes xmlns:a="http://schemas.openxmlformats.org/drawingml/2006/main" xmlns:r="http://schemas.openxmlformats.org/officeDocument/2006/relationships" xmlns:p="http://schemas.openxmlformats.org/presentationml/2006/main">
   <p:cSld>
@@ -2785,7 +3129,7 @@
           <a:bodyPr/>
           <a:lstStyle/>
           <a:p>
-            <a:endParaRPr lang="en-US" dirty="0"/>
+            <a:endParaRPr lang="de-DE" dirty="0"/>
           </a:p>
         </p:txBody>
       </p:sp>
@@ -2806,7 +3150,7 @@
           <a:p>
             <a:fld id="{2969AC09-DF60-43F4-96BF-67D4D9A74094}" type="slidenum">
               <a:rPr lang="de-DE" smtClean="0"/>
-              <a:t>11</a:t>
+              <a:t>10</a:t>
             </a:fld>
             <a:endParaRPr lang="de-DE" dirty="0"/>
           </a:p>
@@ -2815,7 +3159,7 @@
     </p:spTree>
     <p:extLst>
       <p:ext uri="{BB962C8B-B14F-4D97-AF65-F5344CB8AC3E}">
-        <p14:creationId xmlns:p14="http://schemas.microsoft.com/office/powerpoint/2010/main" val="2775864770"/>
+        <p14:creationId xmlns:p14="http://schemas.microsoft.com/office/powerpoint/2010/main" val="2331114462"/>
       </p:ext>
     </p:extLst>
   </p:cSld>
@@ -2869,7 +3213,7 @@
           <a:bodyPr/>
           <a:lstStyle/>
           <a:p>
-            <a:endParaRPr lang="en-US" dirty="0"/>
+            <a:endParaRPr lang="de-DE" dirty="0"/>
           </a:p>
         </p:txBody>
       </p:sp>
@@ -2890,7 +3234,7 @@
           <a:p>
             <a:fld id="{2969AC09-DF60-43F4-96BF-67D4D9A74094}" type="slidenum">
               <a:rPr lang="de-DE" smtClean="0"/>
-              <a:t>16</a:t>
+              <a:t>11</a:t>
             </a:fld>
             <a:endParaRPr lang="de-DE" dirty="0"/>
           </a:p>
@@ -2899,7 +3243,7 @@
     </p:spTree>
     <p:extLst>
       <p:ext uri="{BB962C8B-B14F-4D97-AF65-F5344CB8AC3E}">
-        <p14:creationId xmlns:p14="http://schemas.microsoft.com/office/powerpoint/2010/main" val="44850016"/>
+        <p14:creationId xmlns:p14="http://schemas.microsoft.com/office/powerpoint/2010/main" val="2246933697"/>
       </p:ext>
     </p:extLst>
   </p:cSld>
@@ -2974,7 +3318,7 @@
           <a:p>
             <a:fld id="{2969AC09-DF60-43F4-96BF-67D4D9A74094}" type="slidenum">
               <a:rPr lang="de-DE" smtClean="0"/>
-              <a:t>19</a:t>
+              <a:t>12</a:t>
             </a:fld>
             <a:endParaRPr lang="de-DE" dirty="0"/>
           </a:p>
@@ -2983,7 +3327,7 @@
     </p:spTree>
     <p:extLst>
       <p:ext uri="{BB962C8B-B14F-4D97-AF65-F5344CB8AC3E}">
-        <p14:creationId xmlns:p14="http://schemas.microsoft.com/office/powerpoint/2010/main" val="1167464636"/>
+        <p14:creationId xmlns:p14="http://schemas.microsoft.com/office/powerpoint/2010/main" val="2775864770"/>
       </p:ext>
     </p:extLst>
   </p:cSld>
@@ -3037,7 +3381,7 @@
           <a:bodyPr/>
           <a:lstStyle/>
           <a:p>
-            <a:endParaRPr lang="en-US" dirty="0"/>
+            <a:endParaRPr lang="de-DE" dirty="0"/>
           </a:p>
         </p:txBody>
       </p:sp>
@@ -3058,7 +3402,7 @@
           <a:p>
             <a:fld id="{2969AC09-DF60-43F4-96BF-67D4D9A74094}" type="slidenum">
               <a:rPr lang="de-DE" smtClean="0"/>
-              <a:t>20</a:t>
+              <a:t>16</a:t>
             </a:fld>
             <a:endParaRPr lang="de-DE" dirty="0"/>
           </a:p>
@@ -3067,7 +3411,7 @@
     </p:spTree>
     <p:extLst>
       <p:ext uri="{BB962C8B-B14F-4D97-AF65-F5344CB8AC3E}">
-        <p14:creationId xmlns:p14="http://schemas.microsoft.com/office/powerpoint/2010/main" val="2900992880"/>
+        <p14:creationId xmlns:p14="http://schemas.microsoft.com/office/powerpoint/2010/main" val="2364202107"/>
       </p:ext>
     </p:extLst>
   </p:cSld>
@@ -3142,7 +3486,7 @@
           <a:p>
             <a:fld id="{2969AC09-DF60-43F4-96BF-67D4D9A74094}" type="slidenum">
               <a:rPr lang="de-DE" smtClean="0"/>
-              <a:t>22</a:t>
+              <a:t>17</a:t>
             </a:fld>
             <a:endParaRPr lang="de-DE" dirty="0"/>
           </a:p>
@@ -3151,7 +3495,175 @@
     </p:spTree>
     <p:extLst>
       <p:ext uri="{BB962C8B-B14F-4D97-AF65-F5344CB8AC3E}">
-        <p14:creationId xmlns:p14="http://schemas.microsoft.com/office/powerpoint/2010/main" val="2771994122"/>
+        <p14:creationId xmlns:p14="http://schemas.microsoft.com/office/powerpoint/2010/main" val="44850016"/>
+      </p:ext>
+    </p:extLst>
+  </p:cSld>
+  <p:clrMapOvr>
+    <a:masterClrMapping/>
+  </p:clrMapOvr>
+</p:notes>
+</file>
+
+<file path=ppt/notesSlides/notesSlide8.xml><?xml version="1.0" encoding="utf-8"?>
+<p:notes xmlns:a="http://schemas.openxmlformats.org/drawingml/2006/main" xmlns:r="http://schemas.openxmlformats.org/officeDocument/2006/relationships" xmlns:p="http://schemas.openxmlformats.org/presentationml/2006/main">
+  <p:cSld>
+    <p:spTree>
+      <p:nvGrpSpPr>
+        <p:cNvPr id="1" name=""/>
+        <p:cNvGrpSpPr/>
+        <p:nvPr/>
+      </p:nvGrpSpPr>
+      <p:grpSpPr>
+        <a:xfrm>
+          <a:off x="0" y="0"/>
+          <a:ext cx="0" cy="0"/>
+          <a:chOff x="0" y="0"/>
+          <a:chExt cx="0" cy="0"/>
+        </a:xfrm>
+      </p:grpSpPr>
+      <p:sp>
+        <p:nvSpPr>
+          <p:cNvPr id="2" name="Folienbildplatzhalter 1"/>
+          <p:cNvSpPr>
+            <a:spLocks noGrp="1" noRot="1" noChangeAspect="1"/>
+          </p:cNvSpPr>
+          <p:nvPr>
+            <p:ph type="sldImg"/>
+          </p:nvPr>
+        </p:nvSpPr>
+        <p:spPr/>
+      </p:sp>
+      <p:sp>
+        <p:nvSpPr>
+          <p:cNvPr id="3" name="Notizenplatzhalter 2"/>
+          <p:cNvSpPr>
+            <a:spLocks noGrp="1"/>
+          </p:cNvSpPr>
+          <p:nvPr>
+            <p:ph type="body" idx="1"/>
+          </p:nvPr>
+        </p:nvSpPr>
+        <p:spPr/>
+        <p:txBody>
+          <a:bodyPr/>
+          <a:lstStyle/>
+          <a:p>
+            <a:endParaRPr lang="de-DE" dirty="0"/>
+          </a:p>
+        </p:txBody>
+      </p:sp>
+      <p:sp>
+        <p:nvSpPr>
+          <p:cNvPr id="4" name="Foliennummernplatzhalter 3"/>
+          <p:cNvSpPr>
+            <a:spLocks noGrp="1"/>
+          </p:cNvSpPr>
+          <p:nvPr>
+            <p:ph type="sldNum" sz="quarter" idx="5"/>
+          </p:nvPr>
+        </p:nvSpPr>
+        <p:spPr/>
+        <p:txBody>
+          <a:bodyPr/>
+          <a:lstStyle/>
+          <a:p>
+            <a:fld id="{2969AC09-DF60-43F4-96BF-67D4D9A74094}" type="slidenum">
+              <a:rPr lang="de-DE" smtClean="0"/>
+              <a:t>18</a:t>
+            </a:fld>
+            <a:endParaRPr lang="de-DE" dirty="0"/>
+          </a:p>
+        </p:txBody>
+      </p:sp>
+    </p:spTree>
+    <p:extLst>
+      <p:ext uri="{BB962C8B-B14F-4D97-AF65-F5344CB8AC3E}">
+        <p14:creationId xmlns:p14="http://schemas.microsoft.com/office/powerpoint/2010/main" val="4141365785"/>
+      </p:ext>
+    </p:extLst>
+  </p:cSld>
+  <p:clrMapOvr>
+    <a:masterClrMapping/>
+  </p:clrMapOvr>
+</p:notes>
+</file>
+
+<file path=ppt/notesSlides/notesSlide9.xml><?xml version="1.0" encoding="utf-8"?>
+<p:notes xmlns:a="http://schemas.openxmlformats.org/drawingml/2006/main" xmlns:r="http://schemas.openxmlformats.org/officeDocument/2006/relationships" xmlns:p="http://schemas.openxmlformats.org/presentationml/2006/main">
+  <p:cSld>
+    <p:spTree>
+      <p:nvGrpSpPr>
+        <p:cNvPr id="1" name=""/>
+        <p:cNvGrpSpPr/>
+        <p:nvPr/>
+      </p:nvGrpSpPr>
+      <p:grpSpPr>
+        <a:xfrm>
+          <a:off x="0" y="0"/>
+          <a:ext cx="0" cy="0"/>
+          <a:chOff x="0" y="0"/>
+          <a:chExt cx="0" cy="0"/>
+        </a:xfrm>
+      </p:grpSpPr>
+      <p:sp>
+        <p:nvSpPr>
+          <p:cNvPr id="2" name="Folienbildplatzhalter 1"/>
+          <p:cNvSpPr>
+            <a:spLocks noGrp="1" noRot="1" noChangeAspect="1"/>
+          </p:cNvSpPr>
+          <p:nvPr>
+            <p:ph type="sldImg"/>
+          </p:nvPr>
+        </p:nvSpPr>
+        <p:spPr/>
+      </p:sp>
+      <p:sp>
+        <p:nvSpPr>
+          <p:cNvPr id="3" name="Notizenplatzhalter 2"/>
+          <p:cNvSpPr>
+            <a:spLocks noGrp="1"/>
+          </p:cNvSpPr>
+          <p:nvPr>
+            <p:ph type="body" idx="1"/>
+          </p:nvPr>
+        </p:nvSpPr>
+        <p:spPr/>
+        <p:txBody>
+          <a:bodyPr/>
+          <a:lstStyle/>
+          <a:p>
+            <a:endParaRPr lang="en-US" dirty="0"/>
+          </a:p>
+        </p:txBody>
+      </p:sp>
+      <p:sp>
+        <p:nvSpPr>
+          <p:cNvPr id="4" name="Foliennummernplatzhalter 3"/>
+          <p:cNvSpPr>
+            <a:spLocks noGrp="1"/>
+          </p:cNvSpPr>
+          <p:nvPr>
+            <p:ph type="sldNum" sz="quarter" idx="5"/>
+          </p:nvPr>
+        </p:nvSpPr>
+        <p:spPr/>
+        <p:txBody>
+          <a:bodyPr/>
+          <a:lstStyle/>
+          <a:p>
+            <a:fld id="{2969AC09-DF60-43F4-96BF-67D4D9A74094}" type="slidenum">
+              <a:rPr lang="de-DE" smtClean="0"/>
+              <a:t>20</a:t>
+            </a:fld>
+            <a:endParaRPr lang="de-DE" dirty="0"/>
+          </a:p>
+        </p:txBody>
+      </p:sp>
+    </p:spTree>
+    <p:extLst>
+      <p:ext uri="{BB962C8B-B14F-4D97-AF65-F5344CB8AC3E}">
+        <p14:creationId xmlns:p14="http://schemas.microsoft.com/office/powerpoint/2010/main" val="1167464636"/>
       </p:ext>
     </p:extLst>
   </p:cSld>
@@ -4468,10 +4980,10 @@
       </p:sp>
       <p:sp>
         <p:nvSpPr>
-          <p:cNvPr id="5" name="Titel 3">
+          <p:cNvPr id="2" name="Titel 1">
             <a:extLst>
               <a:ext uri="{FF2B5EF4-FFF2-40B4-BE49-F238E27FC236}">
-                <a16:creationId xmlns:a16="http://schemas.microsoft.com/office/drawing/2014/main" id="{D2D47FDF-D18B-A641-AA08-E5AB10C459EE}"/>
+                <a16:creationId xmlns:a16="http://schemas.microsoft.com/office/drawing/2014/main" id="{222AA8FD-639D-4F4A-84B9-72CC245A2B3B}"/>
               </a:ext>
             </a:extLst>
           </p:cNvPr>
@@ -4479,40 +4991,17 @@
             <a:spLocks noGrp="1"/>
           </p:cNvSpPr>
           <p:nvPr>
-            <p:ph type="title" hasCustomPrompt="1"/>
+            <p:ph type="title"/>
           </p:nvPr>
         </p:nvSpPr>
-        <p:spPr>
-          <a:xfrm>
-            <a:off x="874712" y="346075"/>
-            <a:ext cx="10580687" cy="684213"/>
-          </a:xfrm>
-        </p:spPr>
+        <p:spPr/>
         <p:txBody>
           <a:bodyPr/>
-          <a:lstStyle>
-            <a:lvl1pPr marL="0" marR="0" indent="0" algn="l" defTabSz="914269" rtl="0" eaLnBrk="1" fontAlgn="auto" latinLnBrk="0" hangingPunct="1">
-              <a:lnSpc>
-                <a:spcPct val="100000"/>
-              </a:lnSpc>
-              <a:spcBef>
-                <a:spcPct val="0"/>
-              </a:spcBef>
-              <a:spcAft>
-                <a:spcPts val="0"/>
-              </a:spcAft>
-              <a:buClrTx/>
-              <a:buSzTx/>
-              <a:buFontTx/>
-              <a:buNone/>
-              <a:tabLst/>
-              <a:defRPr/>
-            </a:lvl1pPr>
-          </a:lstStyle>
-          <a:p>
-            <a:r>
-              <a:rPr lang="en-US" noProof="0" dirty="0"/>
-              <a:t>Edit title by clicking</a:t>
+          <a:lstStyle/>
+          <a:p>
+            <a:r>
+              <a:rPr lang="de-DE"/>
+              <a:t>Mastertitelformat bearbeiten</a:t>
             </a:r>
           </a:p>
         </p:txBody>
@@ -6262,7 +6751,7 @@
         <p:spPr>
           <a:xfrm>
             <a:off x="2462444" y="6323498"/>
-            <a:ext cx="7200000" cy="276999"/>
+            <a:ext cx="7200000" cy="138499"/>
           </a:xfrm>
           <a:prstGeom prst="rect">
             <a:avLst/>
@@ -6298,21 +6787,7 @@
                   <a:schemeClr val="bg2"/>
                 </a:solidFill>
               </a:rPr>
-              <a:t>Title </a:t>
-            </a:r>
-          </a:p>
-          <a:p>
-            <a:pPr algn="ctr"/>
-            <a:r>
-              <a:rPr lang="en-US" sz="900" baseline="0" noProof="0" dirty="0">
-                <a:solidFill>
-                  <a:schemeClr val="bg2"/>
-                </a:solidFill>
-                <a:latin typeface="Open Sans" panose="020B0606030504020204" pitchFamily="34" charset="0"/>
-                <a:ea typeface="Open Sans" panose="020B0606030504020204" pitchFamily="34" charset="0"/>
-                <a:cs typeface="Open Sans" panose="020B0606030504020204" pitchFamily="34" charset="0"/>
-              </a:rPr>
-              <a:t>Name</a:t>
+              <a:t>Score-P Control via Cmake</a:t>
             </a:r>
           </a:p>
         </p:txBody>
@@ -6932,7 +7407,7 @@
           <p:cNvPr id="4" name="Inhaltsplatzhalter 3">
             <a:extLst>
               <a:ext uri="{FF2B5EF4-FFF2-40B4-BE49-F238E27FC236}">
-                <a16:creationId xmlns:a16="http://schemas.microsoft.com/office/drawing/2014/main" id="{07937AD8-F3EB-4DC9-B91D-B26374944E0C}"/>
+                <a16:creationId xmlns:a16="http://schemas.microsoft.com/office/drawing/2014/main" id="{D9E2830D-C4DC-41AA-9837-26F212B7BB7E}"/>
               </a:ext>
             </a:extLst>
           </p:cNvPr>
@@ -6954,7 +7429,17 @@
             </a:pPr>
             <a:r>
               <a:rPr lang="en-US" dirty="0"/>
-              <a:t>project description language only has one datatype (string)</a:t>
+              <a:t>before building a project  it has to be configured by evaluating its definition</a:t>
+            </a:r>
+          </a:p>
+          <a:p>
+            <a:pPr marL="681692" lvl="1" indent="-285750">
+              <a:buFont typeface="Arial" panose="020B0604020202020204" pitchFamily="34" charset="0"/>
+              <a:buChar char="•"/>
+            </a:pPr>
+            <a:r>
+              <a:rPr lang="en-US" dirty="0"/>
+              <a:t>may call the configured compiler to extract information or compile test programs</a:t>
             </a:r>
           </a:p>
           <a:p>
@@ -6964,88 +7449,11 @@
             </a:pPr>
             <a:r>
               <a:rPr lang="en-US" dirty="0"/>
-              <a:t>complex data structures may be difficult to implement</a:t>
-            </a:r>
-          </a:p>
-          <a:p>
-            <a:pPr marL="285750" indent="-285750">
-              <a:buFont typeface="Arial" panose="020B0604020202020204" pitchFamily="34" charset="0"/>
-              <a:buChar char="•"/>
-            </a:pPr>
-            <a:r>
-              <a:rPr lang="en-US" dirty="0"/>
-              <a:t>before building a project  it has to be configured by evaluating its description</a:t>
-            </a:r>
-          </a:p>
-          <a:p>
-            <a:pPr marL="681692" lvl="1" indent="-285750">
-              <a:buFont typeface="Arial" panose="020B0604020202020204" pitchFamily="34" charset="0"/>
-              <a:buChar char="•"/>
-            </a:pPr>
-            <a:r>
-              <a:rPr lang="en-US" dirty="0"/>
-              <a:t>may call the configured compiler to extract information or compile test programs</a:t>
-            </a:r>
-          </a:p>
-          <a:p>
-            <a:pPr marL="681750" lvl="2" indent="-285750">
-              <a:buFont typeface="Wingdings" panose="05000000000000000000" pitchFamily="2" charset="2"/>
-              <a:buChar char="Ø"/>
-            </a:pPr>
-            <a:r>
-              <a:rPr lang="en-US" dirty="0"/>
               <a:t>using Score-P during project configuration may cause it to fail</a:t>
             </a:r>
           </a:p>
           <a:p>
-            <a:pPr marL="285750" indent="-285750">
-              <a:buFont typeface="Arial" panose="020B0604020202020204" pitchFamily="34" charset="0"/>
-              <a:buChar char="•"/>
-            </a:pPr>
-            <a:r>
-              <a:rPr lang="en-US" dirty="0"/>
-              <a:t>project description is made out of targets with properties</a:t>
-            </a:r>
-          </a:p>
-          <a:p>
-            <a:pPr marL="681692" lvl="1" indent="-285750">
-              <a:buFont typeface="Arial" panose="020B0604020202020204" pitchFamily="34" charset="0"/>
-              <a:buChar char="•"/>
-            </a:pPr>
-            <a:r>
-              <a:rPr lang="en-US" dirty="0"/>
-              <a:t>represent operations to generate some outputs from inputs</a:t>
-            </a:r>
-          </a:p>
-          <a:p>
-            <a:pPr marL="681692" lvl="1" indent="-285750">
-              <a:buFont typeface="Arial" panose="020B0604020202020204" pitchFamily="34" charset="0"/>
-              <a:buChar char="•"/>
-            </a:pPr>
-            <a:r>
-              <a:rPr lang="en-US" dirty="0"/>
-              <a:t>properties allow to store information for each target and affect its operation</a:t>
-            </a:r>
-          </a:p>
-          <a:p>
-            <a:pPr marL="681692" lvl="1" indent="-285750">
-              <a:buFont typeface="Arial" panose="020B0604020202020204" pitchFamily="34" charset="0"/>
-              <a:buChar char="•"/>
-            </a:pPr>
-            <a:r>
-              <a:rPr lang="en-US" dirty="0"/>
-              <a:t>properties may contain “generator expressions” which can’t be evaluated during configuring</a:t>
-            </a:r>
-          </a:p>
-          <a:p>
-            <a:pPr marL="681750" lvl="2" indent="-285750">
-              <a:buFont typeface="Wingdings" panose="05000000000000000000" pitchFamily="2" charset="2"/>
-              <a:buChar char="Ø"/>
-            </a:pPr>
-            <a:r>
-              <a:rPr lang="en-US" dirty="0"/>
-              <a:t>access to all target properties is limited</a:t>
-            </a:r>
+            <a:endParaRPr lang="de-DE" dirty="0"/>
           </a:p>
         </p:txBody>
       </p:sp>
@@ -7054,7 +7462,7 @@
           <p:cNvPr id="3" name="Titel 2">
             <a:extLst>
               <a:ext uri="{FF2B5EF4-FFF2-40B4-BE49-F238E27FC236}">
-                <a16:creationId xmlns:a16="http://schemas.microsoft.com/office/drawing/2014/main" id="{4E9B2F1C-E1C5-4199-ACE1-7369D2F38035}"/>
+                <a16:creationId xmlns:a16="http://schemas.microsoft.com/office/drawing/2014/main" id="{01D997C9-FB42-40D0-B381-E72C8DAB2580}"/>
               </a:ext>
             </a:extLst>
           </p:cNvPr>
@@ -7072,15 +7480,51 @@
           <a:p>
             <a:r>
               <a:rPr lang="en-US" dirty="0"/>
-              <a:t>CMake Analysis (1)</a:t>
+              <a:t>CMake Analysis (Project configuration)</a:t>
             </a:r>
           </a:p>
         </p:txBody>
       </p:sp>
+      <p:pic>
+        <p:nvPicPr>
+          <p:cNvPr id="6" name="Grafik 5">
+            <a:extLst>
+              <a:ext uri="{FF2B5EF4-FFF2-40B4-BE49-F238E27FC236}">
+                <a16:creationId xmlns:a16="http://schemas.microsoft.com/office/drawing/2014/main" id="{F1DA5DB0-309A-401E-8074-08F89871C5A6}"/>
+              </a:ext>
+            </a:extLst>
+          </p:cNvPr>
+          <p:cNvPicPr>
+            <a:picLocks noChangeAspect="1"/>
+          </p:cNvPicPr>
+          <p:nvPr/>
+        </p:nvPicPr>
+        <p:blipFill>
+          <a:blip r:embed="rId3">
+            <a:extLst>
+              <a:ext uri="{28A0092B-C50C-407E-A947-70E740481C1C}">
+                <a14:useLocalDpi xmlns:a14="http://schemas.microsoft.com/office/drawing/2010/main" val="0"/>
+              </a:ext>
+            </a:extLst>
+          </a:blip>
+          <a:stretch>
+            <a:fillRect/>
+          </a:stretch>
+        </p:blipFill>
+        <p:spPr>
+          <a:xfrm>
+            <a:off x="1241717" y="3081337"/>
+            <a:ext cx="7373645" cy="1852613"/>
+          </a:xfrm>
+          <a:prstGeom prst="rect">
+            <a:avLst/>
+          </a:prstGeom>
+        </p:spPr>
+      </p:pic>
     </p:spTree>
     <p:extLst>
       <p:ext uri="{BB962C8B-B14F-4D97-AF65-F5344CB8AC3E}">
-        <p14:creationId xmlns:p14="http://schemas.microsoft.com/office/powerpoint/2010/main" val="2781825229"/>
+        <p14:creationId xmlns:p14="http://schemas.microsoft.com/office/powerpoint/2010/main" val="1858750977"/>
       </p:ext>
     </p:extLst>
   </p:cSld>
@@ -7109,10 +7553,10 @@
       </p:grpSpPr>
       <p:sp>
         <p:nvSpPr>
-          <p:cNvPr id="2" name="Inhaltsplatzhalter 1">
+          <p:cNvPr id="4" name="Inhaltsplatzhalter 3">
             <a:extLst>
               <a:ext uri="{FF2B5EF4-FFF2-40B4-BE49-F238E27FC236}">
-                <a16:creationId xmlns:a16="http://schemas.microsoft.com/office/drawing/2014/main" id="{79B02763-22A6-4E74-B546-981E64B35597}"/>
+                <a16:creationId xmlns:a16="http://schemas.microsoft.com/office/drawing/2014/main" id="{07937AD8-F3EB-4DC9-B91D-B26374944E0C}"/>
               </a:ext>
             </a:extLst>
           </p:cNvPr>
@@ -7134,7 +7578,7 @@
             </a:pPr>
             <a:r>
               <a:rPr lang="en-US" dirty="0"/>
-              <a:t>allows to reuse definitions using modules</a:t>
+              <a:t>project definition is made out of targets with properties</a:t>
             </a:r>
           </a:p>
           <a:p>
@@ -7144,7 +7588,7 @@
             </a:pPr>
             <a:r>
               <a:rPr lang="en-US" dirty="0"/>
-              <a:t>are files containing code written in the project description language</a:t>
+              <a:t>represent operations to generate some outputs from some inputs</a:t>
             </a:r>
           </a:p>
           <a:p>
@@ -7154,7 +7598,17 @@
             </a:pPr>
             <a:r>
               <a:rPr lang="en-US" dirty="0"/>
-              <a:t>can define functions, properties and variables</a:t>
+              <a:t>properties allow to store information for each target and affect its operation</a:t>
+            </a:r>
+          </a:p>
+          <a:p>
+            <a:pPr marL="681692" lvl="1" indent="-285750">
+              <a:buFont typeface="Arial" panose="020B0604020202020204" pitchFamily="34" charset="0"/>
+              <a:buChar char="•"/>
+            </a:pPr>
+            <a:r>
+              <a:rPr lang="en-US" dirty="0"/>
+              <a:t>properties may contain “generator expressions” which can’t be evaluated during configuration</a:t>
             </a:r>
           </a:p>
           <a:p>
@@ -7164,84 +7618,14 @@
             </a:pPr>
             <a:r>
               <a:rPr lang="en-US" dirty="0"/>
-              <a:t>providing a module allows the user to access predefined functions</a:t>
-            </a:r>
-          </a:p>
-          <a:p>
-            <a:pPr marL="285750" indent="-285750">
-              <a:buFont typeface="Arial" panose="020B0604020202020204" pitchFamily="34" charset="0"/>
-              <a:buChar char="•"/>
-            </a:pPr>
-            <a:r>
-              <a:rPr lang="en-US" dirty="0"/>
-              <a:t>external programs are located by packages</a:t>
-            </a:r>
-          </a:p>
-          <a:p>
-            <a:pPr marL="681692" lvl="1" indent="-285750">
-              <a:buFont typeface="Arial" panose="020B0604020202020204" pitchFamily="34" charset="0"/>
-              <a:buChar char="•"/>
-            </a:pPr>
-            <a:r>
-              <a:rPr lang="en-US" dirty="0"/>
-              <a:t>use modules with a </a:t>
-            </a:r>
-            <a:r>
-              <a:rPr lang="en-US" i="1" dirty="0"/>
-              <a:t>Find</a:t>
-            </a:r>
-            <a:r>
-              <a:rPr lang="en-US" dirty="0"/>
-              <a:t> prefix to handle localization of software</a:t>
-            </a:r>
-          </a:p>
-          <a:p>
-            <a:pPr marL="681692" lvl="1" indent="-285750">
-              <a:buFont typeface="Arial" panose="020B0604020202020204" pitchFamily="34" charset="0"/>
-              <a:buChar char="•"/>
-            </a:pPr>
-            <a:r>
-              <a:rPr lang="en-US" dirty="0"/>
-              <a:t>alternatively special CMake files can be installed alongside the software</a:t>
-            </a:r>
-          </a:p>
-          <a:p>
-            <a:pPr marL="681692" lvl="1" indent="-285750">
-              <a:buFont typeface="Arial" panose="020B0604020202020204" pitchFamily="34" charset="0"/>
-              <a:buChar char="•"/>
-            </a:pPr>
-            <a:r>
-              <a:rPr lang="en-US" dirty="0"/>
-              <a:t>both approaches allow to represent capabilities using “components”</a:t>
-            </a:r>
-          </a:p>
-          <a:p>
-            <a:pPr marL="681692" lvl="1" indent="-285750">
-              <a:buFont typeface="Arial" panose="020B0604020202020204" pitchFamily="34" charset="0"/>
-              <a:buChar char="•"/>
-            </a:pPr>
-            <a:r>
-              <a:rPr lang="en-US" dirty="0"/>
-              <a:t>components are strings whose semantics are defined by the module used for localization</a:t>
-            </a:r>
-          </a:p>
-          <a:p>
-            <a:pPr marL="681750" lvl="2" indent="-285750">
-              <a:buFont typeface="Wingdings" panose="05000000000000000000" pitchFamily="2" charset="2"/>
-              <a:buChar char="Ø"/>
-            </a:pPr>
-            <a:r>
-              <a:rPr lang="en-US" dirty="0"/>
-              <a:t>providing a </a:t>
-            </a:r>
-            <a:r>
-              <a:rPr lang="en-US" i="1" dirty="0"/>
-              <a:t>Find</a:t>
-            </a:r>
-            <a:r>
-              <a:rPr lang="en-US" dirty="0"/>
-              <a:t> module allows locating Score-P without changes its installation process</a:t>
-            </a:r>
+              <a:t>access to all target properties is limited</a:t>
+            </a:r>
+          </a:p>
+          <a:p>
+            <a:pPr lvl="2" indent="0">
+              <a:buNone/>
+            </a:pPr>
+            <a:endParaRPr lang="en-US" dirty="0"/>
           </a:p>
         </p:txBody>
       </p:sp>
@@ -7250,7 +7634,7 @@
           <p:cNvPr id="3" name="Titel 2">
             <a:extLst>
               <a:ext uri="{FF2B5EF4-FFF2-40B4-BE49-F238E27FC236}">
-                <a16:creationId xmlns:a16="http://schemas.microsoft.com/office/drawing/2014/main" id="{C17817BE-999A-4202-8712-E349F70D6C77}"/>
+                <a16:creationId xmlns:a16="http://schemas.microsoft.com/office/drawing/2014/main" id="{4E9B2F1C-E1C5-4199-ACE1-7369D2F38035}"/>
               </a:ext>
             </a:extLst>
           </p:cNvPr>
@@ -7261,22 +7645,63 @@
             <p:ph type="title"/>
           </p:nvPr>
         </p:nvSpPr>
-        <p:spPr/>
+        <p:spPr>
+          <a:xfrm>
+            <a:off x="874712" y="346075"/>
+            <a:ext cx="10580687" cy="684213"/>
+          </a:xfrm>
+        </p:spPr>
         <p:txBody>
           <a:bodyPr/>
           <a:lstStyle/>
           <a:p>
             <a:r>
               <a:rPr lang="en-US" dirty="0"/>
-              <a:t>CMake Analysis (2)</a:t>
+              <a:t>CMake Analysis (Project definition)</a:t>
             </a:r>
           </a:p>
         </p:txBody>
       </p:sp>
+      <p:pic>
+        <p:nvPicPr>
+          <p:cNvPr id="10" name="Grafik 9">
+            <a:extLst>
+              <a:ext uri="{FF2B5EF4-FFF2-40B4-BE49-F238E27FC236}">
+                <a16:creationId xmlns:a16="http://schemas.microsoft.com/office/drawing/2014/main" id="{F127524C-4FCE-44DA-9453-76308EBA8677}"/>
+              </a:ext>
+            </a:extLst>
+          </p:cNvPr>
+          <p:cNvPicPr>
+            <a:picLocks noChangeAspect="1"/>
+          </p:cNvPicPr>
+          <p:nvPr/>
+        </p:nvPicPr>
+        <p:blipFill>
+          <a:blip r:embed="rId3">
+            <a:extLst>
+              <a:ext uri="{28A0092B-C50C-407E-A947-70E740481C1C}">
+                <a14:useLocalDpi xmlns:a14="http://schemas.microsoft.com/office/drawing/2010/main" val="0"/>
+              </a:ext>
+            </a:extLst>
+          </a:blip>
+          <a:stretch>
+            <a:fillRect/>
+          </a:stretch>
+        </p:blipFill>
+        <p:spPr>
+          <a:xfrm>
+            <a:off x="1319212" y="3935412"/>
+            <a:ext cx="8010525" cy="1438275"/>
+          </a:xfrm>
+          <a:prstGeom prst="rect">
+            <a:avLst/>
+          </a:prstGeom>
+        </p:spPr>
+      </p:pic>
     </p:spTree>
     <p:extLst>
       <p:ext uri="{BB962C8B-B14F-4D97-AF65-F5344CB8AC3E}">
-        <p14:creationId xmlns:p14="http://schemas.microsoft.com/office/powerpoint/2010/main" val="1899174219"/>
+        <p14:creationId xmlns:p14="http://schemas.microsoft.com/office/powerpoint/2010/main" val="2781825229"/>
       </p:ext>
     </p:extLst>
   </p:cSld>
@@ -7305,10 +7730,148 @@
       </p:grpSpPr>
       <p:sp>
         <p:nvSpPr>
-          <p:cNvPr id="2" name="Titel 1">
+          <p:cNvPr id="2" name="Inhaltsplatzhalter 1">
             <a:extLst>
               <a:ext uri="{FF2B5EF4-FFF2-40B4-BE49-F238E27FC236}">
-                <a16:creationId xmlns:a16="http://schemas.microsoft.com/office/drawing/2014/main" id="{41E41813-116E-403B-895F-8B04BD1D478C}"/>
+                <a16:creationId xmlns:a16="http://schemas.microsoft.com/office/drawing/2014/main" id="{79B02763-22A6-4E74-B546-981E64B35597}"/>
+              </a:ext>
+            </a:extLst>
+          </p:cNvPr>
+          <p:cNvSpPr>
+            <a:spLocks noGrp="1"/>
+          </p:cNvSpPr>
+          <p:nvPr>
+            <p:ph sz="quarter" idx="10"/>
+          </p:nvPr>
+        </p:nvSpPr>
+        <p:spPr/>
+        <p:txBody>
+          <a:bodyPr/>
+          <a:lstStyle/>
+          <a:p>
+            <a:pPr marL="285750" indent="-285750">
+              <a:buFont typeface="Arial" panose="020B0604020202020204" pitchFamily="34" charset="0"/>
+              <a:buChar char="•"/>
+            </a:pPr>
+            <a:r>
+              <a:rPr lang="en-US" dirty="0"/>
+              <a:t>code can be reused through modules</a:t>
+            </a:r>
+          </a:p>
+          <a:p>
+            <a:pPr marL="681692" lvl="1" indent="-285750">
+              <a:buFont typeface="Arial" panose="020B0604020202020204" pitchFamily="34" charset="0"/>
+              <a:buChar char="•"/>
+            </a:pPr>
+            <a:r>
+              <a:rPr lang="en-US" dirty="0"/>
+              <a:t>are files containing code written in the project definition language</a:t>
+            </a:r>
+          </a:p>
+          <a:p>
+            <a:pPr marL="681692" lvl="1" indent="-285750">
+              <a:buFont typeface="Arial" panose="020B0604020202020204" pitchFamily="34" charset="0"/>
+              <a:buChar char="•"/>
+            </a:pPr>
+            <a:r>
+              <a:rPr lang="en-US" dirty="0"/>
+              <a:t>can define functions, properties and variables</a:t>
+            </a:r>
+          </a:p>
+          <a:p>
+            <a:pPr marL="681750" lvl="2" indent="-285750">
+              <a:buFont typeface="Wingdings" panose="05000000000000000000" pitchFamily="2" charset="2"/>
+              <a:buChar char="Ø"/>
+            </a:pPr>
+            <a:r>
+              <a:rPr lang="en-US" dirty="0"/>
+              <a:t>providing a module allows the user to access predefined functions</a:t>
+            </a:r>
+          </a:p>
+          <a:p>
+            <a:pPr marL="285750" indent="-285750">
+              <a:buFont typeface="Arial" panose="020B0604020202020204" pitchFamily="34" charset="0"/>
+              <a:buChar char="•"/>
+            </a:pPr>
+            <a:r>
+              <a:rPr lang="en-US" dirty="0"/>
+              <a:t>external programs are located by packages</a:t>
+            </a:r>
+          </a:p>
+          <a:p>
+            <a:pPr marL="681692" lvl="1" indent="-285750">
+              <a:buFont typeface="Arial" panose="020B0604020202020204" pitchFamily="34" charset="0"/>
+              <a:buChar char="•"/>
+            </a:pPr>
+            <a:r>
+              <a:rPr lang="en-US" dirty="0"/>
+              <a:t>use modules with a </a:t>
+            </a:r>
+            <a:r>
+              <a:rPr lang="en-US" i="1" dirty="0"/>
+              <a:t>Find</a:t>
+            </a:r>
+            <a:r>
+              <a:rPr lang="en-US" dirty="0"/>
+              <a:t> prefix to handle localization of software</a:t>
+            </a:r>
+          </a:p>
+          <a:p>
+            <a:pPr marL="681692" lvl="1" indent="-285750">
+              <a:buFont typeface="Arial" panose="020B0604020202020204" pitchFamily="34" charset="0"/>
+              <a:buChar char="•"/>
+            </a:pPr>
+            <a:r>
+              <a:rPr lang="en-US" dirty="0"/>
+              <a:t>alternatively special CMake files can be installed alongside the software</a:t>
+            </a:r>
+          </a:p>
+          <a:p>
+            <a:pPr marL="681692" lvl="1" indent="-285750">
+              <a:buFont typeface="Arial" panose="020B0604020202020204" pitchFamily="34" charset="0"/>
+              <a:buChar char="•"/>
+            </a:pPr>
+            <a:r>
+              <a:rPr lang="en-US" dirty="0"/>
+              <a:t>both approaches allow to represent capabilities using “components”</a:t>
+            </a:r>
+          </a:p>
+          <a:p>
+            <a:pPr marL="681692" lvl="1" indent="-285750">
+              <a:buFont typeface="Arial" panose="020B0604020202020204" pitchFamily="34" charset="0"/>
+              <a:buChar char="•"/>
+            </a:pPr>
+            <a:r>
+              <a:rPr lang="en-US" dirty="0"/>
+              <a:t>components are strings whose semantics are defined by the module used for localization</a:t>
+            </a:r>
+          </a:p>
+          <a:p>
+            <a:pPr marL="681750" lvl="2" indent="-285750">
+              <a:buFont typeface="Wingdings" panose="05000000000000000000" pitchFamily="2" charset="2"/>
+              <a:buChar char="Ø"/>
+            </a:pPr>
+            <a:r>
+              <a:rPr lang="en-US" dirty="0"/>
+              <a:t>providing a </a:t>
+            </a:r>
+            <a:r>
+              <a:rPr lang="en-US" i="1" dirty="0"/>
+              <a:t>Find</a:t>
+            </a:r>
+            <a:r>
+              <a:rPr lang="en-US" dirty="0"/>
+              <a:t> module allows locating Score-P without changes its installation process</a:t>
+            </a:r>
+          </a:p>
+        </p:txBody>
+      </p:sp>
+      <p:sp>
+        <p:nvSpPr>
+          <p:cNvPr id="3" name="Titel 2">
+            <a:extLst>
+              <a:ext uri="{FF2B5EF4-FFF2-40B4-BE49-F238E27FC236}">
+                <a16:creationId xmlns:a16="http://schemas.microsoft.com/office/drawing/2014/main" id="{C17817BE-999A-4202-8712-E349F70D6C77}"/>
               </a:ext>
             </a:extLst>
           </p:cNvPr>
@@ -7319,26 +7882,27 @@
             <p:ph type="title"/>
           </p:nvPr>
         </p:nvSpPr>
-        <p:spPr/>
+        <p:spPr>
+          <a:xfrm>
+            <a:off x="874712" y="346075"/>
+            <a:ext cx="10580687" cy="684213"/>
+          </a:xfrm>
+        </p:spPr>
         <p:txBody>
           <a:bodyPr/>
           <a:lstStyle/>
           <a:p>
             <a:r>
               <a:rPr lang="en-US" dirty="0"/>
-              <a:t>Developed CMake Modules</a:t>
-            </a:r>
-            <a:br>
-              <a:rPr lang="en-US" dirty="0"/>
-            </a:br>
-            <a:endParaRPr lang="en-US" dirty="0"/>
+              <a:t>CMake Analysis (external software)</a:t>
+            </a:r>
           </a:p>
         </p:txBody>
       </p:sp>
     </p:spTree>
     <p:extLst>
       <p:ext uri="{BB962C8B-B14F-4D97-AF65-F5344CB8AC3E}">
-        <p14:creationId xmlns:p14="http://schemas.microsoft.com/office/powerpoint/2010/main" val="2480689079"/>
+        <p14:creationId xmlns:p14="http://schemas.microsoft.com/office/powerpoint/2010/main" val="1899174219"/>
       </p:ext>
     </p:extLst>
   </p:cSld>
@@ -7367,134 +7931,10 @@
       </p:grpSpPr>
       <p:sp>
         <p:nvSpPr>
-          <p:cNvPr id="4" name="Inhaltsplatzhalter 3">
+          <p:cNvPr id="2" name="Titel 1">
             <a:extLst>
               <a:ext uri="{FF2B5EF4-FFF2-40B4-BE49-F238E27FC236}">
-                <a16:creationId xmlns:a16="http://schemas.microsoft.com/office/drawing/2014/main" id="{361622AC-45BA-4B61-8E7B-3E4EC26F8EB1}"/>
-              </a:ext>
-            </a:extLst>
-          </p:cNvPr>
-          <p:cNvSpPr>
-            <a:spLocks noGrp="1"/>
-          </p:cNvSpPr>
-          <p:nvPr>
-            <p:ph sz="quarter" idx="10"/>
-          </p:nvPr>
-        </p:nvSpPr>
-        <p:spPr/>
-        <p:txBody>
-          <a:bodyPr/>
-          <a:lstStyle/>
-          <a:p>
-            <a:pPr marL="285750" indent="-285750">
-              <a:buFont typeface="Arial" panose="020B0604020202020204" pitchFamily="34" charset="0"/>
-              <a:buChar char="•"/>
-            </a:pPr>
-            <a:r>
-              <a:rPr lang="en-US" dirty="0"/>
-              <a:t>allows to locate a Score-P installation supporting a specific set of features</a:t>
-            </a:r>
-          </a:p>
-          <a:p>
-            <a:pPr marL="285750" indent="-285750">
-              <a:buFont typeface="Arial" panose="020B0604020202020204" pitchFamily="34" charset="0"/>
-              <a:buChar char="•"/>
-            </a:pPr>
-            <a:r>
-              <a:rPr lang="en-US" dirty="0"/>
-              <a:t>components represent supported technologies (like OpenMP) or the used compiler</a:t>
-            </a:r>
-          </a:p>
-          <a:p>
-            <a:pPr marL="285750" indent="-285750">
-              <a:buFont typeface="Arial" panose="020B0604020202020204" pitchFamily="34" charset="0"/>
-              <a:buChar char="•"/>
-            </a:pPr>
-            <a:r>
-              <a:rPr lang="en-US" dirty="0"/>
-              <a:t>implements localization of Score-P in </a:t>
-            </a:r>
-            <a:r>
-              <a:rPr lang="en-US" i="1" dirty="0"/>
-              <a:t>FindScoreP.cmake</a:t>
-            </a:r>
-          </a:p>
-          <a:p>
-            <a:pPr marL="738842" lvl="1" indent="-342900">
-              <a:buFont typeface="+mj-lt"/>
-              <a:buAutoNum type="arabicPeriod"/>
-            </a:pPr>
-            <a:r>
-              <a:rPr lang="en-US" dirty="0"/>
-              <a:t>Locate </a:t>
-            </a:r>
-            <a:r>
-              <a:rPr lang="en-US" i="1" dirty="0"/>
-              <a:t>scorep-config</a:t>
-            </a:r>
-            <a:r>
-              <a:rPr lang="en-US" dirty="0"/>
-              <a:t> (with matching capabilities)</a:t>
-            </a:r>
-            <a:endParaRPr lang="en-US" i="1" dirty="0"/>
-          </a:p>
-          <a:p>
-            <a:pPr marL="738842" lvl="1" indent="-342900">
-              <a:buFont typeface="+mj-lt"/>
-              <a:buAutoNum type="arabicPeriod"/>
-            </a:pPr>
-            <a:r>
-              <a:rPr lang="en-US" dirty="0"/>
-              <a:t>Locate installation root of installation (using </a:t>
-            </a:r>
-            <a:r>
-              <a:rPr lang="en-US" i="1" dirty="0"/>
-              <a:t>scorep-config</a:t>
-            </a:r>
-            <a:r>
-              <a:rPr lang="en-US" dirty="0"/>
-              <a:t>)</a:t>
-            </a:r>
-          </a:p>
-          <a:p>
-            <a:pPr marL="738842" lvl="1" indent="-342900">
-              <a:buFont typeface="+mj-lt"/>
-              <a:buAutoNum type="arabicPeriod"/>
-            </a:pPr>
-            <a:r>
-              <a:rPr lang="en-US" dirty="0"/>
-              <a:t>Locate </a:t>
-            </a:r>
-            <a:r>
-              <a:rPr lang="en-US" i="1" dirty="0"/>
-              <a:t>scorep</a:t>
-            </a:r>
-            <a:r>
-              <a:rPr lang="en-US" dirty="0"/>
-              <a:t> and other commands (relative to found installation root)</a:t>
-            </a:r>
-          </a:p>
-          <a:p>
-            <a:pPr marL="738842" lvl="1" indent="-342900">
-              <a:buFont typeface="+mj-lt"/>
-              <a:buAutoNum type="arabicPeriod"/>
-            </a:pPr>
-            <a:r>
-              <a:rPr lang="en-US" dirty="0"/>
-              <a:t>create imported targets and set variables</a:t>
-            </a:r>
-          </a:p>
-          <a:p>
-            <a:endParaRPr lang="en-US" dirty="0"/>
-          </a:p>
-        </p:txBody>
-      </p:sp>
-      <p:sp>
-        <p:nvSpPr>
-          <p:cNvPr id="3" name="Titel 2">
-            <a:extLst>
-              <a:ext uri="{FF2B5EF4-FFF2-40B4-BE49-F238E27FC236}">
-                <a16:creationId xmlns:a16="http://schemas.microsoft.com/office/drawing/2014/main" id="{4EB9D6FB-DF2E-458B-BD8E-4F7E48AA76FC}"/>
+                <a16:creationId xmlns:a16="http://schemas.microsoft.com/office/drawing/2014/main" id="{41E41813-116E-403B-895F-8B04BD1D478C}"/>
               </a:ext>
             </a:extLst>
           </p:cNvPr>
@@ -7512,386 +7952,19 @@
           <a:p>
             <a:r>
               <a:rPr lang="en-US" dirty="0"/>
-              <a:t>Localization module</a:t>
+              <a:t>Developed CMake Modules</a:t>
             </a:r>
             <a:br>
               <a:rPr lang="en-US" dirty="0"/>
             </a:br>
             <a:endParaRPr lang="en-US" dirty="0"/>
-          </a:p>
-        </p:txBody>
-      </p:sp>
-      <p:sp>
-        <p:nvSpPr>
-          <p:cNvPr id="8" name="Textfeld 7">
-            <a:extLst>
-              <a:ext uri="{FF2B5EF4-FFF2-40B4-BE49-F238E27FC236}">
-                <a16:creationId xmlns:a16="http://schemas.microsoft.com/office/drawing/2014/main" id="{D3D0869F-CF1E-4F0A-A4D1-A3643FCBBF79}"/>
-              </a:ext>
-            </a:extLst>
-          </p:cNvPr>
-          <p:cNvSpPr txBox="1"/>
-          <p:nvPr/>
-        </p:nvSpPr>
-        <p:spPr>
-          <a:xfrm>
-            <a:off x="1541462" y="4171951"/>
-            <a:ext cx="6211888" cy="1651542"/>
-          </a:xfrm>
-          <a:prstGeom prst="rect">
-            <a:avLst/>
-          </a:prstGeom>
-          <a:noFill/>
-        </p:spPr>
-        <p:txBody>
-          <a:bodyPr wrap="square" rtlCol="0">
-            <a:spAutoFit/>
-          </a:bodyPr>
-          <a:lstStyle/>
-          <a:p>
-            <a:pPr>
-              <a:lnSpc>
-                <a:spcPct val="107000"/>
-              </a:lnSpc>
-              <a:spcAft>
-                <a:spcPts val="800"/>
-              </a:spcAft>
-              <a:tabLst>
-                <a:tab pos="581660" algn="l"/>
-                <a:tab pos="1163320" algn="l"/>
-                <a:tab pos="1744980" algn="l"/>
-                <a:tab pos="2326640" algn="l"/>
-                <a:tab pos="2908300" algn="l"/>
-                <a:tab pos="3489960" algn="l"/>
-                <a:tab pos="4071620" algn="l"/>
-                <a:tab pos="4653280" algn="l"/>
-                <a:tab pos="5234940" algn="l"/>
-                <a:tab pos="5816600" algn="l"/>
-                <a:tab pos="6398260" algn="l"/>
-                <a:tab pos="6979920" algn="l"/>
-                <a:tab pos="7561580" algn="l"/>
-                <a:tab pos="8143240" algn="l"/>
-                <a:tab pos="8724900" algn="l"/>
-                <a:tab pos="9306560" algn="l"/>
-              </a:tabLst>
-            </a:pPr>
-            <a:r>
-              <a:rPr lang="en-US" sz="1400" b="1" dirty="0">
-                <a:solidFill>
-                  <a:srgbClr val="444444"/>
-                </a:solidFill>
-                <a:effectLst/>
-                <a:latin typeface="Courier New" panose="02070309020205020404" pitchFamily="49" charset="0"/>
-                <a:ea typeface="Times New Roman" panose="02020603050405020304" pitchFamily="18" charset="0"/>
-                <a:cs typeface="Arial" panose="020B0604020202020204" pitchFamily="34" charset="0"/>
-              </a:rPr>
-              <a:t>find_package</a:t>
-            </a:r>
-            <a:r>
-              <a:rPr lang="en-US" sz="1400" dirty="0">
-                <a:solidFill>
-                  <a:srgbClr val="444444"/>
-                </a:solidFill>
-                <a:effectLst/>
-                <a:latin typeface="Courier New" panose="02070309020205020404" pitchFamily="49" charset="0"/>
-                <a:ea typeface="Times New Roman" panose="02020603050405020304" pitchFamily="18" charset="0"/>
-                <a:cs typeface="Arial" panose="020B0604020202020204" pitchFamily="34" charset="0"/>
-              </a:rPr>
-              <a:t>(</a:t>
-            </a:r>
-            <a:endParaRPr lang="en-US" sz="1400" dirty="0">
-              <a:effectLst/>
-              <a:latin typeface="Calibri" panose="020F0502020204030204" pitchFamily="34" charset="0"/>
-              <a:ea typeface="Calibri" panose="020F0502020204030204" pitchFamily="34" charset="0"/>
-              <a:cs typeface="Arial" panose="020B0604020202020204" pitchFamily="34" charset="0"/>
-            </a:endParaRPr>
-          </a:p>
-          <a:p>
-            <a:pPr>
-              <a:lnSpc>
-                <a:spcPct val="107000"/>
-              </a:lnSpc>
-              <a:spcAft>
-                <a:spcPts val="800"/>
-              </a:spcAft>
-              <a:tabLst>
-                <a:tab pos="581660" algn="l"/>
-                <a:tab pos="1163320" algn="l"/>
-                <a:tab pos="1744980" algn="l"/>
-                <a:tab pos="2326640" algn="l"/>
-                <a:tab pos="2908300" algn="l"/>
-                <a:tab pos="3489960" algn="l"/>
-                <a:tab pos="4071620" algn="l"/>
-                <a:tab pos="4653280" algn="l"/>
-                <a:tab pos="5234940" algn="l"/>
-                <a:tab pos="5816600" algn="l"/>
-                <a:tab pos="6398260" algn="l"/>
-                <a:tab pos="6979920" algn="l"/>
-                <a:tab pos="7561580" algn="l"/>
-                <a:tab pos="8143240" algn="l"/>
-                <a:tab pos="8724900" algn="l"/>
-                <a:tab pos="9306560" algn="l"/>
-              </a:tabLst>
-            </a:pPr>
-            <a:r>
-              <a:rPr lang="en-US" sz="1400" dirty="0">
-                <a:solidFill>
-                  <a:srgbClr val="444444"/>
-                </a:solidFill>
-                <a:effectLst/>
-                <a:latin typeface="Courier New" panose="02070309020205020404" pitchFamily="49" charset="0"/>
-                <a:ea typeface="Times New Roman" panose="02020603050405020304" pitchFamily="18" charset="0"/>
-                <a:cs typeface="Arial" panose="020B0604020202020204" pitchFamily="34" charset="0"/>
-              </a:rPr>
-              <a:t>	ScoreP </a:t>
-            </a:r>
-            <a:r>
-              <a:rPr lang="en-US" sz="1400" dirty="0">
-                <a:solidFill>
-                  <a:srgbClr val="880000"/>
-                </a:solidFill>
-                <a:effectLst/>
-                <a:latin typeface="Courier New" panose="02070309020205020404" pitchFamily="49" charset="0"/>
-                <a:ea typeface="Times New Roman" panose="02020603050405020304" pitchFamily="18" charset="0"/>
-                <a:cs typeface="Arial" panose="020B0604020202020204" pitchFamily="34" charset="0"/>
-              </a:rPr>
-              <a:t>"8.4"</a:t>
-            </a:r>
-            <a:r>
-              <a:rPr lang="en-US" sz="1400" dirty="0">
-                <a:solidFill>
-                  <a:srgbClr val="444444"/>
-                </a:solidFill>
-                <a:effectLst/>
-                <a:latin typeface="Courier New" panose="02070309020205020404" pitchFamily="49" charset="0"/>
-                <a:ea typeface="Times New Roman" panose="02020603050405020304" pitchFamily="18" charset="0"/>
-                <a:cs typeface="Arial" panose="020B0604020202020204" pitchFamily="34" charset="0"/>
-              </a:rPr>
-              <a:t> REQUIRED </a:t>
-            </a:r>
-            <a:endParaRPr lang="en-US" sz="1400" dirty="0">
-              <a:effectLst/>
-              <a:latin typeface="Calibri" panose="020F0502020204030204" pitchFamily="34" charset="0"/>
-              <a:ea typeface="Calibri" panose="020F0502020204030204" pitchFamily="34" charset="0"/>
-              <a:cs typeface="Arial" panose="020B0604020202020204" pitchFamily="34" charset="0"/>
-            </a:endParaRPr>
-          </a:p>
-          <a:p>
-            <a:pPr>
-              <a:lnSpc>
-                <a:spcPct val="107000"/>
-              </a:lnSpc>
-              <a:spcAft>
-                <a:spcPts val="800"/>
-              </a:spcAft>
-              <a:tabLst>
-                <a:tab pos="581660" algn="l"/>
-                <a:tab pos="1163320" algn="l"/>
-                <a:tab pos="1744980" algn="l"/>
-                <a:tab pos="2326640" algn="l"/>
-                <a:tab pos="2908300" algn="l"/>
-                <a:tab pos="3489960" algn="l"/>
-                <a:tab pos="4071620" algn="l"/>
-                <a:tab pos="4653280" algn="l"/>
-                <a:tab pos="5234940" algn="l"/>
-                <a:tab pos="5816600" algn="l"/>
-                <a:tab pos="6398260" algn="l"/>
-                <a:tab pos="6979920" algn="l"/>
-                <a:tab pos="7561580" algn="l"/>
-                <a:tab pos="8143240" algn="l"/>
-                <a:tab pos="8724900" algn="l"/>
-                <a:tab pos="9306560" algn="l"/>
-              </a:tabLst>
-            </a:pPr>
-            <a:r>
-              <a:rPr lang="en-US" sz="1400" dirty="0">
-                <a:solidFill>
-                  <a:srgbClr val="444444"/>
-                </a:solidFill>
-                <a:effectLst/>
-                <a:latin typeface="Courier New" panose="02070309020205020404" pitchFamily="49" charset="0"/>
-                <a:ea typeface="Times New Roman" panose="02020603050405020304" pitchFamily="18" charset="0"/>
-                <a:cs typeface="Arial" panose="020B0604020202020204" pitchFamily="34" charset="0"/>
-              </a:rPr>
-              <a:t>	COMPONENTS </a:t>
-            </a:r>
-            <a:r>
-              <a:rPr lang="en-US" sz="1400" dirty="0">
-                <a:solidFill>
-                  <a:srgbClr val="880000"/>
-                </a:solidFill>
-                <a:effectLst/>
-                <a:latin typeface="Courier New" panose="02070309020205020404" pitchFamily="49" charset="0"/>
-                <a:ea typeface="Times New Roman" panose="02020603050405020304" pitchFamily="18" charset="0"/>
-                <a:cs typeface="Arial" panose="020B0604020202020204" pitchFamily="34" charset="0"/>
-              </a:rPr>
-              <a:t>"COMPILER_C99_/usr/bin/gcc"</a:t>
-            </a:r>
-            <a:r>
-              <a:rPr lang="en-US" sz="1400" dirty="0">
-                <a:solidFill>
-                  <a:srgbClr val="444444"/>
-                </a:solidFill>
-                <a:effectLst/>
-                <a:latin typeface="Courier New" panose="02070309020205020404" pitchFamily="49" charset="0"/>
-                <a:ea typeface="Times New Roman" panose="02020603050405020304" pitchFamily="18" charset="0"/>
-                <a:cs typeface="Arial" panose="020B0604020202020204" pitchFamily="34" charset="0"/>
-              </a:rPr>
-              <a:t> </a:t>
-            </a:r>
-            <a:r>
-              <a:rPr lang="en-US" sz="1400" dirty="0">
-                <a:solidFill>
-                  <a:srgbClr val="880000"/>
-                </a:solidFill>
-                <a:effectLst/>
-                <a:latin typeface="Courier New" panose="02070309020205020404" pitchFamily="49" charset="0"/>
-                <a:ea typeface="Times New Roman" panose="02020603050405020304" pitchFamily="18" charset="0"/>
-                <a:cs typeface="Arial" panose="020B0604020202020204" pitchFamily="34" charset="0"/>
-              </a:rPr>
-              <a:t>"OMP_C"</a:t>
-            </a:r>
-            <a:endParaRPr lang="en-US" sz="1400" dirty="0">
-              <a:effectLst/>
-              <a:latin typeface="Calibri" panose="020F0502020204030204" pitchFamily="34" charset="0"/>
-              <a:ea typeface="Calibri" panose="020F0502020204030204" pitchFamily="34" charset="0"/>
-              <a:cs typeface="Arial" panose="020B0604020202020204" pitchFamily="34" charset="0"/>
-            </a:endParaRPr>
-          </a:p>
-          <a:p>
-            <a:pPr>
-              <a:lnSpc>
-                <a:spcPct val="107000"/>
-              </a:lnSpc>
-              <a:spcAft>
-                <a:spcPts val="800"/>
-              </a:spcAft>
-              <a:tabLst>
-                <a:tab pos="581660" algn="l"/>
-                <a:tab pos="1163320" algn="l"/>
-                <a:tab pos="1744980" algn="l"/>
-                <a:tab pos="2326640" algn="l"/>
-                <a:tab pos="2908300" algn="l"/>
-                <a:tab pos="3489960" algn="l"/>
-                <a:tab pos="4071620" algn="l"/>
-                <a:tab pos="4653280" algn="l"/>
-                <a:tab pos="5234940" algn="l"/>
-                <a:tab pos="5816600" algn="l"/>
-                <a:tab pos="6398260" algn="l"/>
-                <a:tab pos="6979920" algn="l"/>
-                <a:tab pos="7561580" algn="l"/>
-                <a:tab pos="8143240" algn="l"/>
-                <a:tab pos="8724900" algn="l"/>
-                <a:tab pos="9306560" algn="l"/>
-              </a:tabLst>
-            </a:pPr>
-            <a:r>
-              <a:rPr lang="en-US" sz="1400" dirty="0">
-                <a:solidFill>
-                  <a:srgbClr val="444444"/>
-                </a:solidFill>
-                <a:effectLst/>
-                <a:latin typeface="Courier New" panose="02070309020205020404" pitchFamily="49" charset="0"/>
-                <a:ea typeface="Times New Roman" panose="02020603050405020304" pitchFamily="18" charset="0"/>
-                <a:cs typeface="Arial" panose="020B0604020202020204" pitchFamily="34" charset="0"/>
-              </a:rPr>
-              <a:t>)</a:t>
-            </a:r>
-            <a:endParaRPr lang="en-US" sz="1400" dirty="0">
-              <a:effectLst/>
-              <a:latin typeface="Calibri" panose="020F0502020204030204" pitchFamily="34" charset="0"/>
-              <a:ea typeface="Calibri" panose="020F0502020204030204" pitchFamily="34" charset="0"/>
-              <a:cs typeface="Arial" panose="020B0604020202020204" pitchFamily="34" charset="0"/>
-            </a:endParaRPr>
-          </a:p>
-          <a:p>
-            <a:pPr>
-              <a:lnSpc>
-                <a:spcPct val="107000"/>
-              </a:lnSpc>
-              <a:spcAft>
-                <a:spcPts val="800"/>
-              </a:spcAft>
-              <a:tabLst>
-                <a:tab pos="581660" algn="l"/>
-                <a:tab pos="1163320" algn="l"/>
-                <a:tab pos="1744980" algn="l"/>
-                <a:tab pos="2326640" algn="l"/>
-                <a:tab pos="2908300" algn="l"/>
-                <a:tab pos="3489960" algn="l"/>
-                <a:tab pos="4071620" algn="l"/>
-                <a:tab pos="4653280" algn="l"/>
-                <a:tab pos="5234940" algn="l"/>
-                <a:tab pos="5816600" algn="l"/>
-                <a:tab pos="6398260" algn="l"/>
-                <a:tab pos="6979920" algn="l"/>
-                <a:tab pos="7561580" algn="l"/>
-                <a:tab pos="8143240" algn="l"/>
-                <a:tab pos="8724900" algn="l"/>
-                <a:tab pos="9306560" algn="l"/>
-              </a:tabLst>
-            </a:pPr>
-            <a:r>
-              <a:rPr lang="en-US" sz="1400" b="1" dirty="0">
-                <a:solidFill>
-                  <a:srgbClr val="444444"/>
-                </a:solidFill>
-                <a:effectLst/>
-                <a:latin typeface="Courier New" panose="02070309020205020404" pitchFamily="49" charset="0"/>
-                <a:ea typeface="Times New Roman" panose="02020603050405020304" pitchFamily="18" charset="0"/>
-                <a:cs typeface="Arial" panose="020B0604020202020204" pitchFamily="34" charset="0"/>
-              </a:rPr>
-              <a:t>message</a:t>
-            </a:r>
-            <a:r>
-              <a:rPr lang="en-US" sz="1400" dirty="0">
-                <a:solidFill>
-                  <a:srgbClr val="444444"/>
-                </a:solidFill>
-                <a:effectLst/>
-                <a:latin typeface="Courier New" panose="02070309020205020404" pitchFamily="49" charset="0"/>
-                <a:ea typeface="Times New Roman" panose="02020603050405020304" pitchFamily="18" charset="0"/>
-                <a:cs typeface="Arial" panose="020B0604020202020204" pitchFamily="34" charset="0"/>
-              </a:rPr>
-              <a:t>(INFO </a:t>
-            </a:r>
-            <a:r>
-              <a:rPr lang="en-US" sz="1400" dirty="0">
-                <a:solidFill>
-                  <a:srgbClr val="880000"/>
-                </a:solidFill>
-                <a:effectLst/>
-                <a:latin typeface="Courier New" panose="02070309020205020404" pitchFamily="49" charset="0"/>
-                <a:ea typeface="Times New Roman" panose="02020603050405020304" pitchFamily="18" charset="0"/>
-                <a:cs typeface="Arial" panose="020B0604020202020204" pitchFamily="34" charset="0"/>
-              </a:rPr>
-              <a:t>"scorep executable: ${SCOREP_EXECUTABLE}"</a:t>
-            </a:r>
-            <a:r>
-              <a:rPr lang="en-US" sz="1400" dirty="0">
-                <a:solidFill>
-                  <a:srgbClr val="444444"/>
-                </a:solidFill>
-                <a:effectLst/>
-                <a:latin typeface="Courier New" panose="02070309020205020404" pitchFamily="49" charset="0"/>
-                <a:ea typeface="Times New Roman" panose="02020603050405020304" pitchFamily="18" charset="0"/>
-                <a:cs typeface="Arial" panose="020B0604020202020204" pitchFamily="34" charset="0"/>
-              </a:rPr>
-              <a:t>)</a:t>
-            </a:r>
-            <a:endParaRPr lang="en-US" sz="1400" dirty="0">
-              <a:effectLst/>
-              <a:latin typeface="Calibri" panose="020F0502020204030204" pitchFamily="34" charset="0"/>
-              <a:ea typeface="Calibri" panose="020F0502020204030204" pitchFamily="34" charset="0"/>
-              <a:cs typeface="Arial" panose="020B0604020202020204" pitchFamily="34" charset="0"/>
-            </a:endParaRPr>
           </a:p>
         </p:txBody>
       </p:sp>
     </p:spTree>
     <p:extLst>
       <p:ext uri="{BB962C8B-B14F-4D97-AF65-F5344CB8AC3E}">
-        <p14:creationId xmlns:p14="http://schemas.microsoft.com/office/powerpoint/2010/main" val="2142030261"/>
+        <p14:creationId xmlns:p14="http://schemas.microsoft.com/office/powerpoint/2010/main" val="2480689079"/>
       </p:ext>
     </p:extLst>
   </p:cSld>
@@ -7920,10 +7993,10 @@
       </p:grpSpPr>
       <p:sp>
         <p:nvSpPr>
-          <p:cNvPr id="2" name="Inhaltsplatzhalter 1">
+          <p:cNvPr id="4" name="Inhaltsplatzhalter 3">
             <a:extLst>
               <a:ext uri="{FF2B5EF4-FFF2-40B4-BE49-F238E27FC236}">
-                <a16:creationId xmlns:a16="http://schemas.microsoft.com/office/drawing/2014/main" id="{B66A3543-BE88-4027-A401-1E64DEEF4E02}"/>
+                <a16:creationId xmlns:a16="http://schemas.microsoft.com/office/drawing/2014/main" id="{361622AC-45BA-4B61-8E7B-3E4EC26F8EB1}"/>
               </a:ext>
             </a:extLst>
           </p:cNvPr>
@@ -7945,7 +8018,7 @@
             </a:pPr>
             <a:r>
               <a:rPr lang="en-US" dirty="0"/>
-              <a:t>provides functions for instrumenting a project using Score-P</a:t>
+              <a:t>allows to locate a Score-P installation supporting a specific set of features</a:t>
             </a:r>
           </a:p>
           <a:p>
@@ -7955,37 +8028,7 @@
             </a:pPr>
             <a:r>
               <a:rPr lang="en-US" dirty="0"/>
-              <a:t>low-level interface provides complete control over Score-P settings</a:t>
-            </a:r>
-          </a:p>
-          <a:p>
-            <a:pPr marL="681692" lvl="1" indent="-285750">
-              <a:buFont typeface="Arial" panose="020B0604020202020204" pitchFamily="34" charset="0"/>
-              <a:buChar char="•"/>
-            </a:pPr>
-            <a:r>
-              <a:rPr lang="en-US" dirty="0"/>
-              <a:t>users have to call a function to configure a target for instrumentation</a:t>
-            </a:r>
-          </a:p>
-          <a:p>
-            <a:pPr marL="681692" lvl="1" indent="-285750">
-              <a:buFont typeface="Arial" panose="020B0604020202020204" pitchFamily="34" charset="0"/>
-              <a:buChar char="•"/>
-            </a:pPr>
-            <a:r>
-              <a:rPr lang="en-US" dirty="0"/>
-              <a:t>some settings can be inferred from the link dependencies of the target (OpenMP, MPI, …)</a:t>
-            </a:r>
-          </a:p>
-          <a:p>
-            <a:pPr marL="681692" lvl="1" indent="-285750">
-              <a:buFont typeface="Arial" panose="020B0604020202020204" pitchFamily="34" charset="0"/>
-              <a:buChar char="•"/>
-            </a:pPr>
-            <a:r>
-              <a:rPr lang="en-US" dirty="0"/>
-              <a:t>obeying restrictions of Score-P has to be done by the user</a:t>
+              <a:t>components represent supported technologies (like OpenMP) or the used compiler</a:t>
             </a:r>
           </a:p>
           <a:p>
@@ -7995,28 +8038,13 @@
             </a:pPr>
             <a:r>
               <a:rPr lang="en-US" dirty="0"/>
-              <a:t>high-level interface trades control for more automation</a:t>
-            </a:r>
-          </a:p>
-          <a:p>
-            <a:pPr marL="681692" lvl="1" indent="-285750">
-              <a:buFont typeface="Arial" panose="020B0604020202020204" pitchFamily="34" charset="0"/>
-              <a:buChar char="•"/>
-            </a:pPr>
-            <a:r>
-              <a:rPr lang="en-US" dirty="0"/>
-              <a:t>prevents violation of Score-P restrictions</a:t>
-            </a:r>
-          </a:p>
-          <a:p>
-            <a:pPr marL="681692" lvl="1" indent="-285750">
-              <a:buFont typeface="Arial" panose="020B0604020202020204" pitchFamily="34" charset="0"/>
-              <a:buChar char="•"/>
-            </a:pPr>
-            <a:r>
-              <a:rPr lang="en-US" dirty="0"/>
-              <a:t>requires multiple steps:</a:t>
-            </a:r>
+              <a:t>implements localization of Score-P in </a:t>
+            </a:r>
+            <a:r>
+              <a:rPr lang="en-US" i="1" dirty="0"/>
+              <a:t>FindScoreP.cmake</a:t>
+            </a:r>
+            <a:endParaRPr lang="en-US" dirty="0"/>
           </a:p>
           <a:p>
             <a:pPr marL="738842" lvl="1" indent="-342900">
@@ -8025,8 +8053,17 @@
             </a:pPr>
             <a:r>
               <a:rPr lang="en-US" dirty="0"/>
-              <a:t>Mark targets to be instrumented with their settings</a:t>
-            </a:r>
+              <a:t>Locate </a:t>
+            </a:r>
+            <a:r>
+              <a:rPr lang="en-US" i="1" dirty="0"/>
+              <a:t>scorep-config</a:t>
+            </a:r>
+            <a:r>
+              <a:rPr lang="en-US" dirty="0"/>
+              <a:t> (with matching capabilities)</a:t>
+            </a:r>
+            <a:endParaRPr lang="en-US" i="1" dirty="0"/>
           </a:p>
           <a:p>
             <a:pPr marL="738842" lvl="1" indent="-342900">
@@ -8035,7 +8072,15 @@
             </a:pPr>
             <a:r>
               <a:rPr lang="en-US" dirty="0"/>
-              <a:t>Perform target analysis</a:t>
+              <a:t>Locate installation root of installation (using </a:t>
+            </a:r>
+            <a:r>
+              <a:rPr lang="en-US" i="1" dirty="0"/>
+              <a:t>scorep-config</a:t>
+            </a:r>
+            <a:r>
+              <a:rPr lang="en-US" dirty="0"/>
+              <a:t>)</a:t>
             </a:r>
           </a:p>
           <a:p>
@@ -8045,8 +8090,29 @@
             </a:pPr>
             <a:r>
               <a:rPr lang="en-US" dirty="0"/>
-              <a:t>Apply modifications (uses low-level interface internally)</a:t>
-            </a:r>
+              <a:t>Locate </a:t>
+            </a:r>
+            <a:r>
+              <a:rPr lang="en-US" i="1" dirty="0"/>
+              <a:t>scorep</a:t>
+            </a:r>
+            <a:r>
+              <a:rPr lang="en-US" dirty="0"/>
+              <a:t> and other commands (relative to found installation root)</a:t>
+            </a:r>
+          </a:p>
+          <a:p>
+            <a:pPr marL="738842" lvl="1" indent="-342900">
+              <a:buFont typeface="+mj-lt"/>
+              <a:buAutoNum type="arabicPeriod"/>
+            </a:pPr>
+            <a:r>
+              <a:rPr lang="en-US" dirty="0"/>
+              <a:t>create imported targets and set variables</a:t>
+            </a:r>
+          </a:p>
+          <a:p>
+            <a:endParaRPr lang="en-US" dirty="0"/>
           </a:p>
         </p:txBody>
       </p:sp>
@@ -8055,7 +8121,7 @@
           <p:cNvPr id="3" name="Titel 2">
             <a:extLst>
               <a:ext uri="{FF2B5EF4-FFF2-40B4-BE49-F238E27FC236}">
-                <a16:creationId xmlns:a16="http://schemas.microsoft.com/office/drawing/2014/main" id="{EA069F9D-A3E8-4D67-BA12-F2BEE1863459}"/>
+                <a16:creationId xmlns:a16="http://schemas.microsoft.com/office/drawing/2014/main" id="{4EB9D6FB-DF2E-458B-BD8E-4F7E48AA76FC}"/>
               </a:ext>
             </a:extLst>
           </p:cNvPr>
@@ -8066,22 +8132,398 @@
             <p:ph type="title"/>
           </p:nvPr>
         </p:nvSpPr>
-        <p:spPr/>
+        <p:spPr>
+          <a:xfrm>
+            <a:off x="874712" y="346075"/>
+            <a:ext cx="10580687" cy="684213"/>
+          </a:xfrm>
+        </p:spPr>
         <p:txBody>
           <a:bodyPr/>
           <a:lstStyle/>
           <a:p>
             <a:r>
               <a:rPr lang="en-US" dirty="0"/>
-              <a:t>Instrumentation module</a:t>
-            </a:r>
+              <a:t>Localization module</a:t>
+            </a:r>
+            <a:br>
+              <a:rPr lang="en-US" dirty="0"/>
+            </a:br>
+            <a:endParaRPr lang="en-US" dirty="0"/>
+          </a:p>
+        </p:txBody>
+      </p:sp>
+      <p:sp>
+        <p:nvSpPr>
+          <p:cNvPr id="8" name="Textfeld 7">
+            <a:extLst>
+              <a:ext uri="{FF2B5EF4-FFF2-40B4-BE49-F238E27FC236}">
+                <a16:creationId xmlns:a16="http://schemas.microsoft.com/office/drawing/2014/main" id="{D3D0869F-CF1E-4F0A-A4D1-A3643FCBBF79}"/>
+              </a:ext>
+            </a:extLst>
+          </p:cNvPr>
+          <p:cNvSpPr txBox="1"/>
+          <p:nvPr/>
+        </p:nvSpPr>
+        <p:spPr>
+          <a:xfrm>
+            <a:off x="1541462" y="4171951"/>
+            <a:ext cx="6211888" cy="1651542"/>
+          </a:xfrm>
+          <a:prstGeom prst="rect">
+            <a:avLst/>
+          </a:prstGeom>
+          <a:noFill/>
+        </p:spPr>
+        <p:txBody>
+          <a:bodyPr wrap="square" rtlCol="0">
+            <a:spAutoFit/>
+          </a:bodyPr>
+          <a:lstStyle/>
+          <a:p>
+            <a:pPr>
+              <a:lnSpc>
+                <a:spcPct val="107000"/>
+              </a:lnSpc>
+              <a:spcAft>
+                <a:spcPts val="800"/>
+              </a:spcAft>
+              <a:tabLst>
+                <a:tab pos="581660" algn="l"/>
+                <a:tab pos="1163320" algn="l"/>
+                <a:tab pos="1744980" algn="l"/>
+                <a:tab pos="2326640" algn="l"/>
+                <a:tab pos="2908300" algn="l"/>
+                <a:tab pos="3489960" algn="l"/>
+                <a:tab pos="4071620" algn="l"/>
+                <a:tab pos="4653280" algn="l"/>
+                <a:tab pos="5234940" algn="l"/>
+                <a:tab pos="5816600" algn="l"/>
+                <a:tab pos="6398260" algn="l"/>
+                <a:tab pos="6979920" algn="l"/>
+                <a:tab pos="7561580" algn="l"/>
+                <a:tab pos="8143240" algn="l"/>
+                <a:tab pos="8724900" algn="l"/>
+                <a:tab pos="9306560" algn="l"/>
+              </a:tabLst>
+            </a:pPr>
+            <a:r>
+              <a:rPr lang="en-US" sz="1400" b="1" dirty="0">
+                <a:solidFill>
+                  <a:srgbClr val="444444"/>
+                </a:solidFill>
+                <a:effectLst/>
+                <a:latin typeface="Courier New" panose="02070309020205020404" pitchFamily="49" charset="0"/>
+                <a:ea typeface="Times New Roman" panose="02020603050405020304" pitchFamily="18" charset="0"/>
+                <a:cs typeface="Arial" panose="020B0604020202020204" pitchFamily="34" charset="0"/>
+              </a:rPr>
+              <a:t>find_package</a:t>
+            </a:r>
+            <a:r>
+              <a:rPr lang="en-US" sz="1400" dirty="0">
+                <a:solidFill>
+                  <a:srgbClr val="444444"/>
+                </a:solidFill>
+                <a:effectLst/>
+                <a:latin typeface="Courier New" panose="02070309020205020404" pitchFamily="49" charset="0"/>
+                <a:ea typeface="Times New Roman" panose="02020603050405020304" pitchFamily="18" charset="0"/>
+                <a:cs typeface="Arial" panose="020B0604020202020204" pitchFamily="34" charset="0"/>
+              </a:rPr>
+              <a:t>(</a:t>
+            </a:r>
+            <a:endParaRPr lang="en-US" sz="1400" dirty="0">
+              <a:effectLst/>
+              <a:latin typeface="Calibri" panose="020F0502020204030204" pitchFamily="34" charset="0"/>
+              <a:ea typeface="Calibri" panose="020F0502020204030204" pitchFamily="34" charset="0"/>
+              <a:cs typeface="Arial" panose="020B0604020202020204" pitchFamily="34" charset="0"/>
+            </a:endParaRPr>
+          </a:p>
+          <a:p>
+            <a:pPr>
+              <a:lnSpc>
+                <a:spcPct val="107000"/>
+              </a:lnSpc>
+              <a:spcAft>
+                <a:spcPts val="800"/>
+              </a:spcAft>
+              <a:tabLst>
+                <a:tab pos="581660" algn="l"/>
+                <a:tab pos="1163320" algn="l"/>
+                <a:tab pos="1744980" algn="l"/>
+                <a:tab pos="2326640" algn="l"/>
+                <a:tab pos="2908300" algn="l"/>
+                <a:tab pos="3489960" algn="l"/>
+                <a:tab pos="4071620" algn="l"/>
+                <a:tab pos="4653280" algn="l"/>
+                <a:tab pos="5234940" algn="l"/>
+                <a:tab pos="5816600" algn="l"/>
+                <a:tab pos="6398260" algn="l"/>
+                <a:tab pos="6979920" algn="l"/>
+                <a:tab pos="7561580" algn="l"/>
+                <a:tab pos="8143240" algn="l"/>
+                <a:tab pos="8724900" algn="l"/>
+                <a:tab pos="9306560" algn="l"/>
+              </a:tabLst>
+            </a:pPr>
+            <a:r>
+              <a:rPr lang="en-US" sz="1400" dirty="0">
+                <a:solidFill>
+                  <a:srgbClr val="444444"/>
+                </a:solidFill>
+                <a:effectLst/>
+                <a:latin typeface="Courier New" panose="02070309020205020404" pitchFamily="49" charset="0"/>
+                <a:ea typeface="Times New Roman" panose="02020603050405020304" pitchFamily="18" charset="0"/>
+                <a:cs typeface="Arial" panose="020B0604020202020204" pitchFamily="34" charset="0"/>
+              </a:rPr>
+              <a:t>	ScoreP </a:t>
+            </a:r>
+            <a:r>
+              <a:rPr lang="en-US" sz="1400" dirty="0">
+                <a:solidFill>
+                  <a:srgbClr val="880000"/>
+                </a:solidFill>
+                <a:effectLst/>
+                <a:latin typeface="Courier New" panose="02070309020205020404" pitchFamily="49" charset="0"/>
+                <a:ea typeface="Times New Roman" panose="02020603050405020304" pitchFamily="18" charset="0"/>
+                <a:cs typeface="Arial" panose="020B0604020202020204" pitchFamily="34" charset="0"/>
+              </a:rPr>
+              <a:t>"8.4"</a:t>
+            </a:r>
+            <a:r>
+              <a:rPr lang="en-US" sz="1400" dirty="0">
+                <a:solidFill>
+                  <a:srgbClr val="444444"/>
+                </a:solidFill>
+                <a:effectLst/>
+                <a:latin typeface="Courier New" panose="02070309020205020404" pitchFamily="49" charset="0"/>
+                <a:ea typeface="Times New Roman" panose="02020603050405020304" pitchFamily="18" charset="0"/>
+                <a:cs typeface="Arial" panose="020B0604020202020204" pitchFamily="34" charset="0"/>
+              </a:rPr>
+              <a:t> REQUIRED </a:t>
+            </a:r>
+            <a:endParaRPr lang="en-US" sz="1400" dirty="0">
+              <a:effectLst/>
+              <a:latin typeface="Calibri" panose="020F0502020204030204" pitchFamily="34" charset="0"/>
+              <a:ea typeface="Calibri" panose="020F0502020204030204" pitchFamily="34" charset="0"/>
+              <a:cs typeface="Arial" panose="020B0604020202020204" pitchFamily="34" charset="0"/>
+            </a:endParaRPr>
+          </a:p>
+          <a:p>
+            <a:pPr>
+              <a:lnSpc>
+                <a:spcPct val="107000"/>
+              </a:lnSpc>
+              <a:spcAft>
+                <a:spcPts val="800"/>
+              </a:spcAft>
+              <a:tabLst>
+                <a:tab pos="581660" algn="l"/>
+                <a:tab pos="1163320" algn="l"/>
+                <a:tab pos="1744980" algn="l"/>
+                <a:tab pos="2326640" algn="l"/>
+                <a:tab pos="2908300" algn="l"/>
+                <a:tab pos="3489960" algn="l"/>
+                <a:tab pos="4071620" algn="l"/>
+                <a:tab pos="4653280" algn="l"/>
+                <a:tab pos="5234940" algn="l"/>
+                <a:tab pos="5816600" algn="l"/>
+                <a:tab pos="6398260" algn="l"/>
+                <a:tab pos="6979920" algn="l"/>
+                <a:tab pos="7561580" algn="l"/>
+                <a:tab pos="8143240" algn="l"/>
+                <a:tab pos="8724900" algn="l"/>
+                <a:tab pos="9306560" algn="l"/>
+              </a:tabLst>
+            </a:pPr>
+            <a:r>
+              <a:rPr lang="en-US" sz="1400" dirty="0">
+                <a:solidFill>
+                  <a:srgbClr val="444444"/>
+                </a:solidFill>
+                <a:effectLst/>
+                <a:latin typeface="Courier New" panose="02070309020205020404" pitchFamily="49" charset="0"/>
+                <a:ea typeface="Times New Roman" panose="02020603050405020304" pitchFamily="18" charset="0"/>
+                <a:cs typeface="Arial" panose="020B0604020202020204" pitchFamily="34" charset="0"/>
+              </a:rPr>
+              <a:t>	COMPONENTS </a:t>
+            </a:r>
+            <a:r>
+              <a:rPr lang="en-US" sz="1400" dirty="0">
+                <a:solidFill>
+                  <a:srgbClr val="880000"/>
+                </a:solidFill>
+                <a:effectLst/>
+                <a:latin typeface="Courier New" panose="02070309020205020404" pitchFamily="49" charset="0"/>
+                <a:ea typeface="Times New Roman" panose="02020603050405020304" pitchFamily="18" charset="0"/>
+                <a:cs typeface="Arial" panose="020B0604020202020204" pitchFamily="34" charset="0"/>
+              </a:rPr>
+              <a:t>"COMPILER_C99_/usr/bin/gcc"</a:t>
+            </a:r>
+            <a:r>
+              <a:rPr lang="en-US" sz="1400" dirty="0">
+                <a:solidFill>
+                  <a:srgbClr val="444444"/>
+                </a:solidFill>
+                <a:effectLst/>
+                <a:latin typeface="Courier New" panose="02070309020205020404" pitchFamily="49" charset="0"/>
+                <a:ea typeface="Times New Roman" panose="02020603050405020304" pitchFamily="18" charset="0"/>
+                <a:cs typeface="Arial" panose="020B0604020202020204" pitchFamily="34" charset="0"/>
+              </a:rPr>
+              <a:t> </a:t>
+            </a:r>
+            <a:r>
+              <a:rPr lang="en-US" sz="1400" dirty="0">
+                <a:solidFill>
+                  <a:srgbClr val="880000"/>
+                </a:solidFill>
+                <a:effectLst/>
+                <a:latin typeface="Courier New" panose="02070309020205020404" pitchFamily="49" charset="0"/>
+                <a:ea typeface="Times New Roman" panose="02020603050405020304" pitchFamily="18" charset="0"/>
+                <a:cs typeface="Arial" panose="020B0604020202020204" pitchFamily="34" charset="0"/>
+              </a:rPr>
+              <a:t>"OMP_C"</a:t>
+            </a:r>
+            <a:endParaRPr lang="en-US" sz="1400" dirty="0">
+              <a:effectLst/>
+              <a:latin typeface="Calibri" panose="020F0502020204030204" pitchFamily="34" charset="0"/>
+              <a:ea typeface="Calibri" panose="020F0502020204030204" pitchFamily="34" charset="0"/>
+              <a:cs typeface="Arial" panose="020B0604020202020204" pitchFamily="34" charset="0"/>
+            </a:endParaRPr>
+          </a:p>
+          <a:p>
+            <a:pPr>
+              <a:lnSpc>
+                <a:spcPct val="107000"/>
+              </a:lnSpc>
+              <a:spcAft>
+                <a:spcPts val="800"/>
+              </a:spcAft>
+              <a:tabLst>
+                <a:tab pos="581660" algn="l"/>
+                <a:tab pos="1163320" algn="l"/>
+                <a:tab pos="1744980" algn="l"/>
+                <a:tab pos="2326640" algn="l"/>
+                <a:tab pos="2908300" algn="l"/>
+                <a:tab pos="3489960" algn="l"/>
+                <a:tab pos="4071620" algn="l"/>
+                <a:tab pos="4653280" algn="l"/>
+                <a:tab pos="5234940" algn="l"/>
+                <a:tab pos="5816600" algn="l"/>
+                <a:tab pos="6398260" algn="l"/>
+                <a:tab pos="6979920" algn="l"/>
+                <a:tab pos="7561580" algn="l"/>
+                <a:tab pos="8143240" algn="l"/>
+                <a:tab pos="8724900" algn="l"/>
+                <a:tab pos="9306560" algn="l"/>
+              </a:tabLst>
+            </a:pPr>
+            <a:r>
+              <a:rPr lang="en-US" sz="1400" dirty="0">
+                <a:solidFill>
+                  <a:srgbClr val="444444"/>
+                </a:solidFill>
+                <a:effectLst/>
+                <a:latin typeface="Courier New" panose="02070309020205020404" pitchFamily="49" charset="0"/>
+                <a:ea typeface="Times New Roman" panose="02020603050405020304" pitchFamily="18" charset="0"/>
+                <a:cs typeface="Arial" panose="020B0604020202020204" pitchFamily="34" charset="0"/>
+              </a:rPr>
+              <a:t>)</a:t>
+            </a:r>
+            <a:endParaRPr lang="en-US" sz="1400" dirty="0">
+              <a:effectLst/>
+              <a:latin typeface="Calibri" panose="020F0502020204030204" pitchFamily="34" charset="0"/>
+              <a:ea typeface="Calibri" panose="020F0502020204030204" pitchFamily="34" charset="0"/>
+              <a:cs typeface="Arial" panose="020B0604020202020204" pitchFamily="34" charset="0"/>
+            </a:endParaRPr>
+          </a:p>
+          <a:p>
+            <a:pPr>
+              <a:lnSpc>
+                <a:spcPct val="107000"/>
+              </a:lnSpc>
+              <a:spcAft>
+                <a:spcPts val="800"/>
+              </a:spcAft>
+              <a:tabLst>
+                <a:tab pos="581660" algn="l"/>
+                <a:tab pos="1163320" algn="l"/>
+                <a:tab pos="1744980" algn="l"/>
+                <a:tab pos="2326640" algn="l"/>
+                <a:tab pos="2908300" algn="l"/>
+                <a:tab pos="3489960" algn="l"/>
+                <a:tab pos="4071620" algn="l"/>
+                <a:tab pos="4653280" algn="l"/>
+                <a:tab pos="5234940" algn="l"/>
+                <a:tab pos="5816600" algn="l"/>
+                <a:tab pos="6398260" algn="l"/>
+                <a:tab pos="6979920" algn="l"/>
+                <a:tab pos="7561580" algn="l"/>
+                <a:tab pos="8143240" algn="l"/>
+                <a:tab pos="8724900" algn="l"/>
+                <a:tab pos="9306560" algn="l"/>
+              </a:tabLst>
+            </a:pPr>
+            <a:r>
+              <a:rPr lang="en-US" sz="1400" b="1" dirty="0">
+                <a:solidFill>
+                  <a:srgbClr val="444444"/>
+                </a:solidFill>
+                <a:effectLst/>
+                <a:latin typeface="Courier New" panose="02070309020205020404" pitchFamily="49" charset="0"/>
+                <a:ea typeface="Times New Roman" panose="02020603050405020304" pitchFamily="18" charset="0"/>
+                <a:cs typeface="Arial" panose="020B0604020202020204" pitchFamily="34" charset="0"/>
+              </a:rPr>
+              <a:t>message</a:t>
+            </a:r>
+            <a:r>
+              <a:rPr lang="en-US" sz="1400" dirty="0">
+                <a:solidFill>
+                  <a:srgbClr val="444444"/>
+                </a:solidFill>
+                <a:effectLst/>
+                <a:latin typeface="Courier New" panose="02070309020205020404" pitchFamily="49" charset="0"/>
+                <a:ea typeface="Times New Roman" panose="02020603050405020304" pitchFamily="18" charset="0"/>
+                <a:cs typeface="Arial" panose="020B0604020202020204" pitchFamily="34" charset="0"/>
+              </a:rPr>
+              <a:t>(INFO </a:t>
+            </a:r>
+            <a:r>
+              <a:rPr lang="en-US" sz="1400" dirty="0">
+                <a:solidFill>
+                  <a:srgbClr val="880000"/>
+                </a:solidFill>
+                <a:effectLst/>
+                <a:latin typeface="Courier New" panose="02070309020205020404" pitchFamily="49" charset="0"/>
+                <a:ea typeface="Times New Roman" panose="02020603050405020304" pitchFamily="18" charset="0"/>
+                <a:cs typeface="Arial" panose="020B0604020202020204" pitchFamily="34" charset="0"/>
+              </a:rPr>
+              <a:t>"scorep executable: ${SCOREP_EXECUTABLE}"</a:t>
+            </a:r>
+            <a:r>
+              <a:rPr lang="en-US" sz="1400" dirty="0">
+                <a:solidFill>
+                  <a:srgbClr val="444444"/>
+                </a:solidFill>
+                <a:effectLst/>
+                <a:latin typeface="Courier New" panose="02070309020205020404" pitchFamily="49" charset="0"/>
+                <a:ea typeface="Times New Roman" panose="02020603050405020304" pitchFamily="18" charset="0"/>
+                <a:cs typeface="Arial" panose="020B0604020202020204" pitchFamily="34" charset="0"/>
+              </a:rPr>
+              <a:t>)</a:t>
+            </a:r>
+            <a:endParaRPr lang="en-US" sz="1400" dirty="0">
+              <a:effectLst/>
+              <a:latin typeface="Calibri" panose="020F0502020204030204" pitchFamily="34" charset="0"/>
+              <a:ea typeface="Calibri" panose="020F0502020204030204" pitchFamily="34" charset="0"/>
+              <a:cs typeface="Arial" panose="020B0604020202020204" pitchFamily="34" charset="0"/>
+            </a:endParaRPr>
           </a:p>
         </p:txBody>
       </p:sp>
     </p:spTree>
     <p:extLst>
       <p:ext uri="{BB962C8B-B14F-4D97-AF65-F5344CB8AC3E}">
-        <p14:creationId xmlns:p14="http://schemas.microsoft.com/office/powerpoint/2010/main" val="1592893074"/>
+        <p14:creationId xmlns:p14="http://schemas.microsoft.com/office/powerpoint/2010/main" val="2142030261"/>
       </p:ext>
     </p:extLst>
   </p:cSld>
@@ -8113,7 +8555,7 @@
           <p:cNvPr id="2" name="Inhaltsplatzhalter 1">
             <a:extLst>
               <a:ext uri="{FF2B5EF4-FFF2-40B4-BE49-F238E27FC236}">
-                <a16:creationId xmlns:a16="http://schemas.microsoft.com/office/drawing/2014/main" id="{599EB70C-3957-4418-850D-EA0FF6526522}"/>
+                <a16:creationId xmlns:a16="http://schemas.microsoft.com/office/drawing/2014/main" id="{B66A3543-BE88-4027-A401-1E64DEEF4E02}"/>
               </a:ext>
             </a:extLst>
           </p:cNvPr>
@@ -8135,7 +8577,7 @@
             </a:pPr>
             <a:r>
               <a:rPr lang="en-US" dirty="0"/>
-              <a:t>creates multiple sets of targets which have to use the same values for a set of settings</a:t>
+              <a:t>provides functions for instrumenting a project using Score-P</a:t>
             </a:r>
           </a:p>
           <a:p>
@@ -8145,7 +8587,7 @@
             </a:pPr>
             <a:r>
               <a:rPr lang="en-US" dirty="0"/>
-              <a:t>a “local” set is created for every target with a constructor</a:t>
+              <a:t>low-level interface provides complete control over Score-P settings</a:t>
             </a:r>
           </a:p>
           <a:p>
@@ -8155,17 +8597,27 @@
             </a:pPr>
             <a:r>
               <a:rPr lang="en-US" dirty="0"/>
-              <a:t>contains all targets which share its constructor (like static libraries which are linked to)</a:t>
-            </a:r>
-          </a:p>
-          <a:p>
-            <a:pPr marL="681750" lvl="2" indent="-285750">
-              <a:buFont typeface="Wingdings" panose="05000000000000000000" pitchFamily="2" charset="2"/>
-              <a:buChar char="Ø"/>
-            </a:pPr>
-            <a:r>
-              <a:rPr lang="en-US" dirty="0"/>
-              <a:t>have to use the same values for all settings (since they share a single constructor)</a:t>
+              <a:t>users have to call a function to configure a target for instrumentation</a:t>
+            </a:r>
+          </a:p>
+          <a:p>
+            <a:pPr marL="681692" lvl="1" indent="-285750">
+              <a:buFont typeface="Arial" panose="020B0604020202020204" pitchFamily="34" charset="0"/>
+              <a:buChar char="•"/>
+            </a:pPr>
+            <a:r>
+              <a:rPr lang="en-US" dirty="0"/>
+              <a:t>some settings can be inferred from the link dependencies of the target (OpenMP, MPI, …)</a:t>
+            </a:r>
+          </a:p>
+          <a:p>
+            <a:pPr marL="681692" lvl="1" indent="-285750">
+              <a:buFont typeface="Arial" panose="020B0604020202020204" pitchFamily="34" charset="0"/>
+              <a:buChar char="•"/>
+            </a:pPr>
+            <a:r>
+              <a:rPr lang="en-US" dirty="0"/>
+              <a:t>obeying restrictions of Score-P has to be done by the user</a:t>
             </a:r>
           </a:p>
           <a:p>
@@ -8175,7 +8627,7 @@
             </a:pPr>
             <a:r>
               <a:rPr lang="en-US" dirty="0"/>
-              <a:t>“global” sets are extensions of local sets which contain all transitive link dependencies</a:t>
+              <a:t>high-level interface trades control for more automation</a:t>
             </a:r>
           </a:p>
           <a:p>
@@ -8185,57 +8637,47 @@
             </a:pPr>
             <a:r>
               <a:rPr lang="en-US" dirty="0"/>
-              <a:t>have to use the same values for the threading and message passing paradigms</a:t>
-            </a:r>
-          </a:p>
-          <a:p>
-            <a:pPr marL="681750" lvl="2" indent="-285750">
-              <a:buFont typeface="Wingdings" panose="05000000000000000000" pitchFamily="2" charset="2"/>
-              <a:buChar char="Ø"/>
-            </a:pPr>
-            <a:r>
-              <a:rPr lang="en-US" dirty="0"/>
-              <a:t>enforces these settings to be unique within an application</a:t>
-            </a:r>
-          </a:p>
-          <a:p>
-            <a:pPr marL="285750" indent="-285750">
+              <a:t>prevents violation of Score-P restrictions</a:t>
+            </a:r>
+          </a:p>
+          <a:p>
+            <a:pPr marL="681692" lvl="1" indent="-285750">
               <a:buFont typeface="Arial" panose="020B0604020202020204" pitchFamily="34" charset="0"/>
               <a:buChar char="•"/>
             </a:pPr>
             <a:r>
               <a:rPr lang="en-US" dirty="0"/>
-              <a:t>sets sharing an instrumented target are merged</a:t>
-            </a:r>
-          </a:p>
-          <a:p>
-            <a:pPr marL="681750" lvl="2" indent="-285750">
-              <a:buFont typeface="Wingdings" panose="05000000000000000000" pitchFamily="2" charset="2"/>
-              <a:buChar char="Ø"/>
-            </a:pPr>
-            <a:r>
-              <a:rPr lang="en-US" dirty="0"/>
-              <a:t>prevents multiple different settings from being inferred for a single target</a:t>
-            </a:r>
-          </a:p>
-          <a:p>
-            <a:pPr marL="285750" indent="-285750">
-              <a:buFont typeface="Arial" panose="020B0604020202020204" pitchFamily="34" charset="0"/>
-              <a:buChar char="•"/>
-            </a:pPr>
-            <a:r>
-              <a:rPr lang="en-US" dirty="0"/>
-              <a:t>setting values are merged when several different ones exist within a set</a:t>
-            </a:r>
-          </a:p>
-          <a:p>
-            <a:pPr marL="681750" lvl="2" indent="-285750">
-              <a:buFont typeface="Wingdings" panose="05000000000000000000" pitchFamily="2" charset="2"/>
-              <a:buChar char="Ø"/>
-            </a:pPr>
-            <a:r>
-              <a:rPr lang="en-US" dirty="0"/>
-              <a:t>done using built-in rules and user provided priorities </a:t>
+              <a:t>requires multiple steps:</a:t>
+            </a:r>
+          </a:p>
+          <a:p>
+            <a:pPr marL="738842" lvl="1" indent="-342900">
+              <a:buFont typeface="+mj-lt"/>
+              <a:buAutoNum type="arabicPeriod"/>
+            </a:pPr>
+            <a:r>
+              <a:rPr lang="en-US" dirty="0"/>
+              <a:t>Mark targets to be instrumented with their settings</a:t>
+            </a:r>
+          </a:p>
+          <a:p>
+            <a:pPr marL="738842" lvl="1" indent="-342900">
+              <a:buFont typeface="+mj-lt"/>
+              <a:buAutoNum type="arabicPeriod"/>
+            </a:pPr>
+            <a:r>
+              <a:rPr lang="en-US" dirty="0"/>
+              <a:t>Perform target analysis</a:t>
+            </a:r>
+          </a:p>
+          <a:p>
+            <a:pPr marL="738842" lvl="1" indent="-342900">
+              <a:buFont typeface="+mj-lt"/>
+              <a:buAutoNum type="arabicPeriod"/>
+            </a:pPr>
+            <a:r>
+              <a:rPr lang="en-US" dirty="0"/>
+              <a:t>Apply modifications (uses low-level interface internally)</a:t>
             </a:r>
           </a:p>
         </p:txBody>
@@ -8245,7 +8687,7 @@
           <p:cNvPr id="3" name="Titel 2">
             <a:extLst>
               <a:ext uri="{FF2B5EF4-FFF2-40B4-BE49-F238E27FC236}">
-                <a16:creationId xmlns:a16="http://schemas.microsoft.com/office/drawing/2014/main" id="{9F0ED500-A7B1-4285-9CF3-4517A0CA7840}"/>
+                <a16:creationId xmlns:a16="http://schemas.microsoft.com/office/drawing/2014/main" id="{EA069F9D-A3E8-4D67-BA12-F2BEE1863459}"/>
               </a:ext>
             </a:extLst>
           </p:cNvPr>
@@ -8256,26 +8698,27 @@
             <p:ph type="title"/>
           </p:nvPr>
         </p:nvSpPr>
-        <p:spPr/>
+        <p:spPr>
+          <a:xfrm>
+            <a:off x="874712" y="346075"/>
+            <a:ext cx="10580687" cy="684213"/>
+          </a:xfrm>
+        </p:spPr>
         <p:txBody>
           <a:bodyPr/>
           <a:lstStyle/>
           <a:p>
             <a:r>
               <a:rPr lang="en-US" dirty="0"/>
-              <a:t>Target Analysis</a:t>
-            </a:r>
-            <a:br>
-              <a:rPr lang="en-US" dirty="0"/>
-            </a:br>
-            <a:endParaRPr lang="de-DE" dirty="0"/>
+              <a:t>Instrumentation module</a:t>
+            </a:r>
           </a:p>
         </p:txBody>
       </p:sp>
     </p:spTree>
     <p:extLst>
       <p:ext uri="{BB962C8B-B14F-4D97-AF65-F5344CB8AC3E}">
-        <p14:creationId xmlns:p14="http://schemas.microsoft.com/office/powerpoint/2010/main" val="1500412574"/>
+        <p14:creationId xmlns:p14="http://schemas.microsoft.com/office/powerpoint/2010/main" val="1592893074"/>
       </p:ext>
     </p:extLst>
   </p:cSld>
@@ -8304,10 +8747,85 @@
       </p:grpSpPr>
       <p:sp>
         <p:nvSpPr>
+          <p:cNvPr id="2" name="Inhaltsplatzhalter 1">
+            <a:extLst>
+              <a:ext uri="{FF2B5EF4-FFF2-40B4-BE49-F238E27FC236}">
+                <a16:creationId xmlns:a16="http://schemas.microsoft.com/office/drawing/2014/main" id="{599EB70C-3957-4418-850D-EA0FF6526522}"/>
+              </a:ext>
+            </a:extLst>
+          </p:cNvPr>
+          <p:cNvSpPr>
+            <a:spLocks noGrp="1"/>
+          </p:cNvSpPr>
+          <p:nvPr>
+            <p:ph sz="quarter" idx="10"/>
+          </p:nvPr>
+        </p:nvSpPr>
+        <p:spPr/>
+        <p:txBody>
+          <a:bodyPr/>
+          <a:lstStyle/>
+          <a:p>
+            <a:pPr marL="285750" indent="-285750">
+              <a:buFont typeface="Arial" panose="020B0604020202020204" pitchFamily="34" charset="0"/>
+              <a:buChar char="•"/>
+            </a:pPr>
+            <a:r>
+              <a:rPr lang="en-US" dirty="0"/>
+              <a:t>creates multiple sets of targets which have to use the same values for a set of settings</a:t>
+            </a:r>
+          </a:p>
+          <a:p>
+            <a:pPr marL="285750" indent="-285750">
+              <a:buFont typeface="Arial" panose="020B0604020202020204" pitchFamily="34" charset="0"/>
+              <a:buChar char="•"/>
+            </a:pPr>
+            <a:r>
+              <a:rPr lang="en-US" dirty="0"/>
+              <a:t>setting values are merged when several different ones exist within a set</a:t>
+            </a:r>
+          </a:p>
+          <a:p>
+            <a:pPr marL="681750" lvl="2" indent="-285750">
+              <a:buFont typeface="Wingdings" panose="05000000000000000000" pitchFamily="2" charset="2"/>
+              <a:buChar char="Ø"/>
+            </a:pPr>
+            <a:r>
+              <a:rPr lang="en-US" dirty="0"/>
+              <a:t>done using built-in rules and user provided priorities</a:t>
+            </a:r>
+          </a:p>
+          <a:p>
+            <a:pPr marL="285750" indent="-285750">
+              <a:buFont typeface="Arial" panose="020B0604020202020204" pitchFamily="34" charset="0"/>
+              <a:buChar char="•"/>
+            </a:pPr>
+            <a:r>
+              <a:rPr lang="en-US" dirty="0"/>
+              <a:t>sets sharing an instrumented target are merged</a:t>
+            </a:r>
+          </a:p>
+          <a:p>
+            <a:pPr marL="681750" lvl="2" indent="-285750">
+              <a:buFont typeface="Wingdings" panose="05000000000000000000" pitchFamily="2" charset="2"/>
+              <a:buChar char="Ø"/>
+            </a:pPr>
+            <a:r>
+              <a:rPr lang="en-US" dirty="0"/>
+              <a:t>prevents multiple different settings from being inferred for a single target</a:t>
+            </a:r>
+          </a:p>
+          <a:p>
+            <a:endParaRPr lang="en-US" dirty="0"/>
+          </a:p>
+        </p:txBody>
+      </p:sp>
+      <p:sp>
+        <p:nvSpPr>
           <p:cNvPr id="3" name="Titel 2">
             <a:extLst>
               <a:ext uri="{FF2B5EF4-FFF2-40B4-BE49-F238E27FC236}">
-                <a16:creationId xmlns:a16="http://schemas.microsoft.com/office/drawing/2014/main" id="{56E43975-0378-4EE7-8DC5-2AEFA5B07C5B}"/>
+                <a16:creationId xmlns:a16="http://schemas.microsoft.com/office/drawing/2014/main" id="{9F0ED500-A7B1-4285-9CF3-4517A0CA7840}"/>
               </a:ext>
             </a:extLst>
           </p:cNvPr>
@@ -8318,42 +8836,40 @@
             <p:ph type="title"/>
           </p:nvPr>
         </p:nvSpPr>
-        <p:spPr/>
+        <p:spPr>
+          <a:xfrm>
+            <a:off x="874712" y="346075"/>
+            <a:ext cx="10580687" cy="684213"/>
+          </a:xfrm>
+        </p:spPr>
         <p:txBody>
           <a:bodyPr/>
           <a:lstStyle/>
           <a:p>
             <a:r>
-              <a:rPr lang="de-DE" dirty="0"/>
-              <a:t>Target Analysis (</a:t>
-            </a:r>
-            <a:r>
-              <a:rPr lang="en-US" dirty="0"/>
-              <a:t>Example</a:t>
-            </a:r>
-            <a:r>
-              <a:rPr lang="de-DE" dirty="0"/>
-              <a:t>)</a:t>
-            </a:r>
-            <a:endParaRPr lang="en-US" dirty="0"/>
+              <a:rPr lang="en-US" dirty="0"/>
+              <a:t>Target Analysis</a:t>
+            </a:r>
+            <a:br>
+              <a:rPr lang="en-US" dirty="0"/>
+            </a:br>
+            <a:endParaRPr lang="de-DE" dirty="0"/>
           </a:p>
         </p:txBody>
       </p:sp>
       <p:pic>
         <p:nvPicPr>
-          <p:cNvPr id="11" name="Inhaltsplatzhalter 10" descr="Example of local sets being calculated">
+          <p:cNvPr id="5" name="Grafik 4">
             <a:extLst>
               <a:ext uri="{FF2B5EF4-FFF2-40B4-BE49-F238E27FC236}">
-                <a16:creationId xmlns:a16="http://schemas.microsoft.com/office/drawing/2014/main" id="{1A66D17D-61B8-48FF-B077-9F79B6B3F1CB}"/>
+                <a16:creationId xmlns:a16="http://schemas.microsoft.com/office/drawing/2014/main" id="{06CD5839-FF44-4D80-9598-22AC307040AD}"/>
               </a:ext>
             </a:extLst>
           </p:cNvPr>
           <p:cNvPicPr>
-            <a:picLocks noGrp="1" noChangeAspect="1"/>
+            <a:picLocks noChangeAspect="1"/>
           </p:cNvPicPr>
-          <p:nvPr>
-            <p:ph sz="quarter" idx="10"/>
-          </p:nvPr>
+          <p:nvPr/>
         </p:nvPicPr>
         <p:blipFill>
           <a:blip r:embed="rId3">
@@ -8369,15 +8885,18 @@
         </p:blipFill>
         <p:spPr>
           <a:xfrm>
-            <a:off x="1413676" y="1484313"/>
-            <a:ext cx="9502760" cy="4344987"/>
+            <a:off x="4038819" y="3325091"/>
+            <a:ext cx="4114362" cy="2646714"/>
           </a:xfrm>
+          <a:prstGeom prst="rect">
+            <a:avLst/>
+          </a:prstGeom>
         </p:spPr>
       </p:pic>
     </p:spTree>
     <p:extLst>
       <p:ext uri="{BB962C8B-B14F-4D97-AF65-F5344CB8AC3E}">
-        <p14:creationId xmlns:p14="http://schemas.microsoft.com/office/powerpoint/2010/main" val="313049310"/>
+        <p14:creationId xmlns:p14="http://schemas.microsoft.com/office/powerpoint/2010/main" val="1500412574"/>
       </p:ext>
     </p:extLst>
   </p:cSld>
@@ -8406,10 +8925,52 @@
       </p:grpSpPr>
       <p:sp>
         <p:nvSpPr>
-          <p:cNvPr id="2" name="Inhaltsplatzhalter 1">
+          <p:cNvPr id="3" name="Titel 2">
             <a:extLst>
               <a:ext uri="{FF2B5EF4-FFF2-40B4-BE49-F238E27FC236}">
-                <a16:creationId xmlns:a16="http://schemas.microsoft.com/office/drawing/2014/main" id="{C5494E3B-69BB-4701-8EDA-AE22687F1698}"/>
+                <a16:creationId xmlns:a16="http://schemas.microsoft.com/office/drawing/2014/main" id="{56E43975-0378-4EE7-8DC5-2AEFA5B07C5B}"/>
+              </a:ext>
+            </a:extLst>
+          </p:cNvPr>
+          <p:cNvSpPr>
+            <a:spLocks noGrp="1"/>
+          </p:cNvSpPr>
+          <p:nvPr>
+            <p:ph type="title"/>
+          </p:nvPr>
+        </p:nvSpPr>
+        <p:spPr>
+          <a:xfrm>
+            <a:off x="874712" y="346075"/>
+            <a:ext cx="10580687" cy="684213"/>
+          </a:xfrm>
+        </p:spPr>
+        <p:txBody>
+          <a:bodyPr/>
+          <a:lstStyle/>
+          <a:p>
+            <a:r>
+              <a:rPr lang="de-DE" dirty="0"/>
+              <a:t>Target Analysis (</a:t>
+            </a:r>
+            <a:r>
+              <a:rPr lang="en-US" dirty="0"/>
+              <a:t>local sets</a:t>
+            </a:r>
+            <a:r>
+              <a:rPr lang="de-DE" dirty="0"/>
+              <a:t>)</a:t>
+            </a:r>
+            <a:endParaRPr lang="en-US" dirty="0"/>
+          </a:p>
+        </p:txBody>
+      </p:sp>
+      <p:sp>
+        <p:nvSpPr>
+          <p:cNvPr id="8" name="Inhaltsplatzhalter 7">
+            <a:extLst>
+              <a:ext uri="{FF2B5EF4-FFF2-40B4-BE49-F238E27FC236}">
+                <a16:creationId xmlns:a16="http://schemas.microsoft.com/office/drawing/2014/main" id="{2F90C010-5247-4A9C-993F-3C680BBCB630}"/>
               </a:ext>
             </a:extLst>
           </p:cNvPr>
@@ -8431,27 +8992,7 @@
             </a:pPr>
             <a:r>
               <a:rPr lang="en-US" dirty="0"/>
-              <a:t>link dependencies of a target may be specified using generator expressions</a:t>
-            </a:r>
-          </a:p>
-          <a:p>
-            <a:pPr marL="681750" lvl="2" indent="-285750">
-              <a:buFont typeface="Wingdings" panose="05000000000000000000" pitchFamily="2" charset="2"/>
-              <a:buChar char="Ø"/>
-            </a:pPr>
-            <a:r>
-              <a:rPr lang="en-US" dirty="0"/>
-              <a:t>can’t be evaluated during project configuration, target analysis incomplete</a:t>
-            </a:r>
-          </a:p>
-          <a:p>
-            <a:pPr marL="285750" indent="-285750">
-              <a:buFont typeface="Arial" panose="020B0604020202020204" pitchFamily="34" charset="0"/>
-              <a:buChar char="•"/>
-            </a:pPr>
-            <a:r>
-              <a:rPr lang="en-US" dirty="0"/>
-              <a:t>some languages ignore some target properties used by the low-level interface</a:t>
+              <a:t>prevent conflicts when modifying a shared constructor by restricting all settings</a:t>
             </a:r>
           </a:p>
           <a:p>
@@ -8461,93 +9002,54 @@
             </a:pPr>
             <a:r>
               <a:rPr lang="en-US" dirty="0"/>
-              <a:t>prevents Score-P from influencing the linking of these targets</a:t>
-            </a:r>
-          </a:p>
-          <a:p>
-            <a:pPr marL="681750" lvl="2" indent="-285750">
-              <a:buFont typeface="Wingdings" panose="05000000000000000000" pitchFamily="2" charset="2"/>
-              <a:buChar char="Ø"/>
-            </a:pPr>
-            <a:r>
-              <a:rPr lang="en-US" dirty="0"/>
-              <a:t>can be worked around using another linker language (for example the C++ linker for CUDA)</a:t>
-            </a:r>
-          </a:p>
-          <a:p>
-            <a:pPr marL="285750" indent="-285750">
-              <a:buFont typeface="Arial" panose="020B0604020202020204" pitchFamily="34" charset="0"/>
-              <a:buChar char="•"/>
-            </a:pPr>
-            <a:r>
-              <a:rPr lang="en-US" dirty="0"/>
-              <a:t>local set definition is probably too strict</a:t>
-            </a:r>
-          </a:p>
-          <a:p>
-            <a:pPr marL="681692" lvl="1" indent="-285750">
-              <a:buFont typeface="Arial" panose="020B0604020202020204" pitchFamily="34" charset="0"/>
-              <a:buChar char="•"/>
-            </a:pPr>
-            <a:r>
-              <a:rPr lang="en-US" dirty="0"/>
-              <a:t>constructor only used by some settings</a:t>
-            </a:r>
-          </a:p>
-          <a:p>
-            <a:pPr marL="285750" indent="-285750">
-              <a:buFont typeface="Arial" panose="020B0604020202020204" pitchFamily="34" charset="0"/>
-              <a:buChar char="•"/>
-            </a:pPr>
-            <a:r>
-              <a:rPr lang="en-US" dirty="0"/>
-              <a:t>inferring settings from link dependencies requires using well-known link dependencies</a:t>
-            </a:r>
-          </a:p>
-          <a:p>
-            <a:pPr marL="681692" lvl="1" indent="-285750">
-              <a:buFont typeface="Wingdings" panose="05000000000000000000" pitchFamily="2" charset="2"/>
-              <a:buChar char="Ø"/>
-            </a:pPr>
-            <a:r>
-              <a:rPr lang="en-US" dirty="0"/>
-              <a:t>settings can still be chosen manually (for example based on CMake options)</a:t>
-            </a:r>
+              <a:t>two targets sharing a constructor are in the same local set</a:t>
+            </a:r>
+          </a:p>
+          <a:p>
+            <a:endParaRPr lang="en-US" dirty="0"/>
           </a:p>
         </p:txBody>
       </p:sp>
-      <p:sp>
-        <p:nvSpPr>
-          <p:cNvPr id="3" name="Titel 2">
+      <p:pic>
+        <p:nvPicPr>
+          <p:cNvPr id="13" name="Grafik 12">
             <a:extLst>
               <a:ext uri="{FF2B5EF4-FFF2-40B4-BE49-F238E27FC236}">
-                <a16:creationId xmlns:a16="http://schemas.microsoft.com/office/drawing/2014/main" id="{B0AA83E4-D84F-471B-B6DD-5AEB77B094B4}"/>
+                <a16:creationId xmlns:a16="http://schemas.microsoft.com/office/drawing/2014/main" id="{FF55C869-D4B3-46E2-B56D-58485FDD0694}"/>
               </a:ext>
             </a:extLst>
           </p:cNvPr>
-          <p:cNvSpPr>
-            <a:spLocks noGrp="1"/>
-          </p:cNvSpPr>
-          <p:nvPr>
-            <p:ph type="title"/>
-          </p:nvPr>
-        </p:nvSpPr>
-        <p:spPr/>
-        <p:txBody>
-          <a:bodyPr/>
-          <a:lstStyle/>
-          <a:p>
-            <a:r>
-              <a:rPr lang="en-US" dirty="0"/>
-              <a:t>Problems &amp; Limitations</a:t>
-            </a:r>
-          </a:p>
-        </p:txBody>
-      </p:sp>
+          <p:cNvPicPr>
+            <a:picLocks noChangeAspect="1"/>
+          </p:cNvPicPr>
+          <p:nvPr/>
+        </p:nvPicPr>
+        <p:blipFill>
+          <a:blip r:embed="rId3">
+            <a:extLst>
+              <a:ext uri="{28A0092B-C50C-407E-A947-70E740481C1C}">
+                <a14:useLocalDpi xmlns:a14="http://schemas.microsoft.com/office/drawing/2010/main" val="0"/>
+              </a:ext>
+            </a:extLst>
+          </a:blip>
+          <a:stretch>
+            <a:fillRect/>
+          </a:stretch>
+        </p:blipFill>
+        <p:spPr>
+          <a:xfrm>
+            <a:off x="1883569" y="2186714"/>
+            <a:ext cx="8424862" cy="3852135"/>
+          </a:xfrm>
+          <a:prstGeom prst="rect">
+            <a:avLst/>
+          </a:prstGeom>
+        </p:spPr>
+      </p:pic>
     </p:spTree>
     <p:extLst>
       <p:ext uri="{BB962C8B-B14F-4D97-AF65-F5344CB8AC3E}">
-        <p14:creationId xmlns:p14="http://schemas.microsoft.com/office/powerpoint/2010/main" val="3225152936"/>
+        <p14:creationId xmlns:p14="http://schemas.microsoft.com/office/powerpoint/2010/main" val="313049310"/>
       </p:ext>
     </p:extLst>
   </p:cSld>
@@ -8576,10 +9078,55 @@
       </p:grpSpPr>
       <p:sp>
         <p:nvSpPr>
-          <p:cNvPr id="2" name="Titel 1">
+          <p:cNvPr id="2" name="Inhaltsplatzhalter 1">
             <a:extLst>
               <a:ext uri="{FF2B5EF4-FFF2-40B4-BE49-F238E27FC236}">
-                <a16:creationId xmlns:a16="http://schemas.microsoft.com/office/drawing/2014/main" id="{FBD26F26-D5DF-4A66-B9D0-CB72949C1C42}"/>
+                <a16:creationId xmlns:a16="http://schemas.microsoft.com/office/drawing/2014/main" id="{BB95EC36-AD0E-4335-8F46-216D978ADE29}"/>
+              </a:ext>
+            </a:extLst>
+          </p:cNvPr>
+          <p:cNvSpPr>
+            <a:spLocks noGrp="1"/>
+          </p:cNvSpPr>
+          <p:nvPr>
+            <p:ph sz="quarter" idx="10"/>
+          </p:nvPr>
+        </p:nvSpPr>
+        <p:spPr/>
+        <p:txBody>
+          <a:bodyPr/>
+          <a:lstStyle/>
+          <a:p>
+            <a:pPr marL="285750" indent="-285750">
+              <a:buFont typeface="Arial" panose="020B0604020202020204" pitchFamily="34" charset="0"/>
+              <a:buChar char="•"/>
+            </a:pPr>
+            <a:r>
+              <a:rPr lang="en-US" dirty="0"/>
+              <a:t>enforces threading and message passing paradigms to be unique within an application</a:t>
+            </a:r>
+          </a:p>
+          <a:p>
+            <a:pPr marL="681692" lvl="1" indent="-285750">
+              <a:buFont typeface="Arial" panose="020B0604020202020204" pitchFamily="34" charset="0"/>
+              <a:buChar char="•"/>
+            </a:pPr>
+            <a:r>
+              <a:rPr lang="en-US" dirty="0"/>
+              <a:t>extension of local sets which contain all transitive link dependencies</a:t>
+            </a:r>
+          </a:p>
+          <a:p>
+            <a:endParaRPr lang="en-US" dirty="0"/>
+          </a:p>
+        </p:txBody>
+      </p:sp>
+      <p:sp>
+        <p:nvSpPr>
+          <p:cNvPr id="3" name="Titel 2">
+            <a:extLst>
+              <a:ext uri="{FF2B5EF4-FFF2-40B4-BE49-F238E27FC236}">
+                <a16:creationId xmlns:a16="http://schemas.microsoft.com/office/drawing/2014/main" id="{1A906D17-F22A-4264-ADF7-69EAE85ACDB5}"/>
               </a:ext>
             </a:extLst>
           </p:cNvPr>
@@ -8597,19 +9144,51 @@
           <a:p>
             <a:r>
               <a:rPr lang="en-US" dirty="0"/>
-              <a:t>Performance Analysis</a:t>
-            </a:r>
-            <a:br>
-              <a:rPr lang="en-US" dirty="0"/>
-            </a:br>
-            <a:endParaRPr lang="en-US" dirty="0"/>
+              <a:t>Target Analysis (global sets)</a:t>
+            </a:r>
           </a:p>
         </p:txBody>
       </p:sp>
+      <p:pic>
+        <p:nvPicPr>
+          <p:cNvPr id="5" name="Grafik 4">
+            <a:extLst>
+              <a:ext uri="{FF2B5EF4-FFF2-40B4-BE49-F238E27FC236}">
+                <a16:creationId xmlns:a16="http://schemas.microsoft.com/office/drawing/2014/main" id="{D4EB5FF9-0671-4A90-9C71-77987719BE77}"/>
+              </a:ext>
+            </a:extLst>
+          </p:cNvPr>
+          <p:cNvPicPr>
+            <a:picLocks noChangeAspect="1"/>
+          </p:cNvPicPr>
+          <p:nvPr/>
+        </p:nvPicPr>
+        <p:blipFill>
+          <a:blip r:embed="rId3">
+            <a:extLst>
+              <a:ext uri="{28A0092B-C50C-407E-A947-70E740481C1C}">
+                <a14:useLocalDpi xmlns:a14="http://schemas.microsoft.com/office/drawing/2010/main" val="0"/>
+              </a:ext>
+            </a:extLst>
+          </a:blip>
+          <a:stretch>
+            <a:fillRect/>
+          </a:stretch>
+        </p:blipFill>
+        <p:spPr>
+          <a:xfrm>
+            <a:off x="1883716" y="2185200"/>
+            <a:ext cx="8424568" cy="3852000"/>
+          </a:xfrm>
+          <a:prstGeom prst="rect">
+            <a:avLst/>
+          </a:prstGeom>
+        </p:spPr>
+      </p:pic>
     </p:spTree>
     <p:extLst>
       <p:ext uri="{BB962C8B-B14F-4D97-AF65-F5344CB8AC3E}">
-        <p14:creationId xmlns:p14="http://schemas.microsoft.com/office/powerpoint/2010/main" val="408211515"/>
+        <p14:creationId xmlns:p14="http://schemas.microsoft.com/office/powerpoint/2010/main" val="1423010034"/>
       </p:ext>
     </p:extLst>
   </p:cSld>
@@ -8638,112 +9217,10 @@
       </p:grpSpPr>
       <p:sp>
         <p:nvSpPr>
-          <p:cNvPr id="4" name="Inhaltsplatzhalter 3">
+          <p:cNvPr id="2" name="Titel 1">
             <a:extLst>
               <a:ext uri="{FF2B5EF4-FFF2-40B4-BE49-F238E27FC236}">
-                <a16:creationId xmlns:a16="http://schemas.microsoft.com/office/drawing/2014/main" id="{34BD30BA-BDC9-43B6-877E-59DC7A7BE5FD}"/>
-              </a:ext>
-            </a:extLst>
-          </p:cNvPr>
-          <p:cNvSpPr>
-            <a:spLocks noGrp="1"/>
-          </p:cNvSpPr>
-          <p:nvPr>
-            <p:ph sz="quarter" idx="10"/>
-          </p:nvPr>
-        </p:nvSpPr>
-        <p:spPr/>
-        <p:txBody>
-          <a:bodyPr/>
-          <a:lstStyle/>
-          <a:p>
-            <a:pPr marL="285750" indent="-285750">
-              <a:buFont typeface="Arial" panose="020B0604020202020204" pitchFamily="34" charset="0"/>
-              <a:buChar char="•"/>
-            </a:pPr>
-            <a:r>
-              <a:rPr lang="en-US" dirty="0"/>
-              <a:t>Score-P already provides wrappers to be used with CMake</a:t>
-            </a:r>
-          </a:p>
-          <a:p>
-            <a:pPr marL="681692" lvl="1" indent="-285750">
-              <a:buFont typeface="Arial" panose="020B0604020202020204" pitchFamily="34" charset="0"/>
-              <a:buChar char="•"/>
-            </a:pPr>
-            <a:r>
-              <a:rPr lang="en-US" dirty="0"/>
-              <a:t>deactivate instrumentation during project configuration based on environment variables</a:t>
-            </a:r>
-          </a:p>
-          <a:p>
-            <a:pPr marL="681750" lvl="2" indent="-285750">
-              <a:buFont typeface="Wingdings" panose="05000000000000000000" pitchFamily="2" charset="2"/>
-              <a:buChar char="Ø"/>
-            </a:pPr>
-            <a:r>
-              <a:rPr lang="en-US" dirty="0"/>
-              <a:t>more complicated build process by configuring Score-P outside CMake</a:t>
-            </a:r>
-          </a:p>
-          <a:p>
-            <a:pPr marL="681750" lvl="2" indent="-285750">
-              <a:buFont typeface="Wingdings" panose="05000000000000000000" pitchFamily="2" charset="2"/>
-              <a:buChar char="Ø"/>
-            </a:pPr>
-            <a:r>
-              <a:rPr lang="en-US" dirty="0"/>
-              <a:t>no target-level control over instrumentation</a:t>
-            </a:r>
-          </a:p>
-          <a:p>
-            <a:pPr marL="285750" indent="-285750">
-              <a:buFont typeface="Arial" panose="020B0604020202020204" pitchFamily="34" charset="0"/>
-              <a:buChar char="•"/>
-            </a:pPr>
-            <a:r>
-              <a:rPr lang="en-US" dirty="0"/>
-              <a:t>Instrumentation module allows choosing Score-P settings inside CMake</a:t>
-            </a:r>
-          </a:p>
-          <a:p>
-            <a:pPr marL="681692" lvl="1" indent="-285750">
-              <a:buFont typeface="Arial" panose="020B0604020202020204" pitchFamily="34" charset="0"/>
-              <a:buChar char="•"/>
-            </a:pPr>
-            <a:r>
-              <a:rPr lang="en-US" dirty="0"/>
-              <a:t>access to project options, defined targets, ….</a:t>
-            </a:r>
-          </a:p>
-          <a:p>
-            <a:pPr marL="681692" lvl="1" indent="-285750">
-              <a:buFont typeface="Arial" panose="020B0604020202020204" pitchFamily="34" charset="0"/>
-              <a:buChar char="•"/>
-            </a:pPr>
-            <a:r>
-              <a:rPr lang="en-US" dirty="0"/>
-              <a:t>target-level control over instrumentation</a:t>
-            </a:r>
-          </a:p>
-          <a:p>
-            <a:pPr marL="285750" indent="-285750">
-              <a:buFont typeface="Arial" panose="020B0604020202020204" pitchFamily="34" charset="0"/>
-              <a:buChar char="•"/>
-            </a:pPr>
-            <a:r>
-              <a:rPr lang="en-US" dirty="0"/>
-              <a:t> difference when instrumenting GROMACS:</a:t>
-            </a:r>
-          </a:p>
-        </p:txBody>
-      </p:sp>
-      <p:sp>
-        <p:nvSpPr>
-          <p:cNvPr id="3" name="Titel 2">
-            <a:extLst>
-              <a:ext uri="{FF2B5EF4-FFF2-40B4-BE49-F238E27FC236}">
-                <a16:creationId xmlns:a16="http://schemas.microsoft.com/office/drawing/2014/main" id="{7F4DC47D-9D99-43F1-959A-DF88368B8346}"/>
+                <a16:creationId xmlns:a16="http://schemas.microsoft.com/office/drawing/2014/main" id="{FBD26F26-D5DF-4A66-B9D0-CB72949C1C42}"/>
               </a:ext>
             </a:extLst>
           </p:cNvPr>
@@ -8763,216 +9240,17 @@
               <a:rPr lang="en-US" dirty="0"/>
               <a:t>Performance Analysis</a:t>
             </a:r>
-          </a:p>
-        </p:txBody>
-      </p:sp>
-      <p:sp>
-        <p:nvSpPr>
-          <p:cNvPr id="6" name="Textfeld 5">
-            <a:extLst>
-              <a:ext uri="{FF2B5EF4-FFF2-40B4-BE49-F238E27FC236}">
-                <a16:creationId xmlns:a16="http://schemas.microsoft.com/office/drawing/2014/main" id="{2E043604-3868-464F-BEBB-AA1FF398728F}"/>
-              </a:ext>
-            </a:extLst>
-          </p:cNvPr>
-          <p:cNvSpPr txBox="1"/>
-          <p:nvPr/>
-        </p:nvSpPr>
-        <p:spPr>
-          <a:xfrm>
-            <a:off x="1141409" y="5577024"/>
-            <a:ext cx="6869113" cy="557076"/>
-          </a:xfrm>
-          <a:prstGeom prst="rect">
-            <a:avLst/>
-          </a:prstGeom>
-          <a:noFill/>
-        </p:spPr>
-        <p:txBody>
-          <a:bodyPr wrap="square" rtlCol="0">
-            <a:spAutoFit/>
-          </a:bodyPr>
-          <a:lstStyle/>
-          <a:p>
-            <a:r>
-              <a:rPr lang="en-US" sz="1400" dirty="0">
-                <a:solidFill>
-                  <a:srgbClr val="444444"/>
-                </a:solidFill>
-                <a:effectLst/>
-                <a:latin typeface="Courier New" panose="02070309020205020404" pitchFamily="49" charset="0"/>
-                <a:ea typeface="Times New Roman" panose="02020603050405020304" pitchFamily="18" charset="0"/>
-                <a:cs typeface="Arial" panose="020B0604020202020204" pitchFamily="34" charset="0"/>
-              </a:rPr>
-              <a:t>cmake -S . -B build -DGMX_BUILD_OWN_FFTW=ON -DENABLE_SCOREP=ON</a:t>
-            </a:r>
-            <a:endParaRPr lang="en-US" sz="1400" dirty="0">
-              <a:effectLst/>
-              <a:latin typeface="Calibri" panose="020F0502020204030204" pitchFamily="34" charset="0"/>
-              <a:ea typeface="Calibri" panose="020F0502020204030204" pitchFamily="34" charset="0"/>
-              <a:cs typeface="Arial" panose="020B0604020202020204" pitchFamily="34" charset="0"/>
-            </a:endParaRPr>
-          </a:p>
-          <a:p>
+            <a:br>
+              <a:rPr lang="en-US" dirty="0"/>
+            </a:br>
             <a:endParaRPr lang="en-US" dirty="0"/>
-          </a:p>
-        </p:txBody>
-      </p:sp>
-      <p:sp>
-        <p:nvSpPr>
-          <p:cNvPr id="7" name="Textfeld 6">
-            <a:extLst>
-              <a:ext uri="{FF2B5EF4-FFF2-40B4-BE49-F238E27FC236}">
-                <a16:creationId xmlns:a16="http://schemas.microsoft.com/office/drawing/2014/main" id="{7EC83A85-A078-41A9-BD52-CAD8F8D91B7C}"/>
-              </a:ext>
-            </a:extLst>
-          </p:cNvPr>
-          <p:cNvSpPr txBox="1"/>
-          <p:nvPr/>
-        </p:nvSpPr>
-        <p:spPr>
-          <a:xfrm>
-            <a:off x="1141409" y="4472222"/>
-            <a:ext cx="10698166" cy="652230"/>
-          </a:xfrm>
-          <a:prstGeom prst="rect">
-            <a:avLst/>
-          </a:prstGeom>
-          <a:noFill/>
-        </p:spPr>
-        <p:txBody>
-          <a:bodyPr wrap="square" rtlCol="0">
-            <a:spAutoFit/>
-          </a:bodyPr>
-          <a:lstStyle/>
-          <a:p>
-            <a:pPr>
-              <a:lnSpc>
-                <a:spcPct val="107000"/>
-              </a:lnSpc>
-              <a:spcAft>
-                <a:spcPts val="800"/>
-              </a:spcAft>
-              <a:tabLst>
-                <a:tab pos="581660" algn="l"/>
-                <a:tab pos="1163320" algn="l"/>
-                <a:tab pos="1744980" algn="l"/>
-                <a:tab pos="2326640" algn="l"/>
-                <a:tab pos="2908300" algn="l"/>
-                <a:tab pos="3489960" algn="l"/>
-                <a:tab pos="4071620" algn="l"/>
-                <a:tab pos="4653280" algn="l"/>
-                <a:tab pos="5234940" algn="l"/>
-                <a:tab pos="5816600" algn="l"/>
-                <a:tab pos="6398260" algn="l"/>
-                <a:tab pos="6979920" algn="l"/>
-                <a:tab pos="7561580" algn="l"/>
-                <a:tab pos="8143240" algn="l"/>
-                <a:tab pos="8724900" algn="l"/>
-                <a:tab pos="9306560" algn="l"/>
-              </a:tabLst>
-            </a:pPr>
-            <a:r>
-              <a:rPr lang="en-US" sz="1400" dirty="0">
-                <a:solidFill>
-                  <a:srgbClr val="397300"/>
-                </a:solidFill>
-                <a:effectLst/>
-                <a:latin typeface="Courier New" panose="02070309020205020404" pitchFamily="49" charset="0"/>
-                <a:ea typeface="Times New Roman" panose="02020603050405020304" pitchFamily="18" charset="0"/>
-                <a:cs typeface="Arial" panose="020B0604020202020204" pitchFamily="34" charset="0"/>
-              </a:rPr>
-              <a:t>export</a:t>
-            </a:r>
-            <a:r>
-              <a:rPr lang="en-US" sz="1400" dirty="0">
-                <a:solidFill>
-                  <a:srgbClr val="444444"/>
-                </a:solidFill>
-                <a:effectLst/>
-                <a:latin typeface="Courier New" panose="02070309020205020404" pitchFamily="49" charset="0"/>
-                <a:ea typeface="Times New Roman" panose="02020603050405020304" pitchFamily="18" charset="0"/>
-                <a:cs typeface="Arial" panose="020B0604020202020204" pitchFamily="34" charset="0"/>
-              </a:rPr>
-              <a:t> SCOREP_WRAPPER_INSTRUMENTER_FLAGS=</a:t>
-            </a:r>
-            <a:r>
-              <a:rPr lang="en-US" sz="1400" dirty="0">
-                <a:solidFill>
-                  <a:srgbClr val="880000"/>
-                </a:solidFill>
-                <a:effectLst/>
-                <a:latin typeface="Courier New" panose="02070309020205020404" pitchFamily="49" charset="0"/>
-                <a:ea typeface="Times New Roman" panose="02020603050405020304" pitchFamily="18" charset="0"/>
-                <a:cs typeface="Arial" panose="020B0604020202020204" pitchFamily="34" charset="0"/>
-              </a:rPr>
-              <a:t>"--thread=omp:ompt --io=posix --compiler"</a:t>
-            </a:r>
-            <a:endParaRPr lang="en-US" sz="1400" dirty="0">
-              <a:effectLst/>
-              <a:latin typeface="Calibri" panose="020F0502020204030204" pitchFamily="34" charset="0"/>
-              <a:ea typeface="Calibri" panose="020F0502020204030204" pitchFamily="34" charset="0"/>
-              <a:cs typeface="Arial" panose="020B0604020202020204" pitchFamily="34" charset="0"/>
-            </a:endParaRPr>
-          </a:p>
-          <a:p>
-            <a:pPr>
-              <a:lnSpc>
-                <a:spcPct val="107000"/>
-              </a:lnSpc>
-              <a:spcAft>
-                <a:spcPts val="800"/>
-              </a:spcAft>
-              <a:tabLst>
-                <a:tab pos="581660" algn="l"/>
-                <a:tab pos="1163320" algn="l"/>
-                <a:tab pos="1744980" algn="l"/>
-                <a:tab pos="2326640" algn="l"/>
-                <a:tab pos="2908300" algn="l"/>
-                <a:tab pos="3489960" algn="l"/>
-                <a:tab pos="4071620" algn="l"/>
-                <a:tab pos="4653280" algn="l"/>
-                <a:tab pos="5234940" algn="l"/>
-                <a:tab pos="5816600" algn="l"/>
-                <a:tab pos="6398260" algn="l"/>
-                <a:tab pos="6979920" algn="l"/>
-                <a:tab pos="7561580" algn="l"/>
-                <a:tab pos="8143240" algn="l"/>
-                <a:tab pos="8724900" algn="l"/>
-                <a:tab pos="9306560" algn="l"/>
-              </a:tabLst>
-            </a:pPr>
-            <a:r>
-              <a:rPr lang="en-US" sz="1400" dirty="0">
-                <a:solidFill>
-                  <a:srgbClr val="444444"/>
-                </a:solidFill>
-                <a:effectLst/>
-                <a:latin typeface="Courier New" panose="02070309020205020404" pitchFamily="49" charset="0"/>
-                <a:ea typeface="Times New Roman" panose="02020603050405020304" pitchFamily="18" charset="0"/>
-                <a:cs typeface="Arial" panose="020B0604020202020204" pitchFamily="34" charset="0"/>
-              </a:rPr>
-              <a:t>SCOREP_WRAPPER=off cmake -S . -B build -DGMX_BUILD_OWN_FFTW=ON </a:t>
-            </a:r>
-            <a:r>
-              <a:rPr lang="en-US" sz="1400" dirty="0">
-                <a:solidFill>
-                  <a:srgbClr val="444444"/>
-                </a:solidFill>
-                <a:effectLst/>
-                <a:latin typeface="Courier New" panose="02070309020205020404" pitchFamily="49" charset="0"/>
-                <a:ea typeface="Times New Roman" panose="02020603050405020304" pitchFamily="18" charset="0"/>
-              </a:rPr>
-              <a:t>-DCMAKE_CXX_COMPILER=scorep-clang++</a:t>
-            </a:r>
-            <a:endParaRPr lang="en-US" sz="1400" dirty="0"/>
           </a:p>
         </p:txBody>
       </p:sp>
     </p:spTree>
     <p:extLst>
       <p:ext uri="{BB962C8B-B14F-4D97-AF65-F5344CB8AC3E}">
-        <p14:creationId xmlns:p14="http://schemas.microsoft.com/office/powerpoint/2010/main" val="1351387899"/>
+        <p14:creationId xmlns:p14="http://schemas.microsoft.com/office/powerpoint/2010/main" val="408211515"/>
       </p:ext>
     </p:extLst>
   </p:cSld>
@@ -9100,16 +9378,6 @@
             </a:r>
           </a:p>
           <a:p>
-            <a:pPr marL="738842" lvl="1" indent="-342900">
-              <a:buFont typeface="+mj-lt"/>
-              <a:buAutoNum type="arabicPeriod"/>
-            </a:pPr>
-            <a:r>
-              <a:rPr lang="en-US" dirty="0"/>
-              <a:t>Problems &amp; Limitations</a:t>
-            </a:r>
-          </a:p>
-          <a:p>
             <a:pPr marL="342900" indent="-342900">
               <a:buFont typeface="+mj-lt"/>
               <a:buAutoNum type="arabicPeriod"/>
@@ -9157,7 +9425,12 @@
             <p:ph type="title"/>
           </p:nvPr>
         </p:nvSpPr>
-        <p:spPr/>
+        <p:spPr>
+          <a:xfrm>
+            <a:off x="874712" y="346075"/>
+            <a:ext cx="10580687" cy="684213"/>
+          </a:xfrm>
+        </p:spPr>
         <p:txBody>
           <a:bodyPr/>
           <a:lstStyle/>
@@ -9183,6 +9456,560 @@
 </file>
 
 <file path=ppt/slides/slide20.xml><?xml version="1.0" encoding="utf-8"?>
+<p:sld xmlns:a="http://schemas.openxmlformats.org/drawingml/2006/main" xmlns:r="http://schemas.openxmlformats.org/officeDocument/2006/relationships" xmlns:p="http://schemas.openxmlformats.org/presentationml/2006/main">
+  <p:cSld>
+    <p:spTree>
+      <p:nvGrpSpPr>
+        <p:cNvPr id="1" name=""/>
+        <p:cNvGrpSpPr/>
+        <p:nvPr/>
+      </p:nvGrpSpPr>
+      <p:grpSpPr>
+        <a:xfrm>
+          <a:off x="0" y="0"/>
+          <a:ext cx="0" cy="0"/>
+          <a:chOff x="0" y="0"/>
+          <a:chExt cx="0" cy="0"/>
+        </a:xfrm>
+      </p:grpSpPr>
+      <p:sp>
+        <p:nvSpPr>
+          <p:cNvPr id="4" name="Inhaltsplatzhalter 3">
+            <a:extLst>
+              <a:ext uri="{FF2B5EF4-FFF2-40B4-BE49-F238E27FC236}">
+                <a16:creationId xmlns:a16="http://schemas.microsoft.com/office/drawing/2014/main" id="{34BD30BA-BDC9-43B6-877E-59DC7A7BE5FD}"/>
+              </a:ext>
+            </a:extLst>
+          </p:cNvPr>
+          <p:cNvSpPr>
+            <a:spLocks noGrp="1"/>
+          </p:cNvSpPr>
+          <p:nvPr>
+            <p:ph sz="quarter" idx="10"/>
+          </p:nvPr>
+        </p:nvSpPr>
+        <p:spPr/>
+        <p:txBody>
+          <a:bodyPr/>
+          <a:lstStyle/>
+          <a:p>
+            <a:pPr marL="285750" indent="-285750">
+              <a:buFont typeface="Arial" panose="020B0604020202020204" pitchFamily="34" charset="0"/>
+              <a:buChar char="•"/>
+            </a:pPr>
+            <a:r>
+              <a:rPr lang="en-US" dirty="0"/>
+              <a:t>Score-P already provides wrappers to be used with CMake</a:t>
+            </a:r>
+          </a:p>
+          <a:p>
+            <a:pPr marL="681692" lvl="1" indent="-285750">
+              <a:buFont typeface="Arial" panose="020B0604020202020204" pitchFamily="34" charset="0"/>
+              <a:buChar char="•"/>
+            </a:pPr>
+            <a:r>
+              <a:rPr lang="en-US" dirty="0"/>
+              <a:t>deactivate instrumentation during project configuration based on environment variables</a:t>
+            </a:r>
+          </a:p>
+          <a:p>
+            <a:pPr marL="681750" lvl="2" indent="-285750">
+              <a:buFont typeface="Wingdings" panose="05000000000000000000" pitchFamily="2" charset="2"/>
+              <a:buChar char="Ø"/>
+            </a:pPr>
+            <a:r>
+              <a:rPr lang="en-US" dirty="0"/>
+              <a:t>more complicated build process by configuring Score-P outside CMake</a:t>
+            </a:r>
+          </a:p>
+          <a:p>
+            <a:pPr marL="681750" lvl="2" indent="-285750">
+              <a:buFont typeface="Wingdings" panose="05000000000000000000" pitchFamily="2" charset="2"/>
+              <a:buChar char="Ø"/>
+            </a:pPr>
+            <a:r>
+              <a:rPr lang="en-US" dirty="0"/>
+              <a:t>no target-level control over instrumentation</a:t>
+            </a:r>
+          </a:p>
+          <a:p>
+            <a:pPr marL="285750" indent="-285750">
+              <a:buFont typeface="Arial" panose="020B0604020202020204" pitchFamily="34" charset="0"/>
+              <a:buChar char="•"/>
+            </a:pPr>
+            <a:r>
+              <a:rPr lang="en-US" dirty="0"/>
+              <a:t>Instrumentation module allows choosing Score-P settings inside CMake</a:t>
+            </a:r>
+          </a:p>
+          <a:p>
+            <a:pPr marL="681692" lvl="1" indent="-285750">
+              <a:buFont typeface="Arial" panose="020B0604020202020204" pitchFamily="34" charset="0"/>
+              <a:buChar char="•"/>
+            </a:pPr>
+            <a:r>
+              <a:rPr lang="en-US" dirty="0"/>
+              <a:t>access to project options, defined targets, ….</a:t>
+            </a:r>
+          </a:p>
+          <a:p>
+            <a:pPr marL="681692" lvl="1" indent="-285750">
+              <a:buFont typeface="Arial" panose="020B0604020202020204" pitchFamily="34" charset="0"/>
+              <a:buChar char="•"/>
+            </a:pPr>
+            <a:r>
+              <a:rPr lang="en-US" dirty="0"/>
+              <a:t>target-level control over instrumentation</a:t>
+            </a:r>
+          </a:p>
+          <a:p>
+            <a:pPr marL="285750" indent="-285750">
+              <a:buFont typeface="Arial" panose="020B0604020202020204" pitchFamily="34" charset="0"/>
+              <a:buChar char="•"/>
+            </a:pPr>
+            <a:r>
+              <a:rPr lang="en-US" dirty="0"/>
+              <a:t> difference when instrumenting GROMACS:</a:t>
+            </a:r>
+          </a:p>
+        </p:txBody>
+      </p:sp>
+      <p:sp>
+        <p:nvSpPr>
+          <p:cNvPr id="3" name="Titel 2">
+            <a:extLst>
+              <a:ext uri="{FF2B5EF4-FFF2-40B4-BE49-F238E27FC236}">
+                <a16:creationId xmlns:a16="http://schemas.microsoft.com/office/drawing/2014/main" id="{7F4DC47D-9D99-43F1-959A-DF88368B8346}"/>
+              </a:ext>
+            </a:extLst>
+          </p:cNvPr>
+          <p:cNvSpPr>
+            <a:spLocks noGrp="1"/>
+          </p:cNvSpPr>
+          <p:nvPr>
+            <p:ph type="title"/>
+          </p:nvPr>
+        </p:nvSpPr>
+        <p:spPr>
+          <a:xfrm>
+            <a:off x="874712" y="346075"/>
+            <a:ext cx="10580687" cy="684213"/>
+          </a:xfrm>
+        </p:spPr>
+        <p:txBody>
+          <a:bodyPr/>
+          <a:lstStyle/>
+          <a:p>
+            <a:r>
+              <a:rPr lang="en-US" dirty="0"/>
+              <a:t>Performance Analysis</a:t>
+            </a:r>
+          </a:p>
+        </p:txBody>
+      </p:sp>
+      <p:sp>
+        <p:nvSpPr>
+          <p:cNvPr id="6" name="Textfeld 5">
+            <a:extLst>
+              <a:ext uri="{FF2B5EF4-FFF2-40B4-BE49-F238E27FC236}">
+                <a16:creationId xmlns:a16="http://schemas.microsoft.com/office/drawing/2014/main" id="{2E043604-3868-464F-BEBB-AA1FF398728F}"/>
+              </a:ext>
+            </a:extLst>
+          </p:cNvPr>
+          <p:cNvSpPr txBox="1"/>
+          <p:nvPr/>
+        </p:nvSpPr>
+        <p:spPr>
+          <a:xfrm>
+            <a:off x="1141409" y="5577024"/>
+            <a:ext cx="6869113" cy="557076"/>
+          </a:xfrm>
+          <a:prstGeom prst="rect">
+            <a:avLst/>
+          </a:prstGeom>
+          <a:noFill/>
+        </p:spPr>
+        <p:txBody>
+          <a:bodyPr wrap="square" rtlCol="0">
+            <a:spAutoFit/>
+          </a:bodyPr>
+          <a:lstStyle/>
+          <a:p>
+            <a:r>
+              <a:rPr lang="en-US" sz="1400" dirty="0">
+                <a:solidFill>
+                  <a:srgbClr val="444444"/>
+                </a:solidFill>
+                <a:effectLst/>
+                <a:latin typeface="Courier New" panose="02070309020205020404" pitchFamily="49" charset="0"/>
+                <a:ea typeface="Times New Roman" panose="02020603050405020304" pitchFamily="18" charset="0"/>
+                <a:cs typeface="Arial" panose="020B0604020202020204" pitchFamily="34" charset="0"/>
+              </a:rPr>
+              <a:t>cmake -S . -B build -DGMX_BUILD_OWN_FFTW=ON -DENABLE_SCOREP=ON</a:t>
+            </a:r>
+            <a:endParaRPr lang="en-US" sz="1400" dirty="0">
+              <a:effectLst/>
+              <a:latin typeface="Calibri" panose="020F0502020204030204" pitchFamily="34" charset="0"/>
+              <a:ea typeface="Calibri" panose="020F0502020204030204" pitchFamily="34" charset="0"/>
+              <a:cs typeface="Arial" panose="020B0604020202020204" pitchFamily="34" charset="0"/>
+            </a:endParaRPr>
+          </a:p>
+          <a:p>
+            <a:endParaRPr lang="en-US" dirty="0"/>
+          </a:p>
+        </p:txBody>
+      </p:sp>
+      <p:sp>
+        <p:nvSpPr>
+          <p:cNvPr id="7" name="Textfeld 6">
+            <a:extLst>
+              <a:ext uri="{FF2B5EF4-FFF2-40B4-BE49-F238E27FC236}">
+                <a16:creationId xmlns:a16="http://schemas.microsoft.com/office/drawing/2014/main" id="{7EC83A85-A078-41A9-BD52-CAD8F8D91B7C}"/>
+              </a:ext>
+            </a:extLst>
+          </p:cNvPr>
+          <p:cNvSpPr txBox="1"/>
+          <p:nvPr/>
+        </p:nvSpPr>
+        <p:spPr>
+          <a:xfrm>
+            <a:off x="1141409" y="4472222"/>
+            <a:ext cx="10698166" cy="652230"/>
+          </a:xfrm>
+          <a:prstGeom prst="rect">
+            <a:avLst/>
+          </a:prstGeom>
+          <a:noFill/>
+        </p:spPr>
+        <p:txBody>
+          <a:bodyPr wrap="square" rtlCol="0">
+            <a:spAutoFit/>
+          </a:bodyPr>
+          <a:lstStyle/>
+          <a:p>
+            <a:pPr>
+              <a:lnSpc>
+                <a:spcPct val="107000"/>
+              </a:lnSpc>
+              <a:spcAft>
+                <a:spcPts val="800"/>
+              </a:spcAft>
+              <a:tabLst>
+                <a:tab pos="581660" algn="l"/>
+                <a:tab pos="1163320" algn="l"/>
+                <a:tab pos="1744980" algn="l"/>
+                <a:tab pos="2326640" algn="l"/>
+                <a:tab pos="2908300" algn="l"/>
+                <a:tab pos="3489960" algn="l"/>
+                <a:tab pos="4071620" algn="l"/>
+                <a:tab pos="4653280" algn="l"/>
+                <a:tab pos="5234940" algn="l"/>
+                <a:tab pos="5816600" algn="l"/>
+                <a:tab pos="6398260" algn="l"/>
+                <a:tab pos="6979920" algn="l"/>
+                <a:tab pos="7561580" algn="l"/>
+                <a:tab pos="8143240" algn="l"/>
+                <a:tab pos="8724900" algn="l"/>
+                <a:tab pos="9306560" algn="l"/>
+              </a:tabLst>
+            </a:pPr>
+            <a:r>
+              <a:rPr lang="en-US" sz="1400" dirty="0">
+                <a:solidFill>
+                  <a:srgbClr val="397300"/>
+                </a:solidFill>
+                <a:effectLst/>
+                <a:latin typeface="Courier New" panose="02070309020205020404" pitchFamily="49" charset="0"/>
+                <a:ea typeface="Times New Roman" panose="02020603050405020304" pitchFamily="18" charset="0"/>
+                <a:cs typeface="Arial" panose="020B0604020202020204" pitchFamily="34" charset="0"/>
+              </a:rPr>
+              <a:t>export</a:t>
+            </a:r>
+            <a:r>
+              <a:rPr lang="en-US" sz="1400" dirty="0">
+                <a:solidFill>
+                  <a:srgbClr val="444444"/>
+                </a:solidFill>
+                <a:effectLst/>
+                <a:latin typeface="Courier New" panose="02070309020205020404" pitchFamily="49" charset="0"/>
+                <a:ea typeface="Times New Roman" panose="02020603050405020304" pitchFamily="18" charset="0"/>
+                <a:cs typeface="Arial" panose="020B0604020202020204" pitchFamily="34" charset="0"/>
+              </a:rPr>
+              <a:t> SCOREP_WRAPPER_INSTRUMENTER_FLAGS=</a:t>
+            </a:r>
+            <a:r>
+              <a:rPr lang="en-US" sz="1400" dirty="0">
+                <a:solidFill>
+                  <a:srgbClr val="880000"/>
+                </a:solidFill>
+                <a:effectLst/>
+                <a:latin typeface="Courier New" panose="02070309020205020404" pitchFamily="49" charset="0"/>
+                <a:ea typeface="Times New Roman" panose="02020603050405020304" pitchFamily="18" charset="0"/>
+                <a:cs typeface="Arial" panose="020B0604020202020204" pitchFamily="34" charset="0"/>
+              </a:rPr>
+              <a:t>"--thread=omp:ompt --io=posix --compiler"</a:t>
+            </a:r>
+            <a:endParaRPr lang="en-US" sz="1400" dirty="0">
+              <a:effectLst/>
+              <a:latin typeface="Calibri" panose="020F0502020204030204" pitchFamily="34" charset="0"/>
+              <a:ea typeface="Calibri" panose="020F0502020204030204" pitchFamily="34" charset="0"/>
+              <a:cs typeface="Arial" panose="020B0604020202020204" pitchFamily="34" charset="0"/>
+            </a:endParaRPr>
+          </a:p>
+          <a:p>
+            <a:pPr>
+              <a:lnSpc>
+                <a:spcPct val="107000"/>
+              </a:lnSpc>
+              <a:spcAft>
+                <a:spcPts val="800"/>
+              </a:spcAft>
+              <a:tabLst>
+                <a:tab pos="581660" algn="l"/>
+                <a:tab pos="1163320" algn="l"/>
+                <a:tab pos="1744980" algn="l"/>
+                <a:tab pos="2326640" algn="l"/>
+                <a:tab pos="2908300" algn="l"/>
+                <a:tab pos="3489960" algn="l"/>
+                <a:tab pos="4071620" algn="l"/>
+                <a:tab pos="4653280" algn="l"/>
+                <a:tab pos="5234940" algn="l"/>
+                <a:tab pos="5816600" algn="l"/>
+                <a:tab pos="6398260" algn="l"/>
+                <a:tab pos="6979920" algn="l"/>
+                <a:tab pos="7561580" algn="l"/>
+                <a:tab pos="8143240" algn="l"/>
+                <a:tab pos="8724900" algn="l"/>
+                <a:tab pos="9306560" algn="l"/>
+              </a:tabLst>
+            </a:pPr>
+            <a:r>
+              <a:rPr lang="en-US" sz="1400" dirty="0">
+                <a:solidFill>
+                  <a:srgbClr val="444444"/>
+                </a:solidFill>
+                <a:effectLst/>
+                <a:latin typeface="Courier New" panose="02070309020205020404" pitchFamily="49" charset="0"/>
+                <a:ea typeface="Times New Roman" panose="02020603050405020304" pitchFamily="18" charset="0"/>
+                <a:cs typeface="Arial" panose="020B0604020202020204" pitchFamily="34" charset="0"/>
+              </a:rPr>
+              <a:t>SCOREP_WRAPPER=off cmake -S . -B build -DGMX_BUILD_OWN_FFTW=ON </a:t>
+            </a:r>
+            <a:r>
+              <a:rPr lang="en-US" sz="1400" dirty="0">
+                <a:solidFill>
+                  <a:srgbClr val="444444"/>
+                </a:solidFill>
+                <a:effectLst/>
+                <a:latin typeface="Courier New" panose="02070309020205020404" pitchFamily="49" charset="0"/>
+                <a:ea typeface="Times New Roman" panose="02020603050405020304" pitchFamily="18" charset="0"/>
+              </a:rPr>
+              <a:t>-DCMAKE_CXX_COMPILER=scorep-clang++</a:t>
+            </a:r>
+            <a:endParaRPr lang="en-US" sz="1400" dirty="0"/>
+          </a:p>
+        </p:txBody>
+      </p:sp>
+      <p:sp>
+        <p:nvSpPr>
+          <p:cNvPr id="2" name="Pfeil: nach unten 1">
+            <a:extLst>
+              <a:ext uri="{FF2B5EF4-FFF2-40B4-BE49-F238E27FC236}">
+                <a16:creationId xmlns:a16="http://schemas.microsoft.com/office/drawing/2014/main" id="{60688512-5C13-4958-AD6F-BB8BAD824EC9}"/>
+              </a:ext>
+            </a:extLst>
+          </p:cNvPr>
+          <p:cNvSpPr/>
+          <p:nvPr/>
+        </p:nvSpPr>
+        <p:spPr>
+          <a:xfrm>
+            <a:off x="4271165" y="5159513"/>
+            <a:ext cx="609600" cy="380998"/>
+          </a:xfrm>
+          <a:prstGeom prst="downArrow">
+            <a:avLst/>
+          </a:prstGeom>
+        </p:spPr>
+        <p:style>
+          <a:lnRef idx="2">
+            <a:schemeClr val="accent1">
+              <a:shade val="50000"/>
+            </a:schemeClr>
+          </a:lnRef>
+          <a:fillRef idx="1">
+            <a:schemeClr val="accent1"/>
+          </a:fillRef>
+          <a:effectRef idx="0">
+            <a:schemeClr val="accent1"/>
+          </a:effectRef>
+          <a:fontRef idx="minor">
+            <a:schemeClr val="lt1"/>
+          </a:fontRef>
+        </p:style>
+        <p:txBody>
+          <a:bodyPr rtlCol="0" anchor="ctr"/>
+          <a:lstStyle/>
+          <a:p>
+            <a:pPr algn="ctr"/>
+            <a:endParaRPr lang="de-DE" dirty="0"/>
+          </a:p>
+        </p:txBody>
+      </p:sp>
+    </p:spTree>
+    <p:extLst>
+      <p:ext uri="{BB962C8B-B14F-4D97-AF65-F5344CB8AC3E}">
+        <p14:creationId xmlns:p14="http://schemas.microsoft.com/office/powerpoint/2010/main" val="1351387899"/>
+      </p:ext>
+    </p:extLst>
+  </p:cSld>
+  <p:clrMapOvr>
+    <a:masterClrMapping/>
+  </p:clrMapOvr>
+</p:sld>
+</file>
+
+<file path=ppt/slides/slide21.xml><?xml version="1.0" encoding="utf-8"?>
+<p:sld xmlns:a="http://schemas.openxmlformats.org/drawingml/2006/main" xmlns:r="http://schemas.openxmlformats.org/officeDocument/2006/relationships" xmlns:p="http://schemas.openxmlformats.org/presentationml/2006/main">
+  <p:cSld>
+    <p:spTree>
+      <p:nvGrpSpPr>
+        <p:cNvPr id="1" name=""/>
+        <p:cNvGrpSpPr/>
+        <p:nvPr/>
+      </p:nvGrpSpPr>
+      <p:grpSpPr>
+        <a:xfrm>
+          <a:off x="0" y="0"/>
+          <a:ext cx="0" cy="0"/>
+          <a:chOff x="0" y="0"/>
+          <a:chExt cx="0" cy="0"/>
+        </a:xfrm>
+      </p:grpSpPr>
+      <p:sp>
+        <p:nvSpPr>
+          <p:cNvPr id="2" name="Inhaltsplatzhalter 1">
+            <a:extLst>
+              <a:ext uri="{FF2B5EF4-FFF2-40B4-BE49-F238E27FC236}">
+                <a16:creationId xmlns:a16="http://schemas.microsoft.com/office/drawing/2014/main" id="{EC0CAABA-3811-4A2B-90BE-A0162C5B7839}"/>
+              </a:ext>
+            </a:extLst>
+          </p:cNvPr>
+          <p:cNvSpPr>
+            <a:spLocks noGrp="1"/>
+          </p:cNvSpPr>
+          <p:nvPr>
+            <p:ph sz="quarter" idx="10"/>
+          </p:nvPr>
+        </p:nvSpPr>
+        <p:spPr/>
+        <p:txBody>
+          <a:bodyPr/>
+          <a:lstStyle/>
+          <a:p>
+            <a:pPr marL="285750" indent="-285750">
+              <a:buFont typeface="Arial" panose="020B0604020202020204" pitchFamily="34" charset="0"/>
+              <a:buChar char="•"/>
+            </a:pPr>
+            <a:r>
+              <a:rPr lang="en-US" dirty="0"/>
+              <a:t>measured by analyzing the time required for target analysis</a:t>
+            </a:r>
+          </a:p>
+          <a:p>
+            <a:pPr marL="681692" lvl="1" indent="-285750">
+              <a:buFont typeface="Wingdings" panose="05000000000000000000" pitchFamily="2" charset="2"/>
+              <a:buChar char="Ø"/>
+            </a:pPr>
+            <a:r>
+              <a:rPr lang="en-US" dirty="0"/>
+              <a:t>does not include time required by CMake for project configuration</a:t>
+            </a:r>
+          </a:p>
+          <a:p>
+            <a:pPr marL="285750" indent="-285750">
+              <a:buFont typeface="Arial" panose="020B0604020202020204" pitchFamily="34" charset="0"/>
+              <a:buChar char="•"/>
+            </a:pPr>
+            <a:r>
+              <a:rPr lang="en-US" dirty="0"/>
+              <a:t>project size represented by number of targets</a:t>
+            </a:r>
+          </a:p>
+          <a:p>
+            <a:pPr marL="681692" lvl="1" indent="-285750">
+              <a:buFont typeface="Arial" panose="020B0604020202020204" pitchFamily="34" charset="0"/>
+              <a:buChar char="•"/>
+            </a:pPr>
+            <a:r>
+              <a:rPr lang="en-US" dirty="0"/>
+              <a:t>target analysis scales by number of targets</a:t>
+            </a:r>
+          </a:p>
+          <a:p>
+            <a:pPr marL="681692" lvl="1" indent="-285750">
+              <a:buFont typeface="Arial" panose="020B0604020202020204" pitchFamily="34" charset="0"/>
+              <a:buChar char="•"/>
+            </a:pPr>
+            <a:r>
+              <a:rPr lang="en-US" dirty="0"/>
+              <a:t>one CMake target can compile and produce multiple files</a:t>
+            </a:r>
+          </a:p>
+          <a:p>
+            <a:pPr marL="681692" lvl="1" indent="-285750">
+              <a:buFont typeface="Wingdings" panose="05000000000000000000" pitchFamily="2" charset="2"/>
+              <a:buChar char="Ø"/>
+            </a:pPr>
+            <a:r>
+              <a:rPr lang="en-US" dirty="0"/>
+              <a:t>target analysis not affected by number of files or source lines</a:t>
+            </a:r>
+          </a:p>
+        </p:txBody>
+      </p:sp>
+      <p:sp>
+        <p:nvSpPr>
+          <p:cNvPr id="3" name="Titel 2">
+            <a:extLst>
+              <a:ext uri="{FF2B5EF4-FFF2-40B4-BE49-F238E27FC236}">
+                <a16:creationId xmlns:a16="http://schemas.microsoft.com/office/drawing/2014/main" id="{1C4164ED-C2CC-4907-9E89-55389D8FB79E}"/>
+              </a:ext>
+            </a:extLst>
+          </p:cNvPr>
+          <p:cNvSpPr>
+            <a:spLocks noGrp="1"/>
+          </p:cNvSpPr>
+          <p:nvPr>
+            <p:ph type="title"/>
+          </p:nvPr>
+        </p:nvSpPr>
+        <p:spPr/>
+        <p:txBody>
+          <a:bodyPr/>
+          <a:lstStyle/>
+          <a:p>
+            <a:r>
+              <a:rPr lang="en-US" dirty="0"/>
+              <a:t>Performance Analysis (Runtime performance)</a:t>
+            </a:r>
+          </a:p>
+        </p:txBody>
+      </p:sp>
+    </p:spTree>
+    <p:extLst>
+      <p:ext uri="{BB962C8B-B14F-4D97-AF65-F5344CB8AC3E}">
+        <p14:creationId xmlns:p14="http://schemas.microsoft.com/office/powerpoint/2010/main" val="4127317060"/>
+      </p:ext>
+    </p:extLst>
+  </p:cSld>
+  <p:clrMapOvr>
+    <a:masterClrMapping/>
+  </p:clrMapOvr>
+</p:sld>
+</file>
+
+<file path=ppt/slides/slide22.xml><?xml version="1.0" encoding="utf-8"?>
 <p:sld xmlns:a="http://schemas.openxmlformats.org/drawingml/2006/main" xmlns:r="http://schemas.openxmlformats.org/officeDocument/2006/relationships" xmlns:p="http://schemas.openxmlformats.org/presentationml/2006/main">
   <p:cSld>
     <p:spTree>
@@ -9246,7 +10073,12 @@
             <p:ph type="title"/>
           </p:nvPr>
         </p:nvSpPr>
-        <p:spPr/>
+        <p:spPr>
+          <a:xfrm>
+            <a:off x="874712" y="346075"/>
+            <a:ext cx="10580687" cy="684213"/>
+          </a:xfrm>
+        </p:spPr>
         <p:txBody>
           <a:bodyPr/>
           <a:lstStyle/>
@@ -9262,265 +10094,6 @@
     <p:extLst>
       <p:ext uri="{BB962C8B-B14F-4D97-AF65-F5344CB8AC3E}">
         <p14:creationId xmlns:p14="http://schemas.microsoft.com/office/powerpoint/2010/main" val="652655899"/>
-      </p:ext>
-    </p:extLst>
-  </p:cSld>
-  <p:clrMapOvr>
-    <a:masterClrMapping/>
-  </p:clrMapOvr>
-</p:sld>
-</file>
-
-<file path=ppt/slides/slide21.xml><?xml version="1.0" encoding="utf-8"?>
-<p:sld xmlns:a="http://schemas.openxmlformats.org/drawingml/2006/main" xmlns:r="http://schemas.openxmlformats.org/officeDocument/2006/relationships" xmlns:p="http://schemas.openxmlformats.org/presentationml/2006/main">
-  <p:cSld>
-    <p:spTree>
-      <p:nvGrpSpPr>
-        <p:cNvPr id="1" name=""/>
-        <p:cNvGrpSpPr/>
-        <p:nvPr/>
-      </p:nvGrpSpPr>
-      <p:grpSpPr>
-        <a:xfrm>
-          <a:off x="0" y="0"/>
-          <a:ext cx="0" cy="0"/>
-          <a:chOff x="0" y="0"/>
-          <a:chExt cx="0" cy="0"/>
-        </a:xfrm>
-      </p:grpSpPr>
-      <p:sp>
-        <p:nvSpPr>
-          <p:cNvPr id="2" name="Titel 1">
-            <a:extLst>
-              <a:ext uri="{FF2B5EF4-FFF2-40B4-BE49-F238E27FC236}">
-                <a16:creationId xmlns:a16="http://schemas.microsoft.com/office/drawing/2014/main" id="{58960EB0-BA67-47DF-8C13-9BB8C3493777}"/>
-              </a:ext>
-            </a:extLst>
-          </p:cNvPr>
-          <p:cNvSpPr>
-            <a:spLocks noGrp="1"/>
-          </p:cNvSpPr>
-          <p:nvPr>
-            <p:ph type="title"/>
-          </p:nvPr>
-        </p:nvSpPr>
-        <p:spPr/>
-        <p:txBody>
-          <a:bodyPr/>
-          <a:lstStyle/>
-          <a:p>
-            <a:r>
-              <a:rPr lang="en-US" dirty="0"/>
-              <a:t>Conclusion and Outlook</a:t>
-            </a:r>
-            <a:br>
-              <a:rPr lang="en-US" dirty="0"/>
-            </a:br>
-            <a:endParaRPr lang="en-US" dirty="0"/>
-          </a:p>
-        </p:txBody>
-      </p:sp>
-    </p:spTree>
-    <p:extLst>
-      <p:ext uri="{BB962C8B-B14F-4D97-AF65-F5344CB8AC3E}">
-        <p14:creationId xmlns:p14="http://schemas.microsoft.com/office/powerpoint/2010/main" val="1912521120"/>
-      </p:ext>
-    </p:extLst>
-  </p:cSld>
-  <p:clrMapOvr>
-    <a:masterClrMapping/>
-  </p:clrMapOvr>
-</p:sld>
-</file>
-
-<file path=ppt/slides/slide22.xml><?xml version="1.0" encoding="utf-8"?>
-<p:sld xmlns:a="http://schemas.openxmlformats.org/drawingml/2006/main" xmlns:r="http://schemas.openxmlformats.org/officeDocument/2006/relationships" xmlns:p="http://schemas.openxmlformats.org/presentationml/2006/main">
-  <p:cSld>
-    <p:spTree>
-      <p:nvGrpSpPr>
-        <p:cNvPr id="1" name=""/>
-        <p:cNvGrpSpPr/>
-        <p:nvPr/>
-      </p:nvGrpSpPr>
-      <p:grpSpPr>
-        <a:xfrm>
-          <a:off x="0" y="0"/>
-          <a:ext cx="0" cy="0"/>
-          <a:chOff x="0" y="0"/>
-          <a:chExt cx="0" cy="0"/>
-        </a:xfrm>
-      </p:grpSpPr>
-      <p:sp>
-        <p:nvSpPr>
-          <p:cNvPr id="4" name="Inhaltsplatzhalter 3">
-            <a:extLst>
-              <a:ext uri="{FF2B5EF4-FFF2-40B4-BE49-F238E27FC236}">
-                <a16:creationId xmlns:a16="http://schemas.microsoft.com/office/drawing/2014/main" id="{83E62156-6951-4E54-9095-61525C33290F}"/>
-              </a:ext>
-            </a:extLst>
-          </p:cNvPr>
-          <p:cNvSpPr>
-            <a:spLocks noGrp="1"/>
-          </p:cNvSpPr>
-          <p:nvPr>
-            <p:ph sz="quarter" idx="10"/>
-          </p:nvPr>
-        </p:nvSpPr>
-        <p:spPr/>
-        <p:txBody>
-          <a:bodyPr/>
-          <a:lstStyle/>
-          <a:p>
-            <a:pPr marL="285750" indent="-285750">
-              <a:buFont typeface="Arial" panose="020B0604020202020204" pitchFamily="34" charset="0"/>
-              <a:buChar char="•"/>
-            </a:pPr>
-            <a:r>
-              <a:rPr lang="en-US" dirty="0"/>
-              <a:t>the developed modules allow for a more fine-grained control of the instrumentation process</a:t>
-            </a:r>
-          </a:p>
-          <a:p>
-            <a:pPr marL="285750" indent="-285750">
-              <a:buFont typeface="Arial" panose="020B0604020202020204" pitchFamily="34" charset="0"/>
-              <a:buChar char="•"/>
-            </a:pPr>
-            <a:r>
-              <a:rPr lang="en-US" dirty="0"/>
-              <a:t>decomposition into localization module, low- and high-level interface provides flexibility</a:t>
-            </a:r>
-          </a:p>
-          <a:p>
-            <a:pPr marL="285750" indent="-285750">
-              <a:buFont typeface="Arial" panose="020B0604020202020204" pitchFamily="34" charset="0"/>
-              <a:buChar char="•"/>
-            </a:pPr>
-            <a:r>
-              <a:rPr lang="en-US" dirty="0"/>
-              <a:t>high-level interface requires some time for target analysis</a:t>
-            </a:r>
-          </a:p>
-          <a:p>
-            <a:pPr marL="681750" lvl="2" indent="-285750">
-              <a:buFont typeface="Wingdings" panose="05000000000000000000" pitchFamily="2" charset="2"/>
-              <a:buChar char="Ø"/>
-            </a:pPr>
-            <a:r>
-              <a:rPr lang="en-US" dirty="0"/>
-              <a:t>can be reduced by reducing the number of instrumented targets or using the low-level interface</a:t>
-            </a:r>
-          </a:p>
-          <a:p>
-            <a:pPr marL="285750" indent="-285750">
-              <a:buFont typeface="Arial" panose="020B0604020202020204" pitchFamily="34" charset="0"/>
-              <a:buChar char="•"/>
-            </a:pPr>
-            <a:r>
-              <a:rPr lang="en-US" dirty="0"/>
-              <a:t>some project configurations may prove to be challenging</a:t>
-            </a:r>
-          </a:p>
-          <a:p>
-            <a:pPr marL="681692" lvl="1" indent="-285750">
-              <a:buFont typeface="Arial" panose="020B0604020202020204" pitchFamily="34" charset="0"/>
-              <a:buChar char="•"/>
-            </a:pPr>
-            <a:r>
-              <a:rPr lang="en-US" dirty="0"/>
-              <a:t>projects using languages which ignore certain target properties</a:t>
-            </a:r>
-          </a:p>
-          <a:p>
-            <a:pPr marL="681692" lvl="1" indent="-285750">
-              <a:buFont typeface="Arial" panose="020B0604020202020204" pitchFamily="34" charset="0"/>
-              <a:buChar char="•"/>
-            </a:pPr>
-            <a:r>
-              <a:rPr lang="en-US" dirty="0"/>
-              <a:t>projects which don’t use well-known link dependencies</a:t>
-            </a:r>
-          </a:p>
-          <a:p>
-            <a:pPr marL="681692" lvl="1" indent="-285750">
-              <a:buFont typeface="Arial" panose="020B0604020202020204" pitchFamily="34" charset="0"/>
-              <a:buChar char="•"/>
-            </a:pPr>
-            <a:r>
-              <a:rPr lang="en-US" dirty="0"/>
-              <a:t>projects which extensively use generator expressions for specifying link dependencies</a:t>
-            </a:r>
-          </a:p>
-          <a:p>
-            <a:pPr marL="681750" lvl="2" indent="-285750">
-              <a:buFont typeface="Wingdings" panose="05000000000000000000" pitchFamily="2" charset="2"/>
-              <a:buChar char="Ø"/>
-            </a:pPr>
-            <a:r>
-              <a:rPr lang="en-US" dirty="0"/>
-              <a:t>manual configuration or workarounds required</a:t>
-            </a:r>
-          </a:p>
-          <a:p>
-            <a:pPr marL="285750" indent="-285750">
-              <a:buFont typeface="Arial" panose="020B0604020202020204" pitchFamily="34" charset="0"/>
-              <a:buChar char="•"/>
-            </a:pPr>
-            <a:r>
-              <a:rPr lang="en-US" dirty="0"/>
-              <a:t>target analysis probably too strict</a:t>
-            </a:r>
-          </a:p>
-          <a:p>
-            <a:pPr marL="681750" lvl="2" indent="-285750">
-              <a:buFont typeface="Wingdings" panose="05000000000000000000" pitchFamily="2" charset="2"/>
-              <a:buChar char="Ø"/>
-            </a:pPr>
-            <a:r>
-              <a:rPr lang="en-US" dirty="0"/>
-              <a:t>further testing of existing restrictions may increase flexibility</a:t>
-            </a:r>
-          </a:p>
-          <a:p>
-            <a:pPr marL="681692" lvl="1" indent="-285750">
-              <a:buFont typeface="Arial" panose="020B0604020202020204" pitchFamily="34" charset="0"/>
-              <a:buChar char="•"/>
-            </a:pPr>
-            <a:endParaRPr lang="en-US" dirty="0"/>
-          </a:p>
-        </p:txBody>
-      </p:sp>
-      <p:sp>
-        <p:nvSpPr>
-          <p:cNvPr id="3" name="Titel 2">
-            <a:extLst>
-              <a:ext uri="{FF2B5EF4-FFF2-40B4-BE49-F238E27FC236}">
-                <a16:creationId xmlns:a16="http://schemas.microsoft.com/office/drawing/2014/main" id="{95961DAF-57A7-4C2E-87F9-D8DC9B703935}"/>
-              </a:ext>
-            </a:extLst>
-          </p:cNvPr>
-          <p:cNvSpPr>
-            <a:spLocks noGrp="1"/>
-          </p:cNvSpPr>
-          <p:nvPr>
-            <p:ph type="title"/>
-          </p:nvPr>
-        </p:nvSpPr>
-        <p:spPr/>
-        <p:txBody>
-          <a:bodyPr/>
-          <a:lstStyle/>
-          <a:p>
-            <a:r>
-              <a:rPr lang="en-US" dirty="0"/>
-              <a:t>Conclusion and Outlook</a:t>
-            </a:r>
-          </a:p>
-        </p:txBody>
-      </p:sp>
-    </p:spTree>
-    <p:extLst>
-      <p:ext uri="{BB962C8B-B14F-4D97-AF65-F5344CB8AC3E}">
-        <p14:creationId xmlns:p14="http://schemas.microsoft.com/office/powerpoint/2010/main" val="3275826758"/>
       </p:ext>
     </p:extLst>
   </p:cSld>
@@ -9549,10 +10122,92 @@
       </p:grpSpPr>
       <p:sp>
         <p:nvSpPr>
-          <p:cNvPr id="2" name="Titel 1">
+          <p:cNvPr id="2" name="Inhaltsplatzhalter 1">
             <a:extLst>
               <a:ext uri="{FF2B5EF4-FFF2-40B4-BE49-F238E27FC236}">
-                <a16:creationId xmlns:a16="http://schemas.microsoft.com/office/drawing/2014/main" id="{7D65CDD3-1921-4AC3-9CBF-AFFCA89F3488}"/>
+                <a16:creationId xmlns:a16="http://schemas.microsoft.com/office/drawing/2014/main" id="{C5494E3B-69BB-4701-8EDA-AE22687F1698}"/>
+              </a:ext>
+            </a:extLst>
+          </p:cNvPr>
+          <p:cNvSpPr>
+            <a:spLocks noGrp="1"/>
+          </p:cNvSpPr>
+          <p:nvPr>
+            <p:ph sz="quarter" idx="10"/>
+          </p:nvPr>
+        </p:nvSpPr>
+        <p:spPr/>
+        <p:txBody>
+          <a:bodyPr/>
+          <a:lstStyle/>
+          <a:p>
+            <a:pPr marL="285750" indent="-285750">
+              <a:buFont typeface="Arial" panose="020B0604020202020204" pitchFamily="34" charset="0"/>
+              <a:buChar char="•"/>
+            </a:pPr>
+            <a:r>
+              <a:rPr lang="en-US" dirty="0"/>
+              <a:t>link dependencies of a target may be specified using generator expressions</a:t>
+            </a:r>
+          </a:p>
+          <a:p>
+            <a:pPr marL="681750" lvl="2" indent="-285750">
+              <a:buFont typeface="Wingdings" panose="05000000000000000000" pitchFamily="2" charset="2"/>
+              <a:buChar char="Ø"/>
+            </a:pPr>
+            <a:r>
+              <a:rPr lang="en-US" dirty="0"/>
+              <a:t>can’t be evaluated during project configuration, target analysis incomplete</a:t>
+            </a:r>
+          </a:p>
+          <a:p>
+            <a:pPr marL="285750" indent="-285750">
+              <a:buFont typeface="Arial" panose="020B0604020202020204" pitchFamily="34" charset="0"/>
+              <a:buChar char="•"/>
+            </a:pPr>
+            <a:r>
+              <a:rPr lang="en-US" dirty="0"/>
+              <a:t>some languages ignore some target properties used by the low-level interface</a:t>
+            </a:r>
+          </a:p>
+          <a:p>
+            <a:pPr marL="681750" lvl="2" indent="-285750">
+              <a:buFont typeface="Wingdings" panose="05000000000000000000" pitchFamily="2" charset="2"/>
+              <a:buChar char="Ø"/>
+            </a:pPr>
+            <a:r>
+              <a:rPr lang="en-US" dirty="0"/>
+              <a:t>prevents Score-P from influencing the linking of these targets</a:t>
+            </a:r>
+          </a:p>
+          <a:p>
+            <a:pPr marL="285750" indent="-285750">
+              <a:buFont typeface="Arial" panose="020B0604020202020204" pitchFamily="34" charset="0"/>
+              <a:buChar char="•"/>
+            </a:pPr>
+            <a:r>
+              <a:rPr lang="en-US" dirty="0"/>
+              <a:t>inferring settings from link dependencies requires using well-known link dependencies</a:t>
+            </a:r>
+          </a:p>
+          <a:p>
+            <a:pPr marL="681692" lvl="1" indent="-285750">
+              <a:buFont typeface="Wingdings" panose="05000000000000000000" pitchFamily="2" charset="2"/>
+              <a:buChar char="Ø"/>
+            </a:pPr>
+            <a:r>
+              <a:rPr lang="en-US" dirty="0"/>
+              <a:t>settings can still be chosen manually (for example based on CMake options)</a:t>
+            </a:r>
+          </a:p>
+        </p:txBody>
+      </p:sp>
+      <p:sp>
+        <p:nvSpPr>
+          <p:cNvPr id="3" name="Titel 2">
+            <a:extLst>
+              <a:ext uri="{FF2B5EF4-FFF2-40B4-BE49-F238E27FC236}">
+                <a16:creationId xmlns:a16="http://schemas.microsoft.com/office/drawing/2014/main" id="{B0AA83E4-D84F-471B-B6DD-5AEB77B094B4}"/>
               </a:ext>
             </a:extLst>
           </p:cNvPr>
@@ -9563,14 +10218,19 @@
             <p:ph type="title"/>
           </p:nvPr>
         </p:nvSpPr>
-        <p:spPr/>
+        <p:spPr>
+          <a:xfrm>
+            <a:off x="874712" y="346075"/>
+            <a:ext cx="10580687" cy="684213"/>
+          </a:xfrm>
+        </p:spPr>
         <p:txBody>
           <a:bodyPr/>
           <a:lstStyle/>
           <a:p>
             <a:r>
               <a:rPr lang="en-US" dirty="0"/>
-              <a:t>Sources</a:t>
+              <a:t>Performance Analysis (Problems &amp; Limitations)</a:t>
             </a:r>
           </a:p>
         </p:txBody>
@@ -9578,7 +10238,7 @@
     </p:spTree>
     <p:extLst>
       <p:ext uri="{BB962C8B-B14F-4D97-AF65-F5344CB8AC3E}">
-        <p14:creationId xmlns:p14="http://schemas.microsoft.com/office/powerpoint/2010/main" val="2260017267"/>
+        <p14:creationId xmlns:p14="http://schemas.microsoft.com/office/powerpoint/2010/main" val="3225152936"/>
       </p:ext>
     </p:extLst>
   </p:cSld>
@@ -9607,6 +10267,348 @@
       </p:grpSpPr>
       <p:sp>
         <p:nvSpPr>
+          <p:cNvPr id="2" name="Titel 1">
+            <a:extLst>
+              <a:ext uri="{FF2B5EF4-FFF2-40B4-BE49-F238E27FC236}">
+                <a16:creationId xmlns:a16="http://schemas.microsoft.com/office/drawing/2014/main" id="{58960EB0-BA67-47DF-8C13-9BB8C3493777}"/>
+              </a:ext>
+            </a:extLst>
+          </p:cNvPr>
+          <p:cNvSpPr>
+            <a:spLocks noGrp="1"/>
+          </p:cNvSpPr>
+          <p:nvPr>
+            <p:ph type="title"/>
+          </p:nvPr>
+        </p:nvSpPr>
+        <p:spPr/>
+        <p:txBody>
+          <a:bodyPr/>
+          <a:lstStyle/>
+          <a:p>
+            <a:r>
+              <a:rPr lang="en-US" dirty="0"/>
+              <a:t>Conclusion and Outlook</a:t>
+            </a:r>
+            <a:br>
+              <a:rPr lang="en-US" dirty="0"/>
+            </a:br>
+            <a:endParaRPr lang="en-US" dirty="0"/>
+          </a:p>
+        </p:txBody>
+      </p:sp>
+    </p:spTree>
+    <p:extLst>
+      <p:ext uri="{BB962C8B-B14F-4D97-AF65-F5344CB8AC3E}">
+        <p14:creationId xmlns:p14="http://schemas.microsoft.com/office/powerpoint/2010/main" val="1912521120"/>
+      </p:ext>
+    </p:extLst>
+  </p:cSld>
+  <p:clrMapOvr>
+    <a:masterClrMapping/>
+  </p:clrMapOvr>
+</p:sld>
+</file>
+
+<file path=ppt/slides/slide25.xml><?xml version="1.0" encoding="utf-8"?>
+<p:sld xmlns:a="http://schemas.openxmlformats.org/drawingml/2006/main" xmlns:r="http://schemas.openxmlformats.org/officeDocument/2006/relationships" xmlns:p="http://schemas.openxmlformats.org/presentationml/2006/main">
+  <p:cSld>
+    <p:spTree>
+      <p:nvGrpSpPr>
+        <p:cNvPr id="1" name=""/>
+        <p:cNvGrpSpPr/>
+        <p:nvPr/>
+      </p:nvGrpSpPr>
+      <p:grpSpPr>
+        <a:xfrm>
+          <a:off x="0" y="0"/>
+          <a:ext cx="0" cy="0"/>
+          <a:chOff x="0" y="0"/>
+          <a:chExt cx="0" cy="0"/>
+        </a:xfrm>
+      </p:grpSpPr>
+      <p:sp>
+        <p:nvSpPr>
+          <p:cNvPr id="4" name="Inhaltsplatzhalter 3">
+            <a:extLst>
+              <a:ext uri="{FF2B5EF4-FFF2-40B4-BE49-F238E27FC236}">
+                <a16:creationId xmlns:a16="http://schemas.microsoft.com/office/drawing/2014/main" id="{83E62156-6951-4E54-9095-61525C33290F}"/>
+              </a:ext>
+            </a:extLst>
+          </p:cNvPr>
+          <p:cNvSpPr>
+            <a:spLocks noGrp="1"/>
+          </p:cNvSpPr>
+          <p:nvPr>
+            <p:ph sz="quarter" idx="10"/>
+          </p:nvPr>
+        </p:nvSpPr>
+        <p:spPr/>
+        <p:txBody>
+          <a:bodyPr/>
+          <a:lstStyle/>
+          <a:p>
+            <a:pPr marL="285750" indent="-285750">
+              <a:buFont typeface="Arial" panose="020B0604020202020204" pitchFamily="34" charset="0"/>
+              <a:buChar char="•"/>
+            </a:pPr>
+            <a:r>
+              <a:rPr lang="en-US" dirty="0"/>
+              <a:t>the developed modules allow for a more fine-grained control of the instrumentation process</a:t>
+            </a:r>
+          </a:p>
+          <a:p>
+            <a:pPr marL="285750" indent="-285750">
+              <a:buFont typeface="Arial" panose="020B0604020202020204" pitchFamily="34" charset="0"/>
+              <a:buChar char="•"/>
+            </a:pPr>
+            <a:r>
+              <a:rPr lang="en-US" dirty="0"/>
+              <a:t>decomposition into localization module, low- and high-level interface provides flexibility</a:t>
+            </a:r>
+          </a:p>
+          <a:p>
+            <a:pPr marL="285750" indent="-285750">
+              <a:buFont typeface="Arial" panose="020B0604020202020204" pitchFamily="34" charset="0"/>
+              <a:buChar char="•"/>
+            </a:pPr>
+            <a:r>
+              <a:rPr lang="en-US" dirty="0"/>
+              <a:t>high-level interface requires some time for target analysis</a:t>
+            </a:r>
+          </a:p>
+          <a:p>
+            <a:pPr marL="681750" lvl="2" indent="-285750">
+              <a:buFont typeface="Wingdings" panose="05000000000000000000" pitchFamily="2" charset="2"/>
+              <a:buChar char="Ø"/>
+            </a:pPr>
+            <a:r>
+              <a:rPr lang="en-US" dirty="0"/>
+              <a:t>can be reduced by reducing the number of instrumented targets or using the low-level interface</a:t>
+            </a:r>
+          </a:p>
+          <a:p>
+            <a:pPr marL="285750" indent="-285750">
+              <a:buFont typeface="Arial" panose="020B0604020202020204" pitchFamily="34" charset="0"/>
+              <a:buChar char="•"/>
+            </a:pPr>
+            <a:r>
+              <a:rPr lang="en-US" dirty="0"/>
+              <a:t>not using well-known link dependencies prevents settings from being inferred</a:t>
+            </a:r>
+          </a:p>
+          <a:p>
+            <a:pPr marL="681750" lvl="2" indent="-285750">
+              <a:buFont typeface="Wingdings" panose="05000000000000000000" pitchFamily="2" charset="2"/>
+              <a:buChar char="Ø"/>
+            </a:pPr>
+            <a:r>
+              <a:rPr lang="en-US" dirty="0"/>
+              <a:t>well-known link dependencies are the modern approach</a:t>
+            </a:r>
+          </a:p>
+          <a:p>
+            <a:pPr marL="681750" lvl="2" indent="-285750">
+              <a:buFont typeface="Wingdings" panose="05000000000000000000" pitchFamily="2" charset="2"/>
+              <a:buChar char="Ø"/>
+            </a:pPr>
+            <a:r>
+              <a:rPr lang="en-US" dirty="0"/>
+              <a:t>inferring settings manually is much easier inside CMake</a:t>
+            </a:r>
+          </a:p>
+          <a:p>
+            <a:pPr marL="285750" indent="-285750">
+              <a:buFont typeface="Arial" panose="020B0604020202020204" pitchFamily="34" charset="0"/>
+              <a:buChar char="•"/>
+            </a:pPr>
+            <a:r>
+              <a:rPr lang="en-US" dirty="0"/>
+              <a:t>languages which ignore certain properties hinder project instrumentation</a:t>
+            </a:r>
+          </a:p>
+          <a:p>
+            <a:pPr marL="681750" lvl="2" indent="-285750">
+              <a:buFont typeface="Wingdings" panose="05000000000000000000" pitchFamily="2" charset="2"/>
+              <a:buChar char="Ø"/>
+            </a:pPr>
+            <a:r>
+              <a:rPr lang="en-US" dirty="0"/>
+              <a:t>can be worked around using another linker language (for example the C++ linker for CUDA)</a:t>
+            </a:r>
+          </a:p>
+          <a:p>
+            <a:pPr marL="285750" indent="-285750">
+              <a:buFont typeface="Arial" panose="020B0604020202020204" pitchFamily="34" charset="0"/>
+              <a:buChar char="•"/>
+            </a:pPr>
+            <a:r>
+              <a:rPr lang="en-US" dirty="0"/>
+              <a:t>generator expressions specifying link dependencies hinder target analysis</a:t>
+            </a:r>
+          </a:p>
+          <a:p>
+            <a:pPr marL="681750" lvl="2" indent="-285750">
+              <a:buFont typeface="Wingdings" panose="05000000000000000000" pitchFamily="2" charset="2"/>
+              <a:buChar char="Ø"/>
+            </a:pPr>
+            <a:r>
+              <a:rPr lang="en-US" dirty="0"/>
+              <a:t>manual configuration or workarounds required</a:t>
+            </a:r>
+          </a:p>
+          <a:p>
+            <a:pPr marL="285750" indent="-285750">
+              <a:buFont typeface="Arial" panose="020B0604020202020204" pitchFamily="34" charset="0"/>
+              <a:buChar char="•"/>
+            </a:pPr>
+            <a:r>
+              <a:rPr lang="en-US" dirty="0"/>
+              <a:t>local set definition probably too strict</a:t>
+            </a:r>
+          </a:p>
+          <a:p>
+            <a:pPr marL="681750" lvl="2" indent="-285750">
+              <a:buFont typeface="Wingdings" panose="05000000000000000000" pitchFamily="2" charset="2"/>
+              <a:buChar char="Ø"/>
+            </a:pPr>
+            <a:r>
+              <a:rPr lang="en-US" dirty="0"/>
+              <a:t>further testing of existing restrictions may increase flexibility</a:t>
+            </a:r>
+          </a:p>
+          <a:p>
+            <a:pPr marL="681692" lvl="1" indent="-285750">
+              <a:buFont typeface="Arial" panose="020B0604020202020204" pitchFamily="34" charset="0"/>
+              <a:buChar char="•"/>
+            </a:pPr>
+            <a:endParaRPr lang="en-US" dirty="0"/>
+          </a:p>
+        </p:txBody>
+      </p:sp>
+      <p:sp>
+        <p:nvSpPr>
+          <p:cNvPr id="3" name="Titel 2">
+            <a:extLst>
+              <a:ext uri="{FF2B5EF4-FFF2-40B4-BE49-F238E27FC236}">
+                <a16:creationId xmlns:a16="http://schemas.microsoft.com/office/drawing/2014/main" id="{95961DAF-57A7-4C2E-87F9-D8DC9B703935}"/>
+              </a:ext>
+            </a:extLst>
+          </p:cNvPr>
+          <p:cNvSpPr>
+            <a:spLocks noGrp="1"/>
+          </p:cNvSpPr>
+          <p:nvPr>
+            <p:ph type="title"/>
+          </p:nvPr>
+        </p:nvSpPr>
+        <p:spPr>
+          <a:xfrm>
+            <a:off x="874712" y="346075"/>
+            <a:ext cx="10580687" cy="684213"/>
+          </a:xfrm>
+        </p:spPr>
+        <p:txBody>
+          <a:bodyPr/>
+          <a:lstStyle/>
+          <a:p>
+            <a:r>
+              <a:rPr lang="en-US" dirty="0"/>
+              <a:t>Conclusion and Outlook</a:t>
+            </a:r>
+          </a:p>
+        </p:txBody>
+      </p:sp>
+    </p:spTree>
+    <p:extLst>
+      <p:ext uri="{BB962C8B-B14F-4D97-AF65-F5344CB8AC3E}">
+        <p14:creationId xmlns:p14="http://schemas.microsoft.com/office/powerpoint/2010/main" val="3275826758"/>
+      </p:ext>
+    </p:extLst>
+  </p:cSld>
+  <p:clrMapOvr>
+    <a:masterClrMapping/>
+  </p:clrMapOvr>
+</p:sld>
+</file>
+
+<file path=ppt/slides/slide26.xml><?xml version="1.0" encoding="utf-8"?>
+<p:sld xmlns:a="http://schemas.openxmlformats.org/drawingml/2006/main" xmlns:r="http://schemas.openxmlformats.org/officeDocument/2006/relationships" xmlns:p="http://schemas.openxmlformats.org/presentationml/2006/main">
+  <p:cSld>
+    <p:spTree>
+      <p:nvGrpSpPr>
+        <p:cNvPr id="1" name=""/>
+        <p:cNvGrpSpPr/>
+        <p:nvPr/>
+      </p:nvGrpSpPr>
+      <p:grpSpPr>
+        <a:xfrm>
+          <a:off x="0" y="0"/>
+          <a:ext cx="0" cy="0"/>
+          <a:chOff x="0" y="0"/>
+          <a:chExt cx="0" cy="0"/>
+        </a:xfrm>
+      </p:grpSpPr>
+      <p:sp>
+        <p:nvSpPr>
+          <p:cNvPr id="2" name="Titel 1">
+            <a:extLst>
+              <a:ext uri="{FF2B5EF4-FFF2-40B4-BE49-F238E27FC236}">
+                <a16:creationId xmlns:a16="http://schemas.microsoft.com/office/drawing/2014/main" id="{7D65CDD3-1921-4AC3-9CBF-AFFCA89F3488}"/>
+              </a:ext>
+            </a:extLst>
+          </p:cNvPr>
+          <p:cNvSpPr>
+            <a:spLocks noGrp="1"/>
+          </p:cNvSpPr>
+          <p:nvPr>
+            <p:ph type="title"/>
+          </p:nvPr>
+        </p:nvSpPr>
+        <p:spPr/>
+        <p:txBody>
+          <a:bodyPr/>
+          <a:lstStyle/>
+          <a:p>
+            <a:r>
+              <a:rPr lang="en-US" dirty="0"/>
+              <a:t>Sources</a:t>
+            </a:r>
+          </a:p>
+        </p:txBody>
+      </p:sp>
+    </p:spTree>
+    <p:extLst>
+      <p:ext uri="{BB962C8B-B14F-4D97-AF65-F5344CB8AC3E}">
+        <p14:creationId xmlns:p14="http://schemas.microsoft.com/office/powerpoint/2010/main" val="2260017267"/>
+      </p:ext>
+    </p:extLst>
+  </p:cSld>
+  <p:clrMapOvr>
+    <a:masterClrMapping/>
+  </p:clrMapOvr>
+</p:sld>
+</file>
+
+<file path=ppt/slides/slide27.xml><?xml version="1.0" encoding="utf-8"?>
+<p:sld xmlns:a="http://schemas.openxmlformats.org/drawingml/2006/main" xmlns:r="http://schemas.openxmlformats.org/officeDocument/2006/relationships" xmlns:p="http://schemas.openxmlformats.org/presentationml/2006/main">
+  <p:cSld>
+    <p:spTree>
+      <p:nvGrpSpPr>
+        <p:cNvPr id="1" name=""/>
+        <p:cNvGrpSpPr/>
+        <p:nvPr/>
+      </p:nvGrpSpPr>
+      <p:grpSpPr>
+        <a:xfrm>
+          <a:off x="0" y="0"/>
+          <a:ext cx="0" cy="0"/>
+          <a:chOff x="0" y="0"/>
+          <a:chExt cx="0" cy="0"/>
+        </a:xfrm>
+      </p:grpSpPr>
+      <p:sp>
+        <p:nvSpPr>
           <p:cNvPr id="4" name="Inhaltsplatzhalter 3">
             <a:extLst>
               <a:ext uri="{FF2B5EF4-FFF2-40B4-BE49-F238E27FC236}">
@@ -9632,13 +10634,13 @@
             </a:pPr>
             <a:r>
               <a:rPr lang="en-US" dirty="0"/>
-              <a:t>Score-P documentation: </a:t>
+              <a:t>GitHub Repository: </a:t>
             </a:r>
             <a:r>
               <a:rPr lang="en-US" sz="1400" dirty="0">
                 <a:hlinkClick r:id="rId2"/>
               </a:rPr>
-              <a:t>https://perftools.pages.jsc.fz-juelich.de/cicd/scorep/tags/latest/html/index.html</a:t>
+              <a:t>https://github.com/Deric-W/FindScoreP</a:t>
             </a:r>
             <a:endParaRPr lang="en-US" sz="1400" dirty="0"/>
           </a:p>
@@ -9649,13 +10651,13 @@
             </a:pPr>
             <a:r>
               <a:rPr lang="en-US" dirty="0"/>
-              <a:t>CMake documentation: </a:t>
+              <a:t>Score-P documentation: </a:t>
             </a:r>
             <a:r>
               <a:rPr lang="en-US" sz="1400" dirty="0">
                 <a:hlinkClick r:id="rId3"/>
               </a:rPr>
-              <a:t>https://cmake.org/cmake/help/v3.20/index.html</a:t>
+              <a:t>https://perftools.pages.jsc.fz-juelich.de/cicd/scorep/tags/latest/html/index.html</a:t>
             </a:r>
             <a:endParaRPr lang="en-US" sz="1400" dirty="0"/>
           </a:p>
@@ -9666,11 +10668,28 @@
             </a:pPr>
             <a:r>
               <a:rPr lang="en-US" dirty="0"/>
-              <a:t>GROMACS: </a:t>
+              <a:t>CMake documentation: </a:t>
             </a:r>
             <a:r>
               <a:rPr lang="en-US" sz="1400" dirty="0">
                 <a:hlinkClick r:id="rId4"/>
+              </a:rPr>
+              <a:t>https://cmake.org/cmake/help/v3.20/index.html</a:t>
+            </a:r>
+            <a:endParaRPr lang="en-US" sz="1400" dirty="0"/>
+          </a:p>
+          <a:p>
+            <a:pPr marL="285750" indent="-285750">
+              <a:buFont typeface="Arial" panose="020B0604020202020204" pitchFamily="34" charset="0"/>
+              <a:buChar char="•"/>
+            </a:pPr>
+            <a:r>
+              <a:rPr lang="en-US" dirty="0"/>
+              <a:t>GROMACS: </a:t>
+            </a:r>
+            <a:r>
+              <a:rPr lang="en-US" sz="1400" dirty="0">
+                <a:hlinkClick r:id="rId5"/>
               </a:rPr>
               <a:t>https://gitlab.com/gromacs/gromacs</a:t>
             </a:r>
@@ -9694,7 +10713,12 @@
             <p:ph type="title"/>
           </p:nvPr>
         </p:nvSpPr>
-        <p:spPr/>
+        <p:spPr>
+          <a:xfrm>
+            <a:off x="874712" y="346075"/>
+            <a:ext cx="10580687" cy="684213"/>
+          </a:xfrm>
+        </p:spPr>
         <p:txBody>
           <a:bodyPr/>
           <a:lstStyle/>
@@ -9865,7 +10889,12 @@
             <p:ph type="title"/>
           </p:nvPr>
         </p:nvSpPr>
-        <p:spPr/>
+        <p:spPr>
+          <a:xfrm>
+            <a:off x="874712" y="346075"/>
+            <a:ext cx="10580687" cy="684213"/>
+          </a:xfrm>
+        </p:spPr>
         <p:txBody>
           <a:bodyPr/>
           <a:lstStyle/>
@@ -10185,7 +11214,12 @@
             <p:ph type="title"/>
           </p:nvPr>
         </p:nvSpPr>
-        <p:spPr/>
+        <p:spPr>
+          <a:xfrm>
+            <a:off x="874712" y="346075"/>
+            <a:ext cx="10580687" cy="684213"/>
+          </a:xfrm>
+        </p:spPr>
         <p:txBody>
           <a:bodyPr/>
           <a:lstStyle/>
@@ -10356,7 +11390,12 @@
             <p:ph type="title"/>
           </p:nvPr>
         </p:nvSpPr>
-        <p:spPr/>
+        <p:spPr>
+          <a:xfrm>
+            <a:off x="874712" y="346075"/>
+            <a:ext cx="10580687" cy="684213"/>
+          </a:xfrm>
+        </p:spPr>
         <p:txBody>
           <a:bodyPr/>
           <a:lstStyle/>
